--- a/presentation-source/02-REST-Intro.pptx
+++ b/presentation-source/02-REST-Intro.pptx
@@ -5,7 +5,7 @@
     <p:sldMasterId id="2147483648" r:id="rId1"/>
   </p:sldMasterIdLst>
   <p:notesMasterIdLst>
-    <p:notesMasterId r:id="rId27"/>
+    <p:notesMasterId r:id="rId26"/>
   </p:notesMasterIdLst>
   <p:sldIdLst>
     <p:sldId id="256" r:id="rId2"/>
@@ -13,26 +13,25 @@
     <p:sldId id="287" r:id="rId4"/>
     <p:sldId id="301" r:id="rId5"/>
     <p:sldId id="289" r:id="rId6"/>
-    <p:sldId id="290" r:id="rId7"/>
-    <p:sldId id="257" r:id="rId8"/>
-    <p:sldId id="258" r:id="rId9"/>
-    <p:sldId id="281" r:id="rId10"/>
-    <p:sldId id="294" r:id="rId11"/>
-    <p:sldId id="293" r:id="rId12"/>
-    <p:sldId id="282" r:id="rId13"/>
-    <p:sldId id="262" r:id="rId14"/>
-    <p:sldId id="263" r:id="rId15"/>
-    <p:sldId id="292" r:id="rId16"/>
-    <p:sldId id="260" r:id="rId17"/>
-    <p:sldId id="296" r:id="rId18"/>
-    <p:sldId id="297" r:id="rId19"/>
-    <p:sldId id="298" r:id="rId20"/>
-    <p:sldId id="299" r:id="rId21"/>
-    <p:sldId id="300" r:id="rId22"/>
-    <p:sldId id="295" r:id="rId23"/>
-    <p:sldId id="265" r:id="rId24"/>
-    <p:sldId id="266" r:id="rId25"/>
-    <p:sldId id="267" r:id="rId26"/>
+    <p:sldId id="257" r:id="rId7"/>
+    <p:sldId id="258" r:id="rId8"/>
+    <p:sldId id="281" r:id="rId9"/>
+    <p:sldId id="294" r:id="rId10"/>
+    <p:sldId id="293" r:id="rId11"/>
+    <p:sldId id="282" r:id="rId12"/>
+    <p:sldId id="262" r:id="rId13"/>
+    <p:sldId id="263" r:id="rId14"/>
+    <p:sldId id="292" r:id="rId15"/>
+    <p:sldId id="260" r:id="rId16"/>
+    <p:sldId id="296" r:id="rId17"/>
+    <p:sldId id="297" r:id="rId18"/>
+    <p:sldId id="298" r:id="rId19"/>
+    <p:sldId id="299" r:id="rId20"/>
+    <p:sldId id="300" r:id="rId21"/>
+    <p:sldId id="295" r:id="rId22"/>
+    <p:sldId id="265" r:id="rId23"/>
+    <p:sldId id="266" r:id="rId24"/>
+    <p:sldId id="267" r:id="rId25"/>
   </p:sldIdLst>
   <p:sldSz cx="9144000" cy="6858000" type="screen4x3"/>
   <p:notesSz cx="6858000" cy="9144000"/>
@@ -131,6 +130,22 @@
       </a:defRPr>
     </a:lvl9pPr>
   </p:defaultTextStyle>
+  <p:extLst>
+    <p:ext uri="{EFAFB233-063F-42B5-8137-9DF3F51BA10A}">
+      <p15:sldGuideLst xmlns:p15="http://schemas.microsoft.com/office/powerpoint/2012/main">
+        <p15:guide id="1" orient="horz" pos="2160">
+          <p15:clr>
+            <a:srgbClr val="A4A3A4"/>
+          </p15:clr>
+        </p15:guide>
+        <p15:guide id="2" pos="2880">
+          <p15:clr>
+            <a:srgbClr val="A4A3A4"/>
+          </p15:clr>
+        </p15:guide>
+      </p15:sldGuideLst>
+    </p:ext>
+  </p:extLst>
 </p:presentation>
 </file>
 
@@ -221,7 +236,7 @@
             <a:fld id="{7307762F-A706-E543-A832-3C298AA3103F}" type="datetimeFigureOut">
               <a:rPr lang="en-US" smtClean="0"/>
               <a:pPr/>
-              <a:t>28/11/18</a:t>
+              <a:t>11/17/19</a:t>
             </a:fld>
             <a:endParaRPr lang="en-US" dirty="0"/>
           </a:p>
@@ -285,38 +300,37 @@
           <a:p>
             <a:pPr lvl="0"/>
             <a:r>
-              <a:rPr lang="en-US" dirty="0" smtClean="0"/>
+              <a:rPr lang="en-US" dirty="0"/>
               <a:t>Click to edit Master text styles</a:t>
             </a:r>
           </a:p>
           <a:p>
             <a:pPr lvl="1"/>
             <a:r>
-              <a:rPr lang="en-US" dirty="0" smtClean="0"/>
+              <a:rPr lang="en-US" dirty="0"/>
               <a:t>Second level</a:t>
             </a:r>
           </a:p>
           <a:p>
             <a:pPr lvl="2"/>
             <a:r>
-              <a:rPr lang="en-US" dirty="0" smtClean="0"/>
+              <a:rPr lang="en-US" dirty="0"/>
               <a:t>Third level</a:t>
             </a:r>
           </a:p>
           <a:p>
             <a:pPr lvl="3"/>
             <a:r>
-              <a:rPr lang="en-US" dirty="0" smtClean="0"/>
+              <a:rPr lang="en-US" dirty="0"/>
               <a:t>Fourth level</a:t>
             </a:r>
           </a:p>
           <a:p>
             <a:pPr lvl="4"/>
             <a:r>
-              <a:rPr lang="en-US" dirty="0" smtClean="0"/>
+              <a:rPr lang="en-US" dirty="0"/>
               <a:t>Fifth level</a:t>
             </a:r>
-            <a:endParaRPr lang="en-US" dirty="0"/>
           </a:p>
         </p:txBody>
       </p:sp>
@@ -538,131 +552,131 @@
           <a:bodyPr/>
           <a:lstStyle/>
           <a:p>
-            <a:endParaRPr lang="en-US" dirty="0" smtClean="0"/>
-          </a:p>
-          <a:p>
-            <a:r>
-              <a:rPr lang="en-US" dirty="0" smtClean="0"/>
+            <a:endParaRPr lang="en-US" dirty="0"/>
+          </a:p>
+          <a:p>
+            <a:r>
+              <a:rPr lang="en-US" dirty="0"/>
               <a:t>title Order API - Create an Order</a:t>
             </a:r>
           </a:p>
           <a:p>
-            <a:endParaRPr lang="en-US" dirty="0" smtClean="0"/>
-          </a:p>
-          <a:p>
-            <a:r>
-              <a:rPr lang="en-US" dirty="0" smtClean="0"/>
+            <a:endParaRPr lang="en-US" dirty="0"/>
+          </a:p>
+          <a:p>
+            <a:r>
+              <a:rPr lang="en-US" dirty="0"/>
               <a:t>Client -&gt; Order: POST http://</a:t>
             </a:r>
             <a:r>
-              <a:rPr lang="en-US" dirty="0" err="1" smtClean="0"/>
+              <a:rPr lang="en-US" dirty="0" err="1"/>
               <a:t>s:p</a:t>
             </a:r>
             <a:r>
-              <a:rPr lang="en-US" dirty="0" smtClean="0"/>
+              <a:rPr lang="en-US" dirty="0"/>
               <a:t>/app/order</a:t>
             </a:r>
           </a:p>
           <a:p>
             <a:r>
-              <a:rPr lang="en-US" dirty="0" smtClean="0"/>
+              <a:rPr lang="en-US" dirty="0"/>
               <a:t>note right of Order: Service creates unique </a:t>
             </a:r>
             <a:r>
-              <a:rPr lang="en-US" dirty="0" err="1" smtClean="0"/>
+              <a:rPr lang="en-US" dirty="0" err="1"/>
               <a:t>uuid</a:t>
             </a:r>
-            <a:endParaRPr lang="en-US" dirty="0" smtClean="0"/>
-          </a:p>
-          <a:p>
-            <a:r>
-              <a:rPr lang="en-US" dirty="0" smtClean="0"/>
+            <a:endParaRPr lang="en-US" dirty="0"/>
+          </a:p>
+          <a:p>
+            <a:r>
+              <a:rPr lang="en-US" dirty="0"/>
               <a:t>Order -&gt; Client: 201 Created + Location: http://</a:t>
             </a:r>
             <a:r>
-              <a:rPr lang="en-US" dirty="0" err="1" smtClean="0"/>
+              <a:rPr lang="en-US" dirty="0" err="1"/>
               <a:t>s:p</a:t>
             </a:r>
             <a:r>
-              <a:rPr lang="en-US" dirty="0" smtClean="0"/>
+              <a:rPr lang="en-US" dirty="0"/>
               <a:t>/app/order/{</a:t>
             </a:r>
             <a:r>
-              <a:rPr lang="en-US" dirty="0" err="1" smtClean="0"/>
+              <a:rPr lang="en-US" dirty="0" err="1"/>
               <a:t>uuid</a:t>
             </a:r>
             <a:r>
-              <a:rPr lang="en-US" dirty="0" smtClean="0"/>
+              <a:rPr lang="en-US" dirty="0"/>
               <a:t>}</a:t>
             </a:r>
           </a:p>
           <a:p>
             <a:r>
-              <a:rPr lang="en-US" dirty="0" smtClean="0"/>
+              <a:rPr lang="en-US" dirty="0"/>
               <a:t>note right of Order: "garbage collect" orders not completed</a:t>
             </a:r>
           </a:p>
           <a:p>
             <a:r>
-              <a:rPr lang="en-US" dirty="0" smtClean="0"/>
+              <a:rPr lang="en-US" dirty="0"/>
               <a:t>Client -&gt; Order: PUT http://</a:t>
             </a:r>
             <a:r>
-              <a:rPr lang="en-US" dirty="0" err="1" smtClean="0"/>
+              <a:rPr lang="en-US" dirty="0" err="1"/>
               <a:t>s:p</a:t>
             </a:r>
             <a:r>
-              <a:rPr lang="en-US" dirty="0" smtClean="0"/>
+              <a:rPr lang="en-US" dirty="0"/>
               <a:t>/app/order/{</a:t>
             </a:r>
             <a:r>
-              <a:rPr lang="en-US" dirty="0" err="1" smtClean="0"/>
+              <a:rPr lang="en-US" dirty="0" err="1"/>
               <a:t>uuid</a:t>
             </a:r>
             <a:r>
-              <a:rPr lang="en-US" dirty="0" smtClean="0"/>
+              <a:rPr lang="en-US" dirty="0"/>
               <a:t>} with actual JSON</a:t>
             </a:r>
           </a:p>
           <a:p>
             <a:r>
-              <a:rPr lang="en-US" dirty="0" smtClean="0"/>
+              <a:rPr lang="en-US" dirty="0"/>
               <a:t>Order -&gt; Client: 200 OK + re-serialization of JSON (for validation purposes)</a:t>
             </a:r>
           </a:p>
           <a:p>
             <a:r>
-              <a:rPr lang="en-US" dirty="0" smtClean="0"/>
+              <a:rPr lang="en-US" dirty="0"/>
               <a:t>Client -&gt; Order: PUT http://</a:t>
             </a:r>
             <a:r>
-              <a:rPr lang="en-US" dirty="0" err="1" smtClean="0"/>
+              <a:rPr lang="en-US" dirty="0" err="1"/>
               <a:t>s:p</a:t>
             </a:r>
             <a:r>
-              <a:rPr lang="en-US" dirty="0" smtClean="0"/>
+              <a:rPr lang="en-US" dirty="0"/>
               <a:t>/app/order/{</a:t>
             </a:r>
             <a:r>
-              <a:rPr lang="en-US" dirty="0" err="1" smtClean="0"/>
+              <a:rPr lang="en-US" dirty="0" err="1"/>
               <a:t>uuid</a:t>
             </a:r>
             <a:r>
-              <a:rPr lang="en-US" dirty="0" smtClean="0"/>
+              <a:rPr lang="en-US" dirty="0"/>
               <a:t>} with actual JSON</a:t>
             </a:r>
           </a:p>
           <a:p>
             <a:r>
-              <a:rPr lang="en-US" dirty="0" smtClean="0"/>
+              <a:rPr lang="en-US" dirty="0"/>
               <a:t>Order -&gt; Client: 304 Not Modified</a:t>
             </a:r>
           </a:p>
           <a:p>
-            <a:endParaRPr lang="en-US" smtClean="0"/>
-          </a:p>
-          <a:p>
-            <a:endParaRPr lang="en-US" dirty="0" smtClean="0"/>
+            <a:endParaRPr lang="en-US"/>
+          </a:p>
+          <a:p>
+            <a:endParaRPr lang="en-US" dirty="0"/>
           </a:p>
         </p:txBody>
       </p:sp>
@@ -683,7 +697,7 @@
           <a:p>
             <a:fld id="{4C8664AA-B0B2-4135-A54D-0C5FA1ABBA12}" type="slidenum">
               <a:rPr lang="en-US" smtClean="0"/>
-              <a:t>23</a:t>
+              <a:t>22</a:t>
             </a:fld>
             <a:endParaRPr lang="en-US"/>
           </a:p>
@@ -747,154 +761,154 @@
           <a:lstStyle/>
           <a:p>
             <a:r>
-              <a:rPr lang="en-US" dirty="0" smtClean="0"/>
+              <a:rPr lang="en-US" dirty="0"/>
               <a:t>title Order API - Deal with an Order</a:t>
             </a:r>
           </a:p>
           <a:p>
-            <a:endParaRPr lang="en-US" dirty="0" smtClean="0"/>
-          </a:p>
-          <a:p>
-            <a:r>
-              <a:rPr lang="en-US" dirty="0" smtClean="0"/>
+            <a:endParaRPr lang="en-US" dirty="0"/>
+          </a:p>
+          <a:p>
+            <a:r>
+              <a:rPr lang="en-US" dirty="0"/>
               <a:t>Client -&gt; Order: GET http://</a:t>
             </a:r>
             <a:r>
-              <a:rPr lang="en-US" dirty="0" err="1" smtClean="0"/>
+              <a:rPr lang="en-US" dirty="0" err="1"/>
               <a:t>s:p</a:t>
             </a:r>
             <a:r>
-              <a:rPr lang="en-US" dirty="0" smtClean="0"/>
+              <a:rPr lang="en-US" dirty="0"/>
               <a:t>/app/order</a:t>
             </a:r>
           </a:p>
           <a:p>
             <a:r>
-              <a:rPr lang="en-US" dirty="0" smtClean="0"/>
+              <a:rPr lang="en-US" dirty="0"/>
               <a:t>note right of Order: Properly should implement size of return list and pagination</a:t>
             </a:r>
           </a:p>
           <a:p>
             <a:r>
-              <a:rPr lang="en-US" dirty="0" smtClean="0"/>
+              <a:rPr lang="en-US" dirty="0"/>
               <a:t>Order -&gt; Client: 200 OK + JSON Array of URIs</a:t>
             </a:r>
           </a:p>
           <a:p>
             <a:r>
-              <a:rPr lang="en-US" dirty="0" smtClean="0"/>
+              <a:rPr lang="en-US" dirty="0"/>
               <a:t>Client -&gt; Order: GET http://</a:t>
             </a:r>
             <a:r>
-              <a:rPr lang="en-US" dirty="0" err="1" smtClean="0"/>
+              <a:rPr lang="en-US" dirty="0" err="1"/>
               <a:t>s:p</a:t>
             </a:r>
             <a:r>
-              <a:rPr lang="en-US" dirty="0" smtClean="0"/>
+              <a:rPr lang="en-US" dirty="0"/>
               <a:t>/app/order/{</a:t>
             </a:r>
             <a:r>
-              <a:rPr lang="en-US" dirty="0" err="1" smtClean="0"/>
+              <a:rPr lang="en-US" dirty="0" err="1"/>
               <a:t>uuid</a:t>
             </a:r>
             <a:r>
-              <a:rPr lang="en-US" dirty="0" smtClean="0"/>
+              <a:rPr lang="en-US" dirty="0"/>
               <a:t>} </a:t>
             </a:r>
           </a:p>
           <a:p>
             <a:r>
-              <a:rPr lang="en-US" dirty="0" smtClean="0"/>
+              <a:rPr lang="en-US" dirty="0"/>
               <a:t>Order -&gt; Client: 200 OK + serialization of JSON </a:t>
             </a:r>
           </a:p>
           <a:p>
             <a:r>
-              <a:rPr lang="en-US" dirty="0" smtClean="0"/>
+              <a:rPr lang="en-US" dirty="0"/>
               <a:t>Client -&gt; Order: DELETE http://</a:t>
             </a:r>
             <a:r>
-              <a:rPr lang="en-US" dirty="0" err="1" smtClean="0"/>
+              <a:rPr lang="en-US" dirty="0" err="1"/>
               <a:t>s:p</a:t>
             </a:r>
             <a:r>
-              <a:rPr lang="en-US" dirty="0" smtClean="0"/>
+              <a:rPr lang="en-US" dirty="0"/>
               <a:t>/app/order/{</a:t>
             </a:r>
             <a:r>
-              <a:rPr lang="en-US" dirty="0" err="1" smtClean="0"/>
+              <a:rPr lang="en-US" dirty="0" err="1"/>
               <a:t>uuid</a:t>
             </a:r>
             <a:r>
-              <a:rPr lang="en-US" dirty="0" smtClean="0"/>
+              <a:rPr lang="en-US" dirty="0"/>
               <a:t>} </a:t>
             </a:r>
           </a:p>
           <a:p>
             <a:r>
-              <a:rPr lang="en-US" dirty="0" smtClean="0"/>
+              <a:rPr lang="en-US" dirty="0"/>
               <a:t>note right of Order: Don't actually delete, just mark deleted</a:t>
             </a:r>
           </a:p>
           <a:p>
             <a:r>
-              <a:rPr lang="en-US" dirty="0" smtClean="0"/>
+              <a:rPr lang="en-US" dirty="0"/>
               <a:t>Order -&gt; Client: 200 OK</a:t>
             </a:r>
           </a:p>
           <a:p>
             <a:r>
-              <a:rPr lang="en-US" dirty="0" smtClean="0"/>
+              <a:rPr lang="en-US" dirty="0"/>
               <a:t>Client -&gt; Order: DELETE http://</a:t>
             </a:r>
             <a:r>
-              <a:rPr lang="en-US" dirty="0" err="1" smtClean="0"/>
+              <a:rPr lang="en-US" dirty="0" err="1"/>
               <a:t>s:p</a:t>
             </a:r>
             <a:r>
-              <a:rPr lang="en-US" dirty="0" smtClean="0"/>
+              <a:rPr lang="en-US" dirty="0"/>
               <a:t>/app/order/{</a:t>
             </a:r>
             <a:r>
-              <a:rPr lang="en-US" dirty="0" err="1" smtClean="0"/>
+              <a:rPr lang="en-US" dirty="0" err="1"/>
               <a:t>uuid</a:t>
             </a:r>
             <a:r>
-              <a:rPr lang="en-US" dirty="0" smtClean="0"/>
+              <a:rPr lang="en-US" dirty="0"/>
               <a:t>} </a:t>
             </a:r>
           </a:p>
           <a:p>
             <a:r>
-              <a:rPr lang="en-US" dirty="0" smtClean="0"/>
+              <a:rPr lang="en-US" dirty="0"/>
               <a:t>Order -&gt; Client: 304 Not Modified</a:t>
             </a:r>
           </a:p>
           <a:p>
             <a:r>
-              <a:rPr lang="en-US" dirty="0" smtClean="0"/>
+              <a:rPr lang="en-US" dirty="0"/>
               <a:t>Client -&gt; Order: GET http://</a:t>
             </a:r>
             <a:r>
-              <a:rPr lang="en-US" dirty="0" err="1" smtClean="0"/>
+              <a:rPr lang="en-US" dirty="0" err="1"/>
               <a:t>s:p</a:t>
             </a:r>
             <a:r>
-              <a:rPr lang="en-US" dirty="0" smtClean="0"/>
+              <a:rPr lang="en-US" dirty="0"/>
               <a:t>/app/order/{</a:t>
             </a:r>
             <a:r>
-              <a:rPr lang="en-US" dirty="0" err="1" smtClean="0"/>
+              <a:rPr lang="en-US" dirty="0" err="1"/>
               <a:t>uuid</a:t>
             </a:r>
             <a:r>
-              <a:rPr lang="en-US" dirty="0" smtClean="0"/>
+              <a:rPr lang="en-US" dirty="0"/>
               <a:t>} </a:t>
             </a:r>
           </a:p>
           <a:p>
             <a:r>
-              <a:rPr lang="en-US" dirty="0" smtClean="0"/>
+              <a:rPr lang="en-US" dirty="0"/>
               <a:t>Order -&gt; Client: 410 Gone</a:t>
             </a:r>
           </a:p>
@@ -920,7 +934,7 @@
           <a:p>
             <a:fld id="{4C8664AA-B0B2-4135-A54D-0C5FA1ABBA12}" type="slidenum">
               <a:rPr lang="en-US" smtClean="0"/>
-              <a:t>24</a:t>
+              <a:t>23</a:t>
             </a:fld>
             <a:endParaRPr lang="en-US"/>
           </a:p>
@@ -977,10 +991,9 @@
           <a:lstStyle/>
           <a:p>
             <a:r>
-              <a:rPr lang="en-US" smtClean="0"/>
+              <a:rPr lang="en-US"/>
               <a:t>Click to edit Master title style</a:t>
             </a:r>
-            <a:endParaRPr lang="en-US"/>
           </a:p>
         </p:txBody>
       </p:sp>
@@ -1096,10 +1109,9 @@
           </a:lstStyle>
           <a:p>
             <a:r>
-              <a:rPr lang="en-US" smtClean="0"/>
+              <a:rPr lang="en-US"/>
               <a:t>Click to edit Master subtitle style</a:t>
             </a:r>
-            <a:endParaRPr lang="en-US"/>
           </a:p>
         </p:txBody>
       </p:sp>
@@ -1149,10 +1161,9 @@
           <a:lstStyle/>
           <a:p>
             <a:r>
-              <a:rPr lang="en-US" smtClean="0"/>
+              <a:rPr lang="en-US"/>
               <a:t>Click to edit Master title style</a:t>
             </a:r>
-            <a:endParaRPr lang="en-US"/>
           </a:p>
         </p:txBody>
       </p:sp>
@@ -1173,38 +1184,37 @@
           <a:p>
             <a:pPr lvl="0"/>
             <a:r>
-              <a:rPr lang="en-US" smtClean="0"/>
+              <a:rPr lang="en-US"/>
               <a:t>Click to edit Master text styles</a:t>
             </a:r>
           </a:p>
           <a:p>
             <a:pPr lvl="1"/>
             <a:r>
-              <a:rPr lang="en-US" smtClean="0"/>
+              <a:rPr lang="en-US"/>
               <a:t>Second level</a:t>
             </a:r>
           </a:p>
           <a:p>
             <a:pPr lvl="2"/>
             <a:r>
-              <a:rPr lang="en-US" smtClean="0"/>
+              <a:rPr lang="en-US"/>
               <a:t>Third level</a:t>
             </a:r>
           </a:p>
           <a:p>
             <a:pPr lvl="3"/>
             <a:r>
-              <a:rPr lang="en-US" smtClean="0"/>
+              <a:rPr lang="en-US"/>
               <a:t>Fourth level</a:t>
             </a:r>
           </a:p>
           <a:p>
             <a:pPr lvl="4"/>
             <a:r>
-              <a:rPr lang="en-US" smtClean="0"/>
+              <a:rPr lang="en-US"/>
               <a:t>Fifth level</a:t>
             </a:r>
-            <a:endParaRPr lang="en-US"/>
           </a:p>
         </p:txBody>
       </p:sp>
@@ -1233,7 +1243,7 @@
           <a:p>
             <a:fld id="{875CF0EB-321F-0749-B37A-89BBA859503C}" type="datetimeFigureOut">
               <a:rPr lang="en-US" smtClean="0"/>
-              <a:t>28/11/18</a:t>
+              <a:t>11/17/19</a:t>
             </a:fld>
             <a:endParaRPr lang="en-US"/>
           </a:p>
@@ -1348,10 +1358,9 @@
           <a:lstStyle/>
           <a:p>
             <a:r>
-              <a:rPr lang="en-US" smtClean="0"/>
+              <a:rPr lang="en-US"/>
               <a:t>Click to edit Master title style</a:t>
             </a:r>
-            <a:endParaRPr lang="en-US"/>
           </a:p>
         </p:txBody>
       </p:sp>
@@ -1377,38 +1386,37 @@
           <a:p>
             <a:pPr lvl="0"/>
             <a:r>
-              <a:rPr lang="en-US" smtClean="0"/>
+              <a:rPr lang="en-US"/>
               <a:t>Click to edit Master text styles</a:t>
             </a:r>
           </a:p>
           <a:p>
             <a:pPr lvl="1"/>
             <a:r>
-              <a:rPr lang="en-US" smtClean="0"/>
+              <a:rPr lang="en-US"/>
               <a:t>Second level</a:t>
             </a:r>
           </a:p>
           <a:p>
             <a:pPr lvl="2"/>
             <a:r>
-              <a:rPr lang="en-US" smtClean="0"/>
+              <a:rPr lang="en-US"/>
               <a:t>Third level</a:t>
             </a:r>
           </a:p>
           <a:p>
             <a:pPr lvl="3"/>
             <a:r>
-              <a:rPr lang="en-US" smtClean="0"/>
+              <a:rPr lang="en-US"/>
               <a:t>Fourth level</a:t>
             </a:r>
           </a:p>
           <a:p>
             <a:pPr lvl="4"/>
             <a:r>
-              <a:rPr lang="en-US" smtClean="0"/>
+              <a:rPr lang="en-US"/>
               <a:t>Fifth level</a:t>
             </a:r>
-            <a:endParaRPr lang="en-US"/>
           </a:p>
         </p:txBody>
       </p:sp>
@@ -1437,7 +1445,7 @@
           <a:p>
             <a:fld id="{875CF0EB-321F-0749-B37A-89BBA859503C}" type="datetimeFigureOut">
               <a:rPr lang="en-US" smtClean="0"/>
-              <a:t>28/11/18</a:t>
+              <a:t>11/17/19</a:t>
             </a:fld>
             <a:endParaRPr lang="en-US"/>
           </a:p>
@@ -1547,10 +1555,9 @@
           <a:lstStyle/>
           <a:p>
             <a:r>
-              <a:rPr lang="en-US" smtClean="0"/>
+              <a:rPr lang="en-US"/>
               <a:t>Click to edit Master title style</a:t>
             </a:r>
-            <a:endParaRPr lang="en-US"/>
           </a:p>
         </p:txBody>
       </p:sp>
@@ -1571,38 +1578,37 @@
           <a:p>
             <a:pPr lvl="0"/>
             <a:r>
-              <a:rPr lang="en-US" smtClean="0"/>
+              <a:rPr lang="en-US"/>
               <a:t>Click to edit Master text styles</a:t>
             </a:r>
           </a:p>
           <a:p>
             <a:pPr lvl="1"/>
             <a:r>
-              <a:rPr lang="en-US" smtClean="0"/>
+              <a:rPr lang="en-US"/>
               <a:t>Second level</a:t>
             </a:r>
           </a:p>
           <a:p>
             <a:pPr lvl="2"/>
             <a:r>
-              <a:rPr lang="en-US" smtClean="0"/>
+              <a:rPr lang="en-US"/>
               <a:t>Third level</a:t>
             </a:r>
           </a:p>
           <a:p>
             <a:pPr lvl="3"/>
             <a:r>
-              <a:rPr lang="en-US" smtClean="0"/>
+              <a:rPr lang="en-US"/>
               <a:t>Fourth level</a:t>
             </a:r>
           </a:p>
           <a:p>
             <a:pPr lvl="4"/>
             <a:r>
-              <a:rPr lang="en-US" smtClean="0"/>
+              <a:rPr lang="en-US"/>
               <a:t>Fifth level</a:t>
             </a:r>
-            <a:endParaRPr lang="en-US"/>
           </a:p>
         </p:txBody>
       </p:sp>
@@ -1631,7 +1637,7 @@
           <a:p>
             <a:fld id="{875CF0EB-321F-0749-B37A-89BBA859503C}" type="datetimeFigureOut">
               <a:rPr lang="en-US" smtClean="0"/>
-              <a:t>28/11/18</a:t>
+              <a:t>11/17/19</a:t>
             </a:fld>
             <a:endParaRPr lang="en-US"/>
           </a:p>
@@ -1750,10 +1756,9 @@
           </a:lstStyle>
           <a:p>
             <a:r>
-              <a:rPr lang="en-US" smtClean="0"/>
+              <a:rPr lang="en-US"/>
               <a:t>Click to edit Master title style</a:t>
             </a:r>
-            <a:endParaRPr lang="en-US"/>
           </a:p>
         </p:txBody>
       </p:sp>
@@ -1870,7 +1875,7 @@
           <a:p>
             <a:pPr lvl="0"/>
             <a:r>
-              <a:rPr lang="en-US" smtClean="0"/>
+              <a:rPr lang="en-US"/>
               <a:t>Click to edit Master text styles</a:t>
             </a:r>
           </a:p>
@@ -1901,7 +1906,7 @@
           <a:p>
             <a:fld id="{875CF0EB-321F-0749-B37A-89BBA859503C}" type="datetimeFigureOut">
               <a:rPr lang="en-US" smtClean="0"/>
-              <a:t>28/11/18</a:t>
+              <a:t>11/17/19</a:t>
             </a:fld>
             <a:endParaRPr lang="en-US"/>
           </a:p>
@@ -2011,10 +2016,9 @@
           <a:lstStyle/>
           <a:p>
             <a:r>
-              <a:rPr lang="en-US" smtClean="0"/>
+              <a:rPr lang="en-US"/>
               <a:t>Click to edit Master title style</a:t>
             </a:r>
-            <a:endParaRPr lang="en-US"/>
           </a:p>
         </p:txBody>
       </p:sp>
@@ -2068,38 +2072,37 @@
           <a:p>
             <a:pPr lvl="0"/>
             <a:r>
-              <a:rPr lang="en-US" smtClean="0"/>
+              <a:rPr lang="en-US"/>
               <a:t>Click to edit Master text styles</a:t>
             </a:r>
           </a:p>
           <a:p>
             <a:pPr lvl="1"/>
             <a:r>
-              <a:rPr lang="en-US" smtClean="0"/>
+              <a:rPr lang="en-US"/>
               <a:t>Second level</a:t>
             </a:r>
           </a:p>
           <a:p>
             <a:pPr lvl="2"/>
             <a:r>
-              <a:rPr lang="en-US" smtClean="0"/>
+              <a:rPr lang="en-US"/>
               <a:t>Third level</a:t>
             </a:r>
           </a:p>
           <a:p>
             <a:pPr lvl="3"/>
             <a:r>
-              <a:rPr lang="en-US" smtClean="0"/>
+              <a:rPr lang="en-US"/>
               <a:t>Fourth level</a:t>
             </a:r>
           </a:p>
           <a:p>
             <a:pPr lvl="4"/>
             <a:r>
-              <a:rPr lang="en-US" smtClean="0"/>
+              <a:rPr lang="en-US"/>
               <a:t>Fifth level</a:t>
             </a:r>
-            <a:endParaRPr lang="en-US"/>
           </a:p>
         </p:txBody>
       </p:sp>
@@ -2153,38 +2156,37 @@
           <a:p>
             <a:pPr lvl="0"/>
             <a:r>
-              <a:rPr lang="en-US" smtClean="0"/>
+              <a:rPr lang="en-US"/>
               <a:t>Click to edit Master text styles</a:t>
             </a:r>
           </a:p>
           <a:p>
             <a:pPr lvl="1"/>
             <a:r>
-              <a:rPr lang="en-US" smtClean="0"/>
+              <a:rPr lang="en-US"/>
               <a:t>Second level</a:t>
             </a:r>
           </a:p>
           <a:p>
             <a:pPr lvl="2"/>
             <a:r>
-              <a:rPr lang="en-US" smtClean="0"/>
+              <a:rPr lang="en-US"/>
               <a:t>Third level</a:t>
             </a:r>
           </a:p>
           <a:p>
             <a:pPr lvl="3"/>
             <a:r>
-              <a:rPr lang="en-US" smtClean="0"/>
+              <a:rPr lang="en-US"/>
               <a:t>Fourth level</a:t>
             </a:r>
           </a:p>
           <a:p>
             <a:pPr lvl="4"/>
             <a:r>
-              <a:rPr lang="en-US" smtClean="0"/>
+              <a:rPr lang="en-US"/>
               <a:t>Fifth level</a:t>
             </a:r>
-            <a:endParaRPr lang="en-US"/>
           </a:p>
         </p:txBody>
       </p:sp>
@@ -2213,7 +2215,7 @@
           <a:p>
             <a:fld id="{875CF0EB-321F-0749-B37A-89BBA859503C}" type="datetimeFigureOut">
               <a:rPr lang="en-US" smtClean="0"/>
-              <a:t>28/11/18</a:t>
+              <a:t>11/17/19</a:t>
             </a:fld>
             <a:endParaRPr lang="en-US"/>
           </a:p>
@@ -2327,10 +2329,9 @@
           </a:lstStyle>
           <a:p>
             <a:r>
-              <a:rPr lang="en-US" smtClean="0"/>
+              <a:rPr lang="en-US"/>
               <a:t>Click to edit Master title style</a:t>
             </a:r>
-            <a:endParaRPr lang="en-US"/>
           </a:p>
         </p:txBody>
       </p:sp>
@@ -2393,7 +2394,7 @@
           <a:p>
             <a:pPr lvl="0"/>
             <a:r>
-              <a:rPr lang="en-US" smtClean="0"/>
+              <a:rPr lang="en-US"/>
               <a:t>Click to edit Master text styles</a:t>
             </a:r>
           </a:p>
@@ -2449,38 +2450,37 @@
           <a:p>
             <a:pPr lvl="0"/>
             <a:r>
-              <a:rPr lang="en-US" smtClean="0"/>
+              <a:rPr lang="en-US"/>
               <a:t>Click to edit Master text styles</a:t>
             </a:r>
           </a:p>
           <a:p>
             <a:pPr lvl="1"/>
             <a:r>
-              <a:rPr lang="en-US" smtClean="0"/>
+              <a:rPr lang="en-US"/>
               <a:t>Second level</a:t>
             </a:r>
           </a:p>
           <a:p>
             <a:pPr lvl="2"/>
             <a:r>
-              <a:rPr lang="en-US" smtClean="0"/>
+              <a:rPr lang="en-US"/>
               <a:t>Third level</a:t>
             </a:r>
           </a:p>
           <a:p>
             <a:pPr lvl="3"/>
             <a:r>
-              <a:rPr lang="en-US" smtClean="0"/>
+              <a:rPr lang="en-US"/>
               <a:t>Fourth level</a:t>
             </a:r>
           </a:p>
           <a:p>
             <a:pPr lvl="4"/>
             <a:r>
-              <a:rPr lang="en-US" smtClean="0"/>
+              <a:rPr lang="en-US"/>
               <a:t>Fifth level</a:t>
             </a:r>
-            <a:endParaRPr lang="en-US"/>
           </a:p>
         </p:txBody>
       </p:sp>
@@ -2543,7 +2543,7 @@
           <a:p>
             <a:pPr lvl="0"/>
             <a:r>
-              <a:rPr lang="en-US" smtClean="0"/>
+              <a:rPr lang="en-US"/>
               <a:t>Click to edit Master text styles</a:t>
             </a:r>
           </a:p>
@@ -2599,38 +2599,37 @@
           <a:p>
             <a:pPr lvl="0"/>
             <a:r>
-              <a:rPr lang="en-US" smtClean="0"/>
+              <a:rPr lang="en-US"/>
               <a:t>Click to edit Master text styles</a:t>
             </a:r>
           </a:p>
           <a:p>
             <a:pPr lvl="1"/>
             <a:r>
-              <a:rPr lang="en-US" smtClean="0"/>
+              <a:rPr lang="en-US"/>
               <a:t>Second level</a:t>
             </a:r>
           </a:p>
           <a:p>
             <a:pPr lvl="2"/>
             <a:r>
-              <a:rPr lang="en-US" smtClean="0"/>
+              <a:rPr lang="en-US"/>
               <a:t>Third level</a:t>
             </a:r>
           </a:p>
           <a:p>
             <a:pPr lvl="3"/>
             <a:r>
-              <a:rPr lang="en-US" smtClean="0"/>
+              <a:rPr lang="en-US"/>
               <a:t>Fourth level</a:t>
             </a:r>
           </a:p>
           <a:p>
             <a:pPr lvl="4"/>
             <a:r>
-              <a:rPr lang="en-US" smtClean="0"/>
+              <a:rPr lang="en-US"/>
               <a:t>Fifth level</a:t>
             </a:r>
-            <a:endParaRPr lang="en-US"/>
           </a:p>
         </p:txBody>
       </p:sp>
@@ -2659,7 +2658,7 @@
           <a:p>
             <a:fld id="{875CF0EB-321F-0749-B37A-89BBA859503C}" type="datetimeFigureOut">
               <a:rPr lang="en-US" smtClean="0"/>
-              <a:t>28/11/18</a:t>
+              <a:t>11/17/19</a:t>
             </a:fld>
             <a:endParaRPr lang="en-US"/>
           </a:p>
@@ -2769,10 +2768,9 @@
           <a:lstStyle/>
           <a:p>
             <a:r>
-              <a:rPr lang="en-US" smtClean="0"/>
+              <a:rPr lang="en-US"/>
               <a:t>Click to edit Master title style</a:t>
             </a:r>
-            <a:endParaRPr lang="en-US"/>
           </a:p>
         </p:txBody>
       </p:sp>
@@ -2801,7 +2799,7 @@
           <a:p>
             <a:fld id="{875CF0EB-321F-0749-B37A-89BBA859503C}" type="datetimeFigureOut">
               <a:rPr lang="en-US" smtClean="0"/>
-              <a:t>28/11/18</a:t>
+              <a:t>11/17/19</a:t>
             </a:fld>
             <a:endParaRPr lang="en-US"/>
           </a:p>
@@ -2920,7 +2918,7 @@
           <a:p>
             <a:fld id="{875CF0EB-321F-0749-B37A-89BBA859503C}" type="datetimeFigureOut">
               <a:rPr lang="en-US" smtClean="0"/>
-              <a:t>28/11/18</a:t>
+              <a:t>11/17/19</a:t>
             </a:fld>
             <a:endParaRPr lang="en-US"/>
           </a:p>
@@ -3039,10 +3037,9 @@
           </a:lstStyle>
           <a:p>
             <a:r>
-              <a:rPr lang="en-US" smtClean="0"/>
+              <a:rPr lang="en-US"/>
               <a:t>Click to edit Master title style</a:t>
             </a:r>
-            <a:endParaRPr lang="en-US"/>
           </a:p>
         </p:txBody>
       </p:sp>
@@ -3096,38 +3093,37 @@
           <a:p>
             <a:pPr lvl="0"/>
             <a:r>
-              <a:rPr lang="en-US" smtClean="0"/>
+              <a:rPr lang="en-US"/>
               <a:t>Click to edit Master text styles</a:t>
             </a:r>
           </a:p>
           <a:p>
             <a:pPr lvl="1"/>
             <a:r>
-              <a:rPr lang="en-US" smtClean="0"/>
+              <a:rPr lang="en-US"/>
               <a:t>Second level</a:t>
             </a:r>
           </a:p>
           <a:p>
             <a:pPr lvl="2"/>
             <a:r>
-              <a:rPr lang="en-US" smtClean="0"/>
+              <a:rPr lang="en-US"/>
               <a:t>Third level</a:t>
             </a:r>
           </a:p>
           <a:p>
             <a:pPr lvl="3"/>
             <a:r>
-              <a:rPr lang="en-US" smtClean="0"/>
+              <a:rPr lang="en-US"/>
               <a:t>Fourth level</a:t>
             </a:r>
           </a:p>
           <a:p>
             <a:pPr lvl="4"/>
             <a:r>
-              <a:rPr lang="en-US" smtClean="0"/>
+              <a:rPr lang="en-US"/>
               <a:t>Fifth level</a:t>
             </a:r>
-            <a:endParaRPr lang="en-US"/>
           </a:p>
         </p:txBody>
       </p:sp>
@@ -3190,7 +3186,7 @@
           <a:p>
             <a:pPr lvl="0"/>
             <a:r>
-              <a:rPr lang="en-US" smtClean="0"/>
+              <a:rPr lang="en-US"/>
               <a:t>Click to edit Master text styles</a:t>
             </a:r>
           </a:p>
@@ -3221,7 +3217,7 @@
           <a:p>
             <a:fld id="{875CF0EB-321F-0749-B37A-89BBA859503C}" type="datetimeFigureOut">
               <a:rPr lang="en-US" smtClean="0"/>
-              <a:t>28/11/18</a:t>
+              <a:t>11/17/19</a:t>
             </a:fld>
             <a:endParaRPr lang="en-US"/>
           </a:p>
@@ -3340,10 +3336,9 @@
           </a:lstStyle>
           <a:p>
             <a:r>
-              <a:rPr lang="en-US" smtClean="0"/>
+              <a:rPr lang="en-US"/>
               <a:t>Click to edit Master title style</a:t>
             </a:r>
-            <a:endParaRPr lang="en-US"/>
           </a:p>
         </p:txBody>
       </p:sp>
@@ -3467,7 +3462,7 @@
           <a:p>
             <a:pPr lvl="0"/>
             <a:r>
-              <a:rPr lang="en-US" smtClean="0"/>
+              <a:rPr lang="en-US"/>
               <a:t>Click to edit Master text styles</a:t>
             </a:r>
           </a:p>
@@ -3498,7 +3493,7 @@
           <a:p>
             <a:fld id="{875CF0EB-321F-0749-B37A-89BBA859503C}" type="datetimeFigureOut">
               <a:rPr lang="en-US" smtClean="0"/>
-              <a:t>28/11/18</a:t>
+              <a:t>11/17/19</a:t>
             </a:fld>
             <a:endParaRPr lang="en-US"/>
           </a:p>
@@ -3623,10 +3618,9 @@
           <a:lstStyle/>
           <a:p>
             <a:r>
-              <a:rPr lang="en-US" dirty="0" smtClean="0"/>
+              <a:rPr lang="en-US" dirty="0"/>
               <a:t>Click to edit Master title style</a:t>
             </a:r>
-            <a:endParaRPr lang="en-US" dirty="0"/>
           </a:p>
         </p:txBody>
       </p:sp>
@@ -3657,38 +3651,37 @@
           <a:p>
             <a:pPr lvl="0"/>
             <a:r>
-              <a:rPr lang="en-US" dirty="0" smtClean="0"/>
+              <a:rPr lang="en-US" dirty="0"/>
               <a:t>Click to edit Master text styles</a:t>
             </a:r>
           </a:p>
           <a:p>
             <a:pPr lvl="1"/>
             <a:r>
-              <a:rPr lang="en-US" dirty="0" smtClean="0"/>
+              <a:rPr lang="en-US" dirty="0"/>
               <a:t>Second level</a:t>
             </a:r>
           </a:p>
           <a:p>
             <a:pPr lvl="2"/>
             <a:r>
-              <a:rPr lang="en-US" dirty="0" smtClean="0"/>
+              <a:rPr lang="en-US" dirty="0"/>
               <a:t>Third level</a:t>
             </a:r>
           </a:p>
           <a:p>
             <a:pPr lvl="3"/>
             <a:r>
-              <a:rPr lang="en-US" dirty="0" smtClean="0"/>
+              <a:rPr lang="en-US" dirty="0"/>
               <a:t>Fourth level</a:t>
             </a:r>
           </a:p>
           <a:p>
             <a:pPr lvl="4"/>
             <a:r>
-              <a:rPr lang="en-US" dirty="0" smtClean="0"/>
+              <a:rPr lang="en-US" dirty="0"/>
               <a:t>Fifth level</a:t>
             </a:r>
-            <a:endParaRPr lang="en-US" dirty="0"/>
           </a:p>
         </p:txBody>
       </p:sp>
@@ -3714,14 +3707,14 @@
           </a:ln>
           <a:extLst>
             <a:ext uri="{909E8E84-426E-40dd-AFC4-6F175D3DCCD1}">
-              <a14:hiddenFill xmlns:a14="http://schemas.microsoft.com/office/drawing/2010/main">
+              <a14:hiddenFill xmlns="" xmlns:a14="http://schemas.microsoft.com/office/drawing/2010/main">
                 <a:solidFill>
                   <a:srgbClr val="FFFFFF"/>
                 </a:solidFill>
               </a14:hiddenFill>
             </a:ext>
             <a:ext uri="{91240B29-F687-4f45-9708-019B960494DF}">
-              <a14:hiddenLine xmlns:a14="http://schemas.microsoft.com/office/drawing/2010/main" w="9525">
+              <a14:hiddenLine xmlns="" xmlns:a14="http://schemas.microsoft.com/office/drawing/2010/main" w="9525">
                 <a:solidFill>
                   <a:srgbClr val="000000"/>
                 </a:solidFill>
@@ -3866,7 +3859,7 @@
               <a:defRPr/>
             </a:pPr>
             <a:r>
-              <a:rPr lang="en-US" sz="1200" dirty="0" smtClean="0"/>
+              <a:rPr lang="en-US" sz="1200" dirty="0"/>
               <a:t>© Paul Fremantle 2012.  Portions © Jeremy Gibbons 2010, © WSO2 2005-2012 used with permission of the author(s).</a:t>
             </a:r>
           </a:p>
@@ -3875,15 +3868,15 @@
               <a:defRPr/>
             </a:pPr>
             <a:r>
-              <a:rPr lang="en-US" sz="1200" dirty="0" smtClean="0"/>
+              <a:rPr lang="en-US" sz="1200" dirty="0"/>
               <a:t>Licensed under the Creative Commons 3.0 BY-SA (Attribution-</a:t>
             </a:r>
             <a:r>
-              <a:rPr lang="en-US" sz="1200" dirty="0" err="1" smtClean="0"/>
+              <a:rPr lang="en-US" sz="1200" dirty="0" err="1"/>
               <a:t>Sharealike</a:t>
             </a:r>
             <a:r>
-              <a:rPr lang="en-US" sz="1200" dirty="0" smtClean="0"/>
+              <a:rPr lang="en-US" sz="1200" dirty="0"/>
               <a:t>) license.</a:t>
             </a:r>
           </a:p>
@@ -3892,17 +3885,17 @@
               <a:defRPr/>
             </a:pPr>
             <a:r>
-              <a:rPr lang="en-US" sz="1200" dirty="0" smtClean="0"/>
+              <a:rPr lang="en-US" sz="1200" dirty="0"/>
               <a:t>See </a:t>
             </a:r>
             <a:r>
-              <a:rPr lang="en-US" sz="1200" dirty="0" smtClean="0">
+              <a:rPr lang="en-US" sz="1200" dirty="0">
                 <a:hlinkClick r:id="rId13"/>
               </a:rPr>
               <a:t>http://creativecommons.org/licenses/by-sa/3.0/</a:t>
             </a:r>
             <a:r>
-              <a:rPr lang="en-US" sz="1200" dirty="0" smtClean="0"/>
+              <a:rPr lang="en-US" sz="1200" dirty="0"/>
               <a:t> </a:t>
             </a:r>
           </a:p>
@@ -3910,7 +3903,7 @@
             <a:pPr algn="l" eaLnBrk="1" hangingPunct="1">
               <a:defRPr/>
             </a:pPr>
-            <a:endParaRPr lang="en-US" sz="1200" dirty="0" smtClean="0"/>
+            <a:endParaRPr lang="en-US" sz="1200" dirty="0"/>
           </a:p>
         </p:txBody>
       </p:sp>
@@ -3949,14 +3942,14 @@
           </a:ln>
           <a:extLst>
             <a:ext uri="{909E8E84-426E-40dd-AFC4-6F175D3DCCD1}">
-              <a14:hiddenFill xmlns:a14="http://schemas.microsoft.com/office/drawing/2010/main">
+              <a14:hiddenFill xmlns="" xmlns:a14="http://schemas.microsoft.com/office/drawing/2010/main">
                 <a:solidFill>
                   <a:srgbClr val="FFFFFF"/>
                 </a:solidFill>
               </a14:hiddenFill>
             </a:ext>
             <a:ext uri="{91240B29-F687-4f45-9708-019B960494DF}">
-              <a14:hiddenLine xmlns:a14="http://schemas.microsoft.com/office/drawing/2010/main" w="9525">
+              <a14:hiddenLine xmlns="" xmlns:a14="http://schemas.microsoft.com/office/drawing/2010/main" w="9525">
                 <a:solidFill>
                   <a:srgbClr val="000000"/>
                 </a:solidFill>
@@ -3990,14 +3983,14 @@
           </a:ln>
           <a:extLst>
             <a:ext uri="{909E8E84-426E-40dd-AFC4-6F175D3DCCD1}">
-              <a14:hiddenFill xmlns:a14="http://schemas.microsoft.com/office/drawing/2010/main">
+              <a14:hiddenFill xmlns="" xmlns:a14="http://schemas.microsoft.com/office/drawing/2010/main">
                 <a:solidFill>
                   <a:srgbClr val="FFFFFF"/>
                 </a:solidFill>
               </a14:hiddenFill>
             </a:ext>
             <a:ext uri="{91240B29-F687-4f45-9708-019B960494DF}">
-              <a14:hiddenLine xmlns:a14="http://schemas.microsoft.com/office/drawing/2010/main" w="9525">
+              <a14:hiddenLine xmlns="" xmlns:a14="http://schemas.microsoft.com/office/drawing/2010/main" w="9525">
                 <a:solidFill>
                   <a:srgbClr val="000000"/>
                 </a:solidFill>
@@ -4142,7 +4135,7 @@
               <a:defRPr/>
             </a:pPr>
             <a:r>
-              <a:rPr lang="en-US" sz="1200" dirty="0" smtClean="0"/>
+              <a:rPr lang="en-US" sz="1200" dirty="0"/>
               <a:t>© Paul Fremantle 2012.  Portions © Jeremy Gibbons 2010, © WSO2 2005-2012 used with permission of the author(s).</a:t>
             </a:r>
           </a:p>
@@ -4151,15 +4144,15 @@
               <a:defRPr/>
             </a:pPr>
             <a:r>
-              <a:rPr lang="en-US" sz="1200" dirty="0" smtClean="0"/>
+              <a:rPr lang="en-US" sz="1200" dirty="0"/>
               <a:t>Licensed under the Creative Commons 3.0 BY-SA (Attribution-</a:t>
             </a:r>
             <a:r>
-              <a:rPr lang="en-US" sz="1200" dirty="0" err="1" smtClean="0"/>
+              <a:rPr lang="en-US" sz="1200" dirty="0" err="1"/>
               <a:t>Sharealike</a:t>
             </a:r>
             <a:r>
-              <a:rPr lang="en-US" sz="1200" dirty="0" smtClean="0"/>
+              <a:rPr lang="en-US" sz="1200" dirty="0"/>
               <a:t>) license.</a:t>
             </a:r>
           </a:p>
@@ -4168,17 +4161,17 @@
               <a:defRPr/>
             </a:pPr>
             <a:r>
-              <a:rPr lang="en-US" sz="1200" dirty="0" smtClean="0"/>
+              <a:rPr lang="en-US" sz="1200" dirty="0"/>
               <a:t>See </a:t>
             </a:r>
             <a:r>
-              <a:rPr lang="en-US" sz="1200" dirty="0" smtClean="0">
+              <a:rPr lang="en-US" sz="1200" dirty="0">
                 <a:hlinkClick r:id="rId13"/>
               </a:rPr>
               <a:t>http://creativecommons.org/licenses/by-sa/3.0/</a:t>
             </a:r>
             <a:r>
-              <a:rPr lang="en-US" sz="1200" dirty="0" smtClean="0"/>
+              <a:rPr lang="en-US" sz="1200" dirty="0"/>
               <a:t> </a:t>
             </a:r>
           </a:p>
@@ -4186,7 +4179,7 @@
             <a:pPr algn="l" eaLnBrk="1" hangingPunct="1">
               <a:defRPr/>
             </a:pPr>
-            <a:endParaRPr lang="en-US" sz="1200" dirty="0" smtClean="0"/>
+            <a:endParaRPr lang="en-US" sz="1200" dirty="0"/>
           </a:p>
         </p:txBody>
       </p:sp>
@@ -4225,14 +4218,14 @@
           </a:ln>
           <a:extLst>
             <a:ext uri="{909E8E84-426E-40dd-AFC4-6F175D3DCCD1}">
-              <a14:hiddenFill xmlns:a14="http://schemas.microsoft.com/office/drawing/2010/main">
+              <a14:hiddenFill xmlns="" xmlns:a14="http://schemas.microsoft.com/office/drawing/2010/main">
                 <a:solidFill>
                   <a:srgbClr val="FFFFFF"/>
                 </a:solidFill>
               </a14:hiddenFill>
             </a:ext>
             <a:ext uri="{91240B29-F687-4f45-9708-019B960494DF}">
-              <a14:hiddenLine xmlns:a14="http://schemas.microsoft.com/office/drawing/2010/main" w="9525">
+              <a14:hiddenLine xmlns="" xmlns:a14="http://schemas.microsoft.com/office/drawing/2010/main" w="9525">
                 <a:solidFill>
                   <a:srgbClr val="000000"/>
                 </a:solidFill>
@@ -4266,14 +4259,14 @@
           </a:ln>
           <a:extLst>
             <a:ext uri="{909E8E84-426E-40dd-AFC4-6F175D3DCCD1}">
-              <a14:hiddenFill xmlns:a14="http://schemas.microsoft.com/office/drawing/2010/main">
+              <a14:hiddenFill xmlns="" xmlns:a14="http://schemas.microsoft.com/office/drawing/2010/main">
                 <a:solidFill>
                   <a:srgbClr val="FFFFFF"/>
                 </a:solidFill>
               </a14:hiddenFill>
             </a:ext>
             <a:ext uri="{91240B29-F687-4f45-9708-019B960494DF}">
-              <a14:hiddenLine xmlns:a14="http://schemas.microsoft.com/office/drawing/2010/main" w="9525">
+              <a14:hiddenLine xmlns="" xmlns:a14="http://schemas.microsoft.com/office/drawing/2010/main" w="9525">
                 <a:solidFill>
                   <a:srgbClr val="000000"/>
                 </a:solidFill>
@@ -4418,7 +4411,7 @@
               <a:defRPr/>
             </a:pPr>
             <a:r>
-              <a:rPr lang="en-US" sz="1200" dirty="0" smtClean="0"/>
+              <a:rPr lang="en-US" sz="1200" dirty="0"/>
               <a:t>© Paul Fremantle 2012.  Portions © Jeremy Gibbons 2010, © WSO2 2005-2012 used with permission of the author(s).</a:t>
             </a:r>
           </a:p>
@@ -4427,15 +4420,15 @@
               <a:defRPr/>
             </a:pPr>
             <a:r>
-              <a:rPr lang="en-US" sz="1200" dirty="0" smtClean="0"/>
+              <a:rPr lang="en-US" sz="1200" dirty="0"/>
               <a:t>Licensed under the Creative Commons 3.0 BY-SA (Attribution-</a:t>
             </a:r>
             <a:r>
-              <a:rPr lang="en-US" sz="1200" dirty="0" err="1" smtClean="0"/>
+              <a:rPr lang="en-US" sz="1200" dirty="0" err="1"/>
               <a:t>Sharealike</a:t>
             </a:r>
             <a:r>
-              <a:rPr lang="en-US" sz="1200" dirty="0" smtClean="0"/>
+              <a:rPr lang="en-US" sz="1200" dirty="0"/>
               <a:t>) license.</a:t>
             </a:r>
           </a:p>
@@ -4444,17 +4437,17 @@
               <a:defRPr/>
             </a:pPr>
             <a:r>
-              <a:rPr lang="en-US" sz="1200" dirty="0" smtClean="0"/>
+              <a:rPr lang="en-US" sz="1200" dirty="0"/>
               <a:t>See </a:t>
             </a:r>
             <a:r>
-              <a:rPr lang="en-US" sz="1200" dirty="0" smtClean="0">
+              <a:rPr lang="en-US" sz="1200" dirty="0">
                 <a:hlinkClick r:id="rId13"/>
               </a:rPr>
               <a:t>http://creativecommons.org/licenses/by-sa/3.0/</a:t>
             </a:r>
             <a:r>
-              <a:rPr lang="en-US" sz="1200" dirty="0" smtClean="0"/>
+              <a:rPr lang="en-US" sz="1200" dirty="0"/>
               <a:t> </a:t>
             </a:r>
           </a:p>
@@ -4462,7 +4455,7 @@
             <a:pPr algn="l" eaLnBrk="1" hangingPunct="1">
               <a:defRPr/>
             </a:pPr>
-            <a:endParaRPr lang="en-US" sz="1200" dirty="0" smtClean="0"/>
+            <a:endParaRPr lang="en-US" sz="1200" dirty="0"/>
           </a:p>
         </p:txBody>
       </p:sp>
@@ -4501,14 +4494,14 @@
           </a:ln>
           <a:extLst>
             <a:ext uri="{909E8E84-426E-40dd-AFC4-6F175D3DCCD1}">
-              <a14:hiddenFill xmlns:a14="http://schemas.microsoft.com/office/drawing/2010/main">
+              <a14:hiddenFill xmlns="" xmlns:a14="http://schemas.microsoft.com/office/drawing/2010/main">
                 <a:solidFill>
                   <a:srgbClr val="FFFFFF"/>
                 </a:solidFill>
               </a14:hiddenFill>
             </a:ext>
             <a:ext uri="{91240B29-F687-4f45-9708-019B960494DF}">
-              <a14:hiddenLine xmlns:a14="http://schemas.microsoft.com/office/drawing/2010/main" w="9525">
+              <a14:hiddenLine xmlns="" xmlns:a14="http://schemas.microsoft.com/office/drawing/2010/main" w="9525">
                 <a:solidFill>
                   <a:srgbClr val="000000"/>
                 </a:solidFill>
@@ -4542,14 +4535,14 @@
           </a:ln>
           <a:extLst>
             <a:ext uri="{909E8E84-426E-40dd-AFC4-6F175D3DCCD1}">
-              <a14:hiddenFill xmlns:a14="http://schemas.microsoft.com/office/drawing/2010/main">
+              <a14:hiddenFill xmlns="" xmlns:a14="http://schemas.microsoft.com/office/drawing/2010/main">
                 <a:solidFill>
                   <a:srgbClr val="FFFFFF"/>
                 </a:solidFill>
               </a14:hiddenFill>
             </a:ext>
             <a:ext uri="{91240B29-F687-4f45-9708-019B960494DF}">
-              <a14:hiddenLine xmlns:a14="http://schemas.microsoft.com/office/drawing/2010/main" w="9525">
+              <a14:hiddenLine xmlns="" xmlns:a14="http://schemas.microsoft.com/office/drawing/2010/main" w="9525">
                 <a:solidFill>
                   <a:srgbClr val="000000"/>
                 </a:solidFill>
@@ -4694,7 +4687,7 @@
               <a:defRPr/>
             </a:pPr>
             <a:r>
-              <a:rPr lang="en-US" sz="1200" dirty="0" smtClean="0"/>
+              <a:rPr lang="en-US" sz="1200" dirty="0"/>
               <a:t>© Paul Fremantle 2012.  Portions © Jeremy Gibbons 2010, © WSO2 2005-2012 used with permission of the author(s).</a:t>
             </a:r>
           </a:p>
@@ -4703,15 +4696,15 @@
               <a:defRPr/>
             </a:pPr>
             <a:r>
-              <a:rPr lang="en-US" sz="1200" dirty="0" smtClean="0"/>
+              <a:rPr lang="en-US" sz="1200" dirty="0"/>
               <a:t>Licensed under the Creative Commons 3.0 BY-SA (Attribution-</a:t>
             </a:r>
             <a:r>
-              <a:rPr lang="en-US" sz="1200" dirty="0" err="1" smtClean="0"/>
+              <a:rPr lang="en-US" sz="1200" dirty="0" err="1"/>
               <a:t>Sharealike</a:t>
             </a:r>
             <a:r>
-              <a:rPr lang="en-US" sz="1200" dirty="0" smtClean="0"/>
+              <a:rPr lang="en-US" sz="1200" dirty="0"/>
               <a:t>) license.</a:t>
             </a:r>
           </a:p>
@@ -4720,17 +4713,17 @@
               <a:defRPr/>
             </a:pPr>
             <a:r>
-              <a:rPr lang="en-US" sz="1200" dirty="0" smtClean="0"/>
+              <a:rPr lang="en-US" sz="1200" dirty="0"/>
               <a:t>See </a:t>
             </a:r>
             <a:r>
-              <a:rPr lang="en-US" sz="1200" dirty="0" smtClean="0">
+              <a:rPr lang="en-US" sz="1200" dirty="0">
                 <a:hlinkClick r:id="rId13"/>
               </a:rPr>
               <a:t>http://creativecommons.org/licenses/by-sa/3.0/</a:t>
             </a:r>
             <a:r>
-              <a:rPr lang="en-US" sz="1200" dirty="0" smtClean="0"/>
+              <a:rPr lang="en-US" sz="1200" dirty="0"/>
               <a:t> </a:t>
             </a:r>
           </a:p>
@@ -4738,7 +4731,7 @@
             <a:pPr algn="l" eaLnBrk="1" hangingPunct="1">
               <a:defRPr/>
             </a:pPr>
-            <a:endParaRPr lang="en-US" sz="1200" dirty="0" smtClean="0"/>
+            <a:endParaRPr lang="en-US" sz="1200" dirty="0"/>
           </a:p>
         </p:txBody>
       </p:sp>
@@ -4777,14 +4770,14 @@
           </a:ln>
           <a:extLst>
             <a:ext uri="{909E8E84-426E-40dd-AFC4-6F175D3DCCD1}">
-              <a14:hiddenFill xmlns:a14="http://schemas.microsoft.com/office/drawing/2010/main">
+              <a14:hiddenFill xmlns="" xmlns:a14="http://schemas.microsoft.com/office/drawing/2010/main">
                 <a:solidFill>
                   <a:srgbClr val="FFFFFF"/>
                 </a:solidFill>
               </a14:hiddenFill>
             </a:ext>
             <a:ext uri="{91240B29-F687-4f45-9708-019B960494DF}">
-              <a14:hiddenLine xmlns:a14="http://schemas.microsoft.com/office/drawing/2010/main" w="9525">
+              <a14:hiddenLine xmlns="" xmlns:a14="http://schemas.microsoft.com/office/drawing/2010/main" w="9525">
                 <a:solidFill>
                   <a:srgbClr val="000000"/>
                 </a:solidFill>
@@ -4818,14 +4811,14 @@
           </a:ln>
           <a:extLst>
             <a:ext uri="{909E8E84-426E-40dd-AFC4-6F175D3DCCD1}">
-              <a14:hiddenFill xmlns:a14="http://schemas.microsoft.com/office/drawing/2010/main">
+              <a14:hiddenFill xmlns="" xmlns:a14="http://schemas.microsoft.com/office/drawing/2010/main">
                 <a:solidFill>
                   <a:srgbClr val="FFFFFF"/>
                 </a:solidFill>
               </a14:hiddenFill>
             </a:ext>
             <a:ext uri="{91240B29-F687-4f45-9708-019B960494DF}">
-              <a14:hiddenLine xmlns:a14="http://schemas.microsoft.com/office/drawing/2010/main" w="9525">
+              <a14:hiddenLine xmlns="" xmlns:a14="http://schemas.microsoft.com/office/drawing/2010/main" w="9525">
                 <a:solidFill>
                   <a:srgbClr val="000000"/>
                 </a:solidFill>
@@ -4970,7 +4963,7 @@
               <a:defRPr/>
             </a:pPr>
             <a:r>
-              <a:rPr lang="en-US" sz="1200" dirty="0" smtClean="0"/>
+              <a:rPr lang="en-US" sz="1200" dirty="0"/>
               <a:t>© Paul Fremantle 2012.  Portions © Jeremy Gibbons 2010, © WSO2 2005-2012 used with permission of the author(s).</a:t>
             </a:r>
           </a:p>
@@ -4979,15 +4972,15 @@
               <a:defRPr/>
             </a:pPr>
             <a:r>
-              <a:rPr lang="en-US" sz="1200" dirty="0" smtClean="0"/>
+              <a:rPr lang="en-US" sz="1200" dirty="0"/>
               <a:t>Licensed under the Creative Commons 3.0 BY-SA (Attribution-</a:t>
             </a:r>
             <a:r>
-              <a:rPr lang="en-US" sz="1200" dirty="0" err="1" smtClean="0"/>
+              <a:rPr lang="en-US" sz="1200" dirty="0" err="1"/>
               <a:t>Sharealike</a:t>
             </a:r>
             <a:r>
-              <a:rPr lang="en-US" sz="1200" dirty="0" smtClean="0"/>
+              <a:rPr lang="en-US" sz="1200" dirty="0"/>
               <a:t>) license.</a:t>
             </a:r>
           </a:p>
@@ -4996,17 +4989,17 @@
               <a:defRPr/>
             </a:pPr>
             <a:r>
-              <a:rPr lang="en-US" sz="1200" dirty="0" smtClean="0"/>
+              <a:rPr lang="en-US" sz="1200" dirty="0"/>
               <a:t>See </a:t>
             </a:r>
             <a:r>
-              <a:rPr lang="en-US" sz="1200" dirty="0" smtClean="0">
+              <a:rPr lang="en-US" sz="1200" dirty="0">
                 <a:hlinkClick r:id="rId13"/>
               </a:rPr>
               <a:t>http://creativecommons.org/licenses/by-sa/3.0/</a:t>
             </a:r>
             <a:r>
-              <a:rPr lang="en-US" sz="1200" dirty="0" smtClean="0"/>
+              <a:rPr lang="en-US" sz="1200" dirty="0"/>
               <a:t> </a:t>
             </a:r>
           </a:p>
@@ -5014,7 +5007,7 @@
             <a:pPr algn="l" eaLnBrk="1" hangingPunct="1">
               <a:defRPr/>
             </a:pPr>
-            <a:endParaRPr lang="en-US" sz="1200" dirty="0" smtClean="0"/>
+            <a:endParaRPr lang="en-US" sz="1200" dirty="0"/>
           </a:p>
         </p:txBody>
       </p:sp>
@@ -5040,14 +5033,14 @@
           </a:ln>
           <a:extLst>
             <a:ext uri="{909E8E84-426E-40dd-AFC4-6F175D3DCCD1}">
-              <a14:hiddenFill xmlns:a14="http://schemas.microsoft.com/office/drawing/2010/main">
+              <a14:hiddenFill xmlns="" xmlns:a14="http://schemas.microsoft.com/office/drawing/2010/main">
                 <a:solidFill>
                   <a:srgbClr val="FFFFFF"/>
                 </a:solidFill>
               </a14:hiddenFill>
             </a:ext>
             <a:ext uri="{91240B29-F687-4f45-9708-019B960494DF}">
-              <a14:hiddenLine xmlns:a14="http://schemas.microsoft.com/office/drawing/2010/main" w="9525">
+              <a14:hiddenLine xmlns="" xmlns:a14="http://schemas.microsoft.com/office/drawing/2010/main" w="9525">
                 <a:solidFill>
                   <a:srgbClr val="000000"/>
                 </a:solidFill>
@@ -5192,7 +5185,7 @@
               <a:defRPr/>
             </a:pPr>
             <a:r>
-              <a:rPr lang="en-US" sz="1200" dirty="0" smtClean="0"/>
+              <a:rPr lang="en-US" sz="1200" dirty="0"/>
               <a:t>© Paul Fremantle 2012.  Portions © Jeremy Gibbons 2010, © WSO2 2005-2012 used with permission of the author(s).</a:t>
             </a:r>
           </a:p>
@@ -5201,15 +5194,15 @@
               <a:defRPr/>
             </a:pPr>
             <a:r>
-              <a:rPr lang="en-US" sz="1200" dirty="0" smtClean="0"/>
+              <a:rPr lang="en-US" sz="1200" dirty="0"/>
               <a:t>Licensed under the Creative Commons 3.0 BY-SA (Attribution-</a:t>
             </a:r>
             <a:r>
-              <a:rPr lang="en-US" sz="1200" dirty="0" err="1" smtClean="0"/>
+              <a:rPr lang="en-US" sz="1200" dirty="0" err="1"/>
               <a:t>Sharealike</a:t>
             </a:r>
             <a:r>
-              <a:rPr lang="en-US" sz="1200" dirty="0" smtClean="0"/>
+              <a:rPr lang="en-US" sz="1200" dirty="0"/>
               <a:t>) license.</a:t>
             </a:r>
           </a:p>
@@ -5218,17 +5211,17 @@
               <a:defRPr/>
             </a:pPr>
             <a:r>
-              <a:rPr lang="en-US" sz="1200" dirty="0" smtClean="0"/>
+              <a:rPr lang="en-US" sz="1200" dirty="0"/>
               <a:t>See </a:t>
             </a:r>
             <a:r>
-              <a:rPr lang="en-US" sz="1200" dirty="0" smtClean="0">
+              <a:rPr lang="en-US" sz="1200" dirty="0">
                 <a:hlinkClick r:id="rId13"/>
               </a:rPr>
               <a:t>http://creativecommons.org/licenses/by-sa/3.0/</a:t>
             </a:r>
             <a:r>
-              <a:rPr lang="en-US" sz="1200" dirty="0" smtClean="0"/>
+              <a:rPr lang="en-US" sz="1200" dirty="0"/>
               <a:t> </a:t>
             </a:r>
           </a:p>
@@ -5236,7 +5229,7 @@
             <a:pPr algn="l" eaLnBrk="1" hangingPunct="1">
               <a:defRPr/>
             </a:pPr>
-            <a:endParaRPr lang="en-US" sz="1200" dirty="0" smtClean="0"/>
+            <a:endParaRPr lang="en-US" sz="1200" dirty="0"/>
           </a:p>
         </p:txBody>
       </p:sp>
@@ -5262,14 +5255,14 @@
           </a:ln>
           <a:extLst>
             <a:ext uri="{909E8E84-426E-40dd-AFC4-6F175D3DCCD1}">
-              <a14:hiddenFill xmlns:a14="http://schemas.microsoft.com/office/drawing/2010/main">
+              <a14:hiddenFill xmlns="" xmlns:a14="http://schemas.microsoft.com/office/drawing/2010/main">
                 <a:solidFill>
                   <a:srgbClr val="FFFFFF"/>
                 </a:solidFill>
               </a14:hiddenFill>
             </a:ext>
             <a:ext uri="{91240B29-F687-4f45-9708-019B960494DF}">
-              <a14:hiddenLine xmlns:a14="http://schemas.microsoft.com/office/drawing/2010/main" w="9525">
+              <a14:hiddenLine xmlns="" xmlns:a14="http://schemas.microsoft.com/office/drawing/2010/main" w="9525">
                 <a:solidFill>
                   <a:srgbClr val="000000"/>
                 </a:solidFill>
@@ -5414,7 +5407,7 @@
               <a:defRPr/>
             </a:pPr>
             <a:r>
-              <a:rPr lang="en-US" sz="1200" dirty="0" smtClean="0"/>
+              <a:rPr lang="en-US" sz="1200" dirty="0"/>
               <a:t>© Paul Fremantle 2012.  Portions © Jeremy Gibbons 2010, © WSO2 2005-2012 used with permission of the author(s).</a:t>
             </a:r>
           </a:p>
@@ -5423,15 +5416,15 @@
               <a:defRPr/>
             </a:pPr>
             <a:r>
-              <a:rPr lang="en-US" sz="1200" dirty="0" smtClean="0"/>
+              <a:rPr lang="en-US" sz="1200" dirty="0"/>
               <a:t>Licensed under the Creative Commons 3.0 BY-SA (Attribution-</a:t>
             </a:r>
             <a:r>
-              <a:rPr lang="en-US" sz="1200" dirty="0" err="1" smtClean="0"/>
+              <a:rPr lang="en-US" sz="1200" dirty="0" err="1"/>
               <a:t>Sharealike</a:t>
             </a:r>
             <a:r>
-              <a:rPr lang="en-US" sz="1200" dirty="0" smtClean="0"/>
+              <a:rPr lang="en-US" sz="1200" dirty="0"/>
               <a:t>) license.</a:t>
             </a:r>
           </a:p>
@@ -5440,17 +5433,17 @@
               <a:defRPr/>
             </a:pPr>
             <a:r>
-              <a:rPr lang="en-US" sz="1200" dirty="0" smtClean="0"/>
+              <a:rPr lang="en-US" sz="1200" dirty="0"/>
               <a:t>See </a:t>
             </a:r>
             <a:r>
-              <a:rPr lang="en-US" sz="1200" dirty="0" smtClean="0">
+              <a:rPr lang="en-US" sz="1200" dirty="0">
                 <a:hlinkClick r:id="rId13"/>
               </a:rPr>
               <a:t>http://creativecommons.org/licenses/by-sa/3.0/</a:t>
             </a:r>
             <a:r>
-              <a:rPr lang="en-US" sz="1200" dirty="0" smtClean="0"/>
+              <a:rPr lang="en-US" sz="1200" dirty="0"/>
               <a:t> </a:t>
             </a:r>
           </a:p>
@@ -5458,7 +5451,7 @@
             <a:pPr algn="l" eaLnBrk="1" hangingPunct="1">
               <a:defRPr/>
             </a:pPr>
-            <a:endParaRPr lang="en-US" sz="1200" dirty="0" smtClean="0"/>
+            <a:endParaRPr lang="en-US" sz="1200" dirty="0"/>
           </a:p>
         </p:txBody>
       </p:sp>
@@ -5497,14 +5490,14 @@
           </a:ln>
           <a:extLst>
             <a:ext uri="{909E8E84-426E-40dd-AFC4-6F175D3DCCD1}">
-              <a14:hiddenFill xmlns:a14="http://schemas.microsoft.com/office/drawing/2010/main">
+              <a14:hiddenFill xmlns="" xmlns:a14="http://schemas.microsoft.com/office/drawing/2010/main">
                 <a:solidFill>
                   <a:srgbClr val="FFFFFF"/>
                 </a:solidFill>
               </a14:hiddenFill>
             </a:ext>
             <a:ext uri="{91240B29-F687-4f45-9708-019B960494DF}">
-              <a14:hiddenLine xmlns:a14="http://schemas.microsoft.com/office/drawing/2010/main" w="9525">
+              <a14:hiddenLine xmlns="" xmlns:a14="http://schemas.microsoft.com/office/drawing/2010/main" w="9525">
                 <a:solidFill>
                   <a:srgbClr val="000000"/>
                 </a:solidFill>
@@ -5551,14 +5544,14 @@
           </a:ln>
           <a:extLst>
             <a:ext uri="{909E8E84-426E-40dd-AFC4-6F175D3DCCD1}">
-              <a14:hiddenFill xmlns:a14="http://schemas.microsoft.com/office/drawing/2010/main">
+              <a14:hiddenFill xmlns="" xmlns:a14="http://schemas.microsoft.com/office/drawing/2010/main">
                 <a:solidFill>
                   <a:srgbClr val="FFFFFF"/>
                 </a:solidFill>
               </a14:hiddenFill>
             </a:ext>
             <a:ext uri="{91240B29-F687-4f45-9708-019B960494DF}">
-              <a14:hiddenLine xmlns:a14="http://schemas.microsoft.com/office/drawing/2010/main" w="9525">
+              <a14:hiddenLine xmlns="" xmlns:a14="http://schemas.microsoft.com/office/drawing/2010/main" w="9525">
                 <a:solidFill>
                   <a:srgbClr val="000000"/>
                 </a:solidFill>
@@ -5592,14 +5585,14 @@
           </a:ln>
           <a:extLst>
             <a:ext uri="{909E8E84-426E-40dd-AFC4-6F175D3DCCD1}">
-              <a14:hiddenFill xmlns:a14="http://schemas.microsoft.com/office/drawing/2010/main">
+              <a14:hiddenFill xmlns="" xmlns:a14="http://schemas.microsoft.com/office/drawing/2010/main">
                 <a:solidFill>
                   <a:srgbClr val="FFFFFF"/>
                 </a:solidFill>
               </a14:hiddenFill>
             </a:ext>
             <a:ext uri="{91240B29-F687-4f45-9708-019B960494DF}">
-              <a14:hiddenLine xmlns:a14="http://schemas.microsoft.com/office/drawing/2010/main" w="9525">
+              <a14:hiddenLine xmlns="" xmlns:a14="http://schemas.microsoft.com/office/drawing/2010/main" w="9525">
                 <a:solidFill>
                   <a:srgbClr val="000000"/>
                 </a:solidFill>
@@ -5753,7 +5746,7 @@
               <a:defRPr/>
             </a:pPr>
             <a:r>
-              <a:rPr lang="en-US" sz="700" dirty="0" smtClean="0">
+              <a:rPr lang="en-US" sz="700" dirty="0">
                 <a:latin typeface="Montserrat"/>
               </a:rPr>
               <a:t>© Paul Fremantle 2016 except where credited elsewhere.  This work is licensed under a Creative Commons</a:t>
@@ -5764,55 +5757,55 @@
               <a:defRPr/>
             </a:pPr>
             <a:r>
-              <a:rPr lang="en-US" sz="700" dirty="0" smtClean="0">
+              <a:rPr lang="en-US" sz="700" dirty="0">
                 <a:latin typeface="Montserrat"/>
               </a:rPr>
               <a:t> Attribution-</a:t>
             </a:r>
             <a:r>
-              <a:rPr lang="en-US" sz="700" dirty="0" err="1" smtClean="0">
+              <a:rPr lang="en-US" sz="700" dirty="0" err="1">
                 <a:latin typeface="Montserrat"/>
               </a:rPr>
               <a:t>NonCommercial</a:t>
             </a:r>
             <a:r>
-              <a:rPr lang="en-US" sz="700" dirty="0" smtClean="0">
+              <a:rPr lang="en-US" sz="700" dirty="0">
                 <a:latin typeface="Montserrat"/>
               </a:rPr>
               <a:t>-</a:t>
             </a:r>
             <a:r>
-              <a:rPr lang="en-US" sz="700" dirty="0" err="1" smtClean="0">
+              <a:rPr lang="en-US" sz="700" dirty="0" err="1">
                 <a:latin typeface="Montserrat"/>
               </a:rPr>
               <a:t>ShareAlike</a:t>
             </a:r>
             <a:r>
-              <a:rPr lang="en-US" sz="700" dirty="0" smtClean="0">
+              <a:rPr lang="en-US" sz="700" dirty="0">
                 <a:latin typeface="Montserrat"/>
               </a:rPr>
               <a:t> 4.0 International License</a:t>
             </a:r>
             <a:br>
-              <a:rPr lang="en-US" sz="700" dirty="0" smtClean="0">
+              <a:rPr lang="en-US" sz="700" dirty="0">
                 <a:latin typeface="Montserrat"/>
               </a:rPr>
             </a:br>
             <a:r>
-              <a:rPr lang="en-US" sz="700" dirty="0" smtClean="0">
+              <a:rPr lang="en-US" sz="700" dirty="0">
                 <a:latin typeface="Montserrat"/>
               </a:rPr>
               <a:t>See  </a:t>
             </a:r>
             <a:r>
-              <a:rPr lang="en-US" sz="700" dirty="0" smtClean="0">
+              <a:rPr lang="en-US" sz="700" dirty="0">
                 <a:latin typeface="Montserrat"/>
                 <a:hlinkClick r:id="rId15"/>
               </a:rPr>
               <a:t>http://creativecommons.org/licenses/by-nc-sa/4.0/</a:t>
             </a:r>
             <a:r>
-              <a:rPr lang="en-US" sz="700" dirty="0" smtClean="0">
+              <a:rPr lang="en-US" sz="700" dirty="0">
                 <a:latin typeface="Montserrat"/>
               </a:rPr>
               <a:t> </a:t>
@@ -6151,14 +6144,14 @@
           <a:lstStyle/>
           <a:p>
             <a:r>
-              <a:rPr lang="en-US" smtClean="0"/>
+              <a:rPr lang="en-US"/>
               <a:t>Understanding HTTP </a:t>
             </a:r>
             <a:br>
-              <a:rPr lang="en-US" smtClean="0"/>
+              <a:rPr lang="en-US"/>
             </a:br>
             <a:r>
-              <a:rPr lang="en-US" smtClean="0"/>
+              <a:rPr lang="en-US"/>
               <a:t>and REST</a:t>
             </a:r>
             <a:endParaRPr lang="en-US" dirty="0"/>
@@ -6201,18 +6194,11 @@
           </a:p>
           <a:p>
             <a:r>
-              <a:rPr lang="en-US" smtClean="0">
+              <a:rPr lang="en-US">
                 <a:ea typeface="ヒラギノ角ゴ ProN W3" charset="0"/>
                 <a:cs typeface="ヒラギノ角ゴ ProN W3" charset="0"/>
               </a:rPr>
-              <a:t>December </a:t>
-            </a:r>
-            <a:r>
-              <a:rPr lang="en-US" dirty="0" smtClean="0">
-                <a:ea typeface="ヒラギノ角ゴ ProN W3" charset="0"/>
-                <a:cs typeface="ヒラギノ角ゴ ProN W3" charset="0"/>
-              </a:rPr>
-              <a:t>2018</a:t>
+              <a:t>December 2019</a:t>
             </a:r>
             <a:endParaRPr lang="en-US" dirty="0">
               <a:ea typeface="ヒラギノ角ゴ ProN W3" charset="0"/>
@@ -6286,13 +6272,6 @@
   <p:clrMapOvr>
     <a:masterClrMapping/>
   </p:clrMapOvr>
-  <p:timing>
-    <p:tnLst>
-      <p:par>
-        <p:cTn xmlns:p14="http://schemas.microsoft.com/office/powerpoint/2010/main" id="1" dur="indefinite" restart="never" nodeType="tmRoot"/>
-      </p:par>
-    </p:tnLst>
-  </p:timing>
 </p:sld>
 </file>
 
@@ -6329,54 +6308,272 @@
           <a:lstStyle/>
           <a:p>
             <a:r>
-              <a:rPr lang="en-US" dirty="0" smtClean="0"/>
-              <a:t>Richardson’s Maturity Model</a:t>
-            </a:r>
+              <a:rPr lang="en-US" dirty="0"/>
+              <a:t>HTTP good bad and ugly</a:t>
+            </a:r>
+          </a:p>
+        </p:txBody>
+      </p:sp>
+      <p:sp>
+        <p:nvSpPr>
+          <p:cNvPr id="3" name="Content Placeholder 2"/>
+          <p:cNvSpPr>
+            <a:spLocks noGrp="1"/>
+          </p:cNvSpPr>
+          <p:nvPr>
+            <p:ph idx="1"/>
+          </p:nvPr>
+        </p:nvSpPr>
+        <p:spPr/>
+        <p:txBody>
+          <a:bodyPr>
+            <a:normAutofit fontScale="85000" lnSpcReduction="20000"/>
+          </a:bodyPr>
+          <a:lstStyle/>
+          <a:p>
+            <a:r>
+              <a:rPr lang="en-US" dirty="0"/>
+              <a:t>Good</a:t>
+            </a:r>
+          </a:p>
+          <a:p>
+            <a:pPr lvl="1"/>
+            <a:r>
+              <a:rPr lang="en-US" dirty="0"/>
+              <a:t>GET reports/open-bugs HTTP/1.1</a:t>
+            </a:r>
+          </a:p>
+          <a:p>
+            <a:pPr lvl="2"/>
+            <a:r>
+              <a:rPr lang="en-US" dirty="0"/>
+              <a:t>in contrast to RPC-style interaction</a:t>
+            </a:r>
+          </a:p>
+          <a:p>
+            <a:r>
+              <a:rPr lang="en-US" dirty="0"/>
+              <a:t>Bad</a:t>
+            </a:r>
+          </a:p>
+          <a:p>
+            <a:pPr lvl="1"/>
+            <a:r>
+              <a:rPr lang="en-US" dirty="0">
+                <a:latin typeface="Lucida Console"/>
+                <a:cs typeface="Lucida Console"/>
+              </a:rPr>
+              <a:t>POST /</a:t>
+            </a:r>
+            <a:r>
+              <a:rPr lang="en-US" dirty="0" err="1">
+                <a:latin typeface="Lucida Console"/>
+                <a:cs typeface="Lucida Console"/>
+              </a:rPr>
+              <a:t>rpc</a:t>
+            </a:r>
+            <a:r>
+              <a:rPr lang="en-US" dirty="0">
+                <a:latin typeface="Lucida Console"/>
+                <a:cs typeface="Lucida Console"/>
+              </a:rPr>
+              <a:t> HTTP/1.1</a:t>
+            </a:r>
+            <a:br>
+              <a:rPr lang="en-US" dirty="0">
+                <a:latin typeface="Lucida Console"/>
+                <a:cs typeface="Lucida Console"/>
+              </a:rPr>
+            </a:br>
+            <a:r>
+              <a:rPr lang="en-US" dirty="0">
+                <a:latin typeface="Lucida Console"/>
+                <a:cs typeface="Lucida Console"/>
+              </a:rPr>
+              <a:t>Host: </a:t>
+            </a:r>
+            <a:r>
+              <a:rPr lang="en-US" dirty="0" err="1">
+                <a:latin typeface="Lucida Console"/>
+                <a:cs typeface="Lucida Console"/>
+              </a:rPr>
+              <a:t>www.upcdatabase.com</a:t>
+            </a:r>
+            <a:br>
+              <a:rPr lang="en-US" dirty="0">
+                <a:latin typeface="Lucida Console"/>
+                <a:cs typeface="Lucida Console"/>
+              </a:rPr>
+            </a:br>
+            <a:r>
+              <a:rPr lang="en-US" dirty="0">
+                <a:latin typeface="Lucida Console"/>
+                <a:cs typeface="Lucida Console"/>
+              </a:rPr>
+              <a:t>&lt;?xml version="1.0”&gt;</a:t>
+            </a:r>
+            <a:br>
+              <a:rPr lang="en-US" dirty="0">
+                <a:latin typeface="Lucida Console"/>
+                <a:cs typeface="Lucida Console"/>
+              </a:rPr>
+            </a:br>
+            <a:r>
+              <a:rPr lang="en-US" dirty="0">
+                <a:latin typeface="Lucida Console"/>
+                <a:cs typeface="Lucida Console"/>
+              </a:rPr>
+              <a:t>	&lt;</a:t>
+            </a:r>
+            <a:r>
+              <a:rPr lang="en-US" dirty="0" err="1">
+                <a:latin typeface="Lucida Console"/>
+                <a:cs typeface="Lucida Console"/>
+              </a:rPr>
+              <a:t>methodCall</a:t>
+            </a:r>
+            <a:r>
+              <a:rPr lang="en-US" dirty="0">
+                <a:latin typeface="Lucida Console"/>
+                <a:cs typeface="Lucida Console"/>
+              </a:rPr>
+              <a:t>&gt;</a:t>
+            </a:r>
+            <a:br>
+              <a:rPr lang="en-US" dirty="0">
+                <a:latin typeface="Lucida Console"/>
+                <a:cs typeface="Lucida Console"/>
+              </a:rPr>
+            </a:br>
+            <a:r>
+              <a:rPr lang="en-US" dirty="0">
+                <a:latin typeface="Lucida Console"/>
+                <a:cs typeface="Lucida Console"/>
+              </a:rPr>
+              <a:t>	&lt;</a:t>
+            </a:r>
+            <a:r>
+              <a:rPr lang="en-US" dirty="0" err="1">
+                <a:latin typeface="Lucida Console"/>
+                <a:cs typeface="Lucida Console"/>
+              </a:rPr>
+              <a:t>methodName</a:t>
+            </a:r>
+            <a:r>
+              <a:rPr lang="en-US" dirty="0">
+                <a:latin typeface="Lucida Console"/>
+                <a:cs typeface="Lucida Console"/>
+              </a:rPr>
+              <a:t>&gt;</a:t>
+            </a:r>
+            <a:r>
+              <a:rPr lang="en-US" dirty="0" err="1">
+                <a:latin typeface="Lucida Console"/>
+                <a:cs typeface="Lucida Console"/>
+              </a:rPr>
+              <a:t>lookupUPC</a:t>
+            </a:r>
+            <a:r>
+              <a:rPr lang="en-US" dirty="0">
+                <a:latin typeface="Lucida Console"/>
+                <a:cs typeface="Lucida Console"/>
+              </a:rPr>
+              <a:t>&lt;/</a:t>
+            </a:r>
+            <a:r>
+              <a:rPr lang="en-US" dirty="0" err="1">
+                <a:latin typeface="Lucida Console"/>
+                <a:cs typeface="Lucida Console"/>
+              </a:rPr>
+              <a:t>methodName</a:t>
+            </a:r>
+            <a:r>
+              <a:rPr lang="en-US" dirty="0">
+                <a:latin typeface="Lucida Console"/>
+                <a:cs typeface="Lucida Console"/>
+              </a:rPr>
+              <a:t>&gt; …</a:t>
+            </a:r>
+            <a:br>
+              <a:rPr lang="en-US" dirty="0">
+                <a:latin typeface="Lucida Console"/>
+                <a:cs typeface="Lucida Console"/>
+              </a:rPr>
+            </a:br>
+            <a:r>
+              <a:rPr lang="en-US" dirty="0">
+                <a:latin typeface="Lucida Console"/>
+                <a:cs typeface="Lucida Console"/>
+              </a:rPr>
+              <a:t>&lt;/</a:t>
+            </a:r>
+            <a:r>
+              <a:rPr lang="en-US" dirty="0" err="1">
+                <a:latin typeface="Lucida Console"/>
+                <a:cs typeface="Lucida Console"/>
+              </a:rPr>
+              <a:t>methodCall</a:t>
+            </a:r>
+            <a:r>
+              <a:rPr lang="en-US" dirty="0">
+                <a:latin typeface="Lucida Console"/>
+                <a:cs typeface="Lucida Console"/>
+              </a:rPr>
+              <a:t>&gt;</a:t>
+            </a:r>
+          </a:p>
+          <a:p>
+            <a:r>
+              <a:rPr lang="en-US" dirty="0"/>
+              <a:t>Ugly</a:t>
+            </a:r>
+          </a:p>
+          <a:p>
+            <a:pPr lvl="1"/>
+            <a:r>
+              <a:rPr lang="en-US" sz="2400" dirty="0"/>
+              <a:t>http://</a:t>
+            </a:r>
+            <a:r>
+              <a:rPr lang="en-US" sz="2400" dirty="0" err="1"/>
+              <a:t>www.flickr.com</a:t>
+            </a:r>
+            <a:r>
+              <a:rPr lang="en-US" sz="2400" dirty="0"/>
+              <a:t>/services/</a:t>
+            </a:r>
+            <a:r>
+              <a:rPr lang="en-US" sz="2400" dirty="0" err="1"/>
+              <a:t>rest?method</a:t>
+            </a:r>
+            <a:r>
+              <a:rPr lang="en-US" sz="2400" dirty="0"/>
+              <a:t>=</a:t>
+            </a:r>
+            <a:r>
+              <a:rPr lang="en-US" sz="2400" dirty="0" err="1"/>
+              <a:t>search&amp;tags</a:t>
+            </a:r>
+            <a:r>
+              <a:rPr lang="en-US" sz="2400" dirty="0"/>
+              <a:t>=cat</a:t>
+            </a:r>
+          </a:p>
+          <a:p>
             <a:endParaRPr lang="en-US" dirty="0"/>
           </a:p>
         </p:txBody>
       </p:sp>
-      <p:pic>
-        <p:nvPicPr>
-          <p:cNvPr id="4" name="Picture 3"/>
-          <p:cNvPicPr>
-            <a:picLocks noChangeAspect="1"/>
-          </p:cNvPicPr>
-          <p:nvPr/>
-        </p:nvPicPr>
-        <p:blipFill>
-          <a:blip r:embed="rId2"/>
-          <a:stretch>
-            <a:fillRect/>
-          </a:stretch>
-        </p:blipFill>
-        <p:spPr>
-          <a:xfrm>
-            <a:off x="1055738" y="1353302"/>
-            <a:ext cx="7783461" cy="4602998"/>
-          </a:xfrm>
-          <a:prstGeom prst="rect">
-            <a:avLst/>
-          </a:prstGeom>
-        </p:spPr>
-      </p:pic>
     </p:spTree>
     <p:extLst>
       <p:ext uri="{BB962C8B-B14F-4D97-AF65-F5344CB8AC3E}">
-        <p14:creationId xmlns:p14="http://schemas.microsoft.com/office/powerpoint/2010/main" val="186322383"/>
+        <p14:creationId xmlns:p14="http://schemas.microsoft.com/office/powerpoint/2010/main" val="2485239094"/>
       </p:ext>
     </p:extLst>
   </p:cSld>
   <p:clrMapOvr>
     <a:masterClrMapping/>
   </p:clrMapOvr>
-  <p:timing>
-    <p:tnLst>
-      <p:par>
-        <p:cTn xmlns:p14="http://schemas.microsoft.com/office/powerpoint/2010/main" id="1" dur="indefinite" restart="never" nodeType="tmRoot"/>
-      </p:par>
-    </p:tnLst>
-  </p:timing>
 </p:sld>
 </file>
 
@@ -6413,10 +6610,17 @@
           <a:lstStyle/>
           <a:p>
             <a:r>
-              <a:rPr lang="en-US" dirty="0" smtClean="0"/>
-              <a:t>HTTP good bad and ugly</a:t>
-            </a:r>
-            <a:endParaRPr lang="en-US" dirty="0"/>
+              <a:rPr lang="en-US" dirty="0"/>
+              <a:t>PUT </a:t>
+            </a:r>
+            <a:r>
+              <a:rPr lang="en-US" dirty="0" err="1"/>
+              <a:t>vs</a:t>
+            </a:r>
+            <a:r>
+              <a:rPr lang="en-US" dirty="0"/>
+              <a:t> POST</a:t>
+            </a:r>
           </a:p>
         </p:txBody>
       </p:sp>
@@ -6433,279 +6637,73 @@
         <p:spPr/>
         <p:txBody>
           <a:bodyPr>
-            <a:normAutofit fontScale="85000" lnSpcReduction="20000"/>
+            <a:normAutofit fontScale="85000" lnSpcReduction="10000"/>
           </a:bodyPr>
           <a:lstStyle/>
           <a:p>
             <a:r>
-              <a:rPr lang="en-US" dirty="0" smtClean="0"/>
-              <a:t>Good</a:t>
+              <a:rPr lang="en-US" dirty="0"/>
+              <a:t>PUT </a:t>
+            </a:r>
+            <a:r>
+              <a:rPr lang="en-US" dirty="0" err="1"/>
+              <a:t>vs</a:t>
+            </a:r>
+            <a:r>
+              <a:rPr lang="en-US" dirty="0"/>
+              <a:t> POST</a:t>
             </a:r>
           </a:p>
           <a:p>
             <a:pPr lvl="1"/>
             <a:r>
-              <a:rPr lang="en-US" dirty="0" smtClean="0"/>
-              <a:t>GET </a:t>
-            </a:r>
-            <a:r>
-              <a:rPr lang="en-US" dirty="0"/>
-              <a:t>reports/open-bugs HTTP/1.1</a:t>
-            </a:r>
-          </a:p>
-          <a:p>
-            <a:pPr lvl="2"/>
-            <a:r>
-              <a:rPr lang="en-US" dirty="0"/>
-              <a:t>in contrast to RPC-style interaction</a:t>
-            </a:r>
-          </a:p>
-          <a:p>
-            <a:r>
-              <a:rPr lang="en-US" dirty="0" smtClean="0"/>
-              <a:t>Bad</a:t>
+              <a:rPr lang="en-US" dirty="0"/>
+              <a:t>creation by either PUT to new URI or POST to existing URI</a:t>
             </a:r>
           </a:p>
           <a:p>
             <a:pPr lvl="1"/>
             <a:r>
-              <a:rPr lang="en-US" dirty="0" smtClean="0">
-                <a:latin typeface="Lucida Console"/>
-                <a:cs typeface="Lucida Console"/>
-              </a:rPr>
-              <a:t>POST </a:t>
-            </a:r>
-            <a:r>
-              <a:rPr lang="en-US" dirty="0">
-                <a:latin typeface="Lucida Console"/>
-                <a:cs typeface="Lucida Console"/>
-              </a:rPr>
-              <a:t>/</a:t>
-            </a:r>
-            <a:r>
-              <a:rPr lang="en-US" dirty="0" err="1">
-                <a:latin typeface="Lucida Console"/>
-                <a:cs typeface="Lucida Console"/>
-              </a:rPr>
-              <a:t>rpc</a:t>
-            </a:r>
-            <a:r>
-              <a:rPr lang="en-US" dirty="0">
-                <a:latin typeface="Lucida Console"/>
-                <a:cs typeface="Lucida Console"/>
-              </a:rPr>
-              <a:t> HTTP/1.1</a:t>
-            </a:r>
-            <a:br>
-              <a:rPr lang="en-US" dirty="0">
-                <a:latin typeface="Lucida Console"/>
-                <a:cs typeface="Lucida Console"/>
-              </a:rPr>
-            </a:br>
-            <a:r>
-              <a:rPr lang="en-US" dirty="0">
-                <a:latin typeface="Lucida Console"/>
-                <a:cs typeface="Lucida Console"/>
-              </a:rPr>
-              <a:t>Host: </a:t>
-            </a:r>
-            <a:r>
-              <a:rPr lang="en-US" dirty="0" err="1">
-                <a:latin typeface="Lucida Console"/>
-                <a:cs typeface="Lucida Console"/>
-              </a:rPr>
-              <a:t>www.upcdatabase.com</a:t>
-            </a:r>
-            <a:r>
-              <a:rPr lang="en-US" dirty="0">
-                <a:latin typeface="Lucida Console"/>
-                <a:cs typeface="Lucida Console"/>
-              </a:rPr>
-              <a:t/>
-            </a:r>
-            <a:br>
-              <a:rPr lang="en-US" dirty="0">
-                <a:latin typeface="Lucida Console"/>
-                <a:cs typeface="Lucida Console"/>
-              </a:rPr>
-            </a:br>
-            <a:r>
-              <a:rPr lang="en-US" dirty="0">
-                <a:latin typeface="Lucida Console"/>
-                <a:cs typeface="Lucida Console"/>
-              </a:rPr>
-              <a:t>&lt;?xml version="1.0”&gt;</a:t>
-            </a:r>
-            <a:br>
-              <a:rPr lang="en-US" dirty="0">
-                <a:latin typeface="Lucida Console"/>
-                <a:cs typeface="Lucida Console"/>
-              </a:rPr>
-            </a:br>
-            <a:r>
-              <a:rPr lang="en-US" dirty="0">
-                <a:latin typeface="Lucida Console"/>
-                <a:cs typeface="Lucida Console"/>
-              </a:rPr>
-              <a:t>	&lt;</a:t>
-            </a:r>
-            <a:r>
-              <a:rPr lang="en-US" dirty="0" err="1">
-                <a:latin typeface="Lucida Console"/>
-                <a:cs typeface="Lucida Console"/>
-              </a:rPr>
-              <a:t>methodCall</a:t>
-            </a:r>
-            <a:r>
-              <a:rPr lang="en-US" dirty="0">
-                <a:latin typeface="Lucida Console"/>
-                <a:cs typeface="Lucida Console"/>
-              </a:rPr>
-              <a:t>&gt;</a:t>
-            </a:r>
-            <a:br>
-              <a:rPr lang="en-US" dirty="0">
-                <a:latin typeface="Lucida Console"/>
-                <a:cs typeface="Lucida Console"/>
-              </a:rPr>
-            </a:br>
-            <a:r>
-              <a:rPr lang="en-US" dirty="0">
-                <a:latin typeface="Lucida Console"/>
-                <a:cs typeface="Lucida Console"/>
-              </a:rPr>
-              <a:t>	&lt;</a:t>
-            </a:r>
-            <a:r>
-              <a:rPr lang="en-US" dirty="0" err="1">
-                <a:latin typeface="Lucida Console"/>
-                <a:cs typeface="Lucida Console"/>
-              </a:rPr>
-              <a:t>methodName</a:t>
-            </a:r>
-            <a:r>
-              <a:rPr lang="en-US" dirty="0">
-                <a:latin typeface="Lucida Console"/>
-                <a:cs typeface="Lucida Console"/>
-              </a:rPr>
-              <a:t>&gt;</a:t>
-            </a:r>
-            <a:r>
-              <a:rPr lang="en-US" dirty="0" err="1">
-                <a:latin typeface="Lucida Console"/>
-                <a:cs typeface="Lucida Console"/>
-              </a:rPr>
-              <a:t>lookupUPC</a:t>
-            </a:r>
-            <a:r>
-              <a:rPr lang="en-US" dirty="0">
-                <a:latin typeface="Lucida Console"/>
-                <a:cs typeface="Lucida Console"/>
-              </a:rPr>
-              <a:t>&lt;/</a:t>
-            </a:r>
-            <a:r>
-              <a:rPr lang="en-US" dirty="0" err="1">
-                <a:latin typeface="Lucida Console"/>
-                <a:cs typeface="Lucida Console"/>
-              </a:rPr>
-              <a:t>methodName</a:t>
-            </a:r>
-            <a:r>
-              <a:rPr lang="en-US" dirty="0">
-                <a:latin typeface="Lucida Console"/>
-                <a:cs typeface="Lucida Console"/>
-              </a:rPr>
-              <a:t>&gt; …</a:t>
-            </a:r>
-            <a:br>
-              <a:rPr lang="en-US" dirty="0">
-                <a:latin typeface="Lucida Console"/>
-                <a:cs typeface="Lucida Console"/>
-              </a:rPr>
-            </a:br>
-            <a:r>
-              <a:rPr lang="en-US" dirty="0">
-                <a:latin typeface="Lucida Console"/>
-                <a:cs typeface="Lucida Console"/>
-              </a:rPr>
-              <a:t>&lt;/</a:t>
-            </a:r>
-            <a:r>
-              <a:rPr lang="en-US" dirty="0" err="1">
-                <a:latin typeface="Lucida Console"/>
-                <a:cs typeface="Lucida Console"/>
-              </a:rPr>
-              <a:t>methodCall</a:t>
-            </a:r>
-            <a:r>
-              <a:rPr lang="en-US" dirty="0">
-                <a:latin typeface="Lucida Console"/>
-                <a:cs typeface="Lucida Console"/>
-              </a:rPr>
-              <a:t>&gt;</a:t>
-            </a:r>
-          </a:p>
-          <a:p>
-            <a:r>
-              <a:rPr lang="en-US" dirty="0" smtClean="0"/>
-              <a:t>Ugly</a:t>
-            </a:r>
-            <a:endParaRPr lang="en-US" dirty="0"/>
-          </a:p>
-          <a:p>
-            <a:pPr lvl="1"/>
-            <a:r>
-              <a:rPr lang="en-US" sz="2400" dirty="0"/>
-              <a:t>http://</a:t>
-            </a:r>
-            <a:r>
-              <a:rPr lang="en-US" sz="2400" dirty="0" err="1"/>
-              <a:t>www.flickr.com</a:t>
-            </a:r>
-            <a:r>
-              <a:rPr lang="en-US" sz="2400" dirty="0"/>
-              <a:t>/services/</a:t>
-            </a:r>
-            <a:r>
-              <a:rPr lang="en-US" sz="2400" dirty="0" err="1"/>
-              <a:t>rest?method</a:t>
-            </a:r>
-            <a:r>
-              <a:rPr lang="en-US" sz="2400" dirty="0"/>
-              <a:t>=</a:t>
-            </a:r>
-            <a:r>
-              <a:rPr lang="en-US" sz="2400" dirty="0" err="1"/>
-              <a:t>search&amp;tags</a:t>
-            </a:r>
-            <a:r>
-              <a:rPr lang="en-US" sz="2400" dirty="0"/>
-              <a:t>=cat</a:t>
-            </a:r>
-          </a:p>
-          <a:p>
-            <a:endParaRPr lang="en-US" dirty="0"/>
+              <a:rPr lang="en-US" dirty="0"/>
+              <a:t>typically, create a subordinate resource with a POST to its parent</a:t>
+            </a:r>
+          </a:p>
+          <a:p>
+            <a:r>
+              <a:rPr lang="en-US" dirty="0"/>
+              <a:t>use PUT when client chooses URI; use POST when server chooses</a:t>
+            </a:r>
+          </a:p>
+          <a:p>
+            <a:r>
+              <a:rPr lang="en-US" dirty="0"/>
+              <a:t>successful POST returns code 201 ‘Created’ with Location header</a:t>
+            </a:r>
+          </a:p>
+          <a:p>
+            <a:r>
+              <a:rPr lang="en-US" dirty="0"/>
+              <a:t>(POST also sometimes used for form submission, but this can be non-uniform)</a:t>
+            </a:r>
+          </a:p>
+          <a:p>
+            <a:pPr marL="0" indent="0">
+              <a:buNone/>
+            </a:pPr>
+            <a:endParaRPr lang="en-US" b="1" dirty="0"/>
           </a:p>
         </p:txBody>
       </p:sp>
     </p:spTree>
     <p:extLst>
       <p:ext uri="{BB962C8B-B14F-4D97-AF65-F5344CB8AC3E}">
-        <p14:creationId xmlns:p14="http://schemas.microsoft.com/office/powerpoint/2010/main" val="2485239094"/>
+        <p14:creationId xmlns:p14="http://schemas.microsoft.com/office/powerpoint/2010/main" val="3417922519"/>
       </p:ext>
     </p:extLst>
   </p:cSld>
   <p:clrMapOvr>
     <a:masterClrMapping/>
   </p:clrMapOvr>
-  <p:timing>
-    <p:tnLst>
-      <p:par>
-        <p:cTn xmlns:p14="http://schemas.microsoft.com/office/powerpoint/2010/main" id="1" dur="indefinite" restart="never" nodeType="tmRoot"/>
-      </p:par>
-    </p:tnLst>
-  </p:timing>
 </p:sld>
 </file>
 
@@ -6738,148 +6736,125 @@
         </p:nvSpPr>
         <p:spPr/>
         <p:txBody>
-          <a:bodyPr/>
-          <a:lstStyle/>
-          <a:p>
-            <a:r>
-              <a:rPr lang="en-US" dirty="0" smtClean="0"/>
-              <a:t>PUT </a:t>
-            </a:r>
-            <a:r>
-              <a:rPr lang="en-US" dirty="0" err="1" smtClean="0"/>
-              <a:t>vs</a:t>
-            </a:r>
-            <a:r>
-              <a:rPr lang="en-US" dirty="0" smtClean="0"/>
-              <a:t> POST</a:t>
-            </a:r>
-            <a:endParaRPr lang="en-US" dirty="0"/>
-          </a:p>
-        </p:txBody>
-      </p:sp>
-      <p:sp>
-        <p:nvSpPr>
-          <p:cNvPr id="3" name="Content Placeholder 2"/>
-          <p:cNvSpPr>
-            <a:spLocks noGrp="1"/>
-          </p:cNvSpPr>
-          <p:nvPr>
-            <p:ph idx="1"/>
-          </p:nvPr>
-        </p:nvSpPr>
-        <p:spPr/>
-        <p:txBody>
           <a:bodyPr>
-            <a:normAutofit fontScale="85000" lnSpcReduction="10000"/>
+            <a:normAutofit fontScale="90000"/>
           </a:bodyPr>
           <a:lstStyle/>
           <a:p>
             <a:r>
-              <a:rPr lang="en-US" dirty="0"/>
-              <a:t>PUT </a:t>
+              <a:rPr lang="en-US"/>
+              <a:t>Resource Representations and States</a:t>
+            </a:r>
+            <a:endParaRPr lang="en-US" dirty="0"/>
+          </a:p>
+        </p:txBody>
+      </p:sp>
+      <p:sp>
+        <p:nvSpPr>
+          <p:cNvPr id="3" name="Content Placeholder 2"/>
+          <p:cNvSpPr>
+            <a:spLocks noGrp="1"/>
+          </p:cNvSpPr>
+          <p:nvPr>
+            <p:ph idx="1"/>
+          </p:nvPr>
+        </p:nvSpPr>
+        <p:spPr/>
+        <p:txBody>
+          <a:bodyPr>
+            <a:normAutofit fontScale="77500" lnSpcReduction="20000"/>
+          </a:bodyPr>
+          <a:lstStyle/>
+          <a:p>
+            <a:r>
+              <a:rPr lang="en-US" dirty="0"/>
+              <a:t>Interact with services using representations of resources.</a:t>
+            </a:r>
+          </a:p>
+          <a:p>
+            <a:pPr lvl="1"/>
+            <a:r>
+              <a:rPr lang="en-US" dirty="0"/>
+              <a:t>An XML representation</a:t>
+            </a:r>
+          </a:p>
+          <a:p>
+            <a:pPr lvl="1"/>
+            <a:r>
+              <a:rPr lang="en-US" dirty="0"/>
+              <a:t>A JSON representation </a:t>
+            </a:r>
+          </a:p>
+          <a:p>
+            <a:r>
+              <a:rPr lang="en-US" dirty="0"/>
+              <a:t>An object referenced by one URI can have different formats available. Different platforms need different formats. </a:t>
+            </a:r>
+          </a:p>
+          <a:p>
+            <a:pPr lvl="1"/>
+            <a:r>
+              <a:rPr lang="en-US" dirty="0"/>
+              <a:t>A mobile application may need JSON</a:t>
+            </a:r>
+          </a:p>
+          <a:p>
+            <a:pPr lvl="1"/>
+            <a:r>
+              <a:rPr lang="en-US" dirty="0"/>
+              <a:t>A Java application may need XML.</a:t>
+            </a:r>
+          </a:p>
+          <a:p>
+            <a:r>
+              <a:rPr lang="en-US" dirty="0"/>
+              <a:t>Utilize the Content-Type header</a:t>
+            </a:r>
+          </a:p>
+          <a:p>
+            <a:pPr lvl="1"/>
+            <a:r>
+              <a:rPr lang="en-US" dirty="0"/>
+              <a:t>And the Accept: header</a:t>
+            </a:r>
+          </a:p>
+          <a:p>
+            <a:r>
+              <a:rPr lang="en-US" dirty="0"/>
+              <a:t>Communicate in a stateless manner</a:t>
+            </a:r>
+          </a:p>
+          <a:p>
+            <a:pPr lvl="1"/>
+            <a:r>
+              <a:rPr lang="en-US" dirty="0"/>
+              <a:t>Stateless applications are far more </a:t>
             </a:r>
             <a:r>
               <a:rPr lang="en-US" dirty="0" err="1"/>
-              <a:t>vs</a:t>
-            </a:r>
-            <a:r>
-              <a:rPr lang="en-US" dirty="0"/>
-              <a:t> </a:t>
-            </a:r>
-            <a:r>
-              <a:rPr lang="en-US" dirty="0" smtClean="0"/>
-              <a:t>POST</a:t>
-            </a:r>
+              <a:t>scaleable</a:t>
+            </a:r>
+            <a:endParaRPr lang="en-US" dirty="0"/>
           </a:p>
           <a:p>
             <a:pPr lvl="1"/>
-            <a:r>
-              <a:rPr lang="en-US" dirty="0" smtClean="0"/>
-              <a:t>creation </a:t>
-            </a:r>
-            <a:r>
-              <a:rPr lang="en-US" dirty="0"/>
-              <a:t>by either PUT to new URI or POST to existing </a:t>
-            </a:r>
-            <a:r>
-              <a:rPr lang="en-US" dirty="0" smtClean="0"/>
-              <a:t>URI</a:t>
-            </a:r>
-          </a:p>
-          <a:p>
-            <a:pPr lvl="1"/>
-            <a:r>
-              <a:rPr lang="en-US" dirty="0" smtClean="0"/>
-              <a:t>typically</a:t>
-            </a:r>
-            <a:r>
-              <a:rPr lang="en-US" dirty="0"/>
-              <a:t>, create a subordinate resource with a POST to its parent</a:t>
-            </a:r>
-          </a:p>
-          <a:p>
-            <a:r>
-              <a:rPr lang="en-US" dirty="0" smtClean="0"/>
-              <a:t>use </a:t>
-            </a:r>
-            <a:r>
-              <a:rPr lang="en-US" dirty="0"/>
-              <a:t>PUT when client chooses URI; use POST when server chooses</a:t>
-            </a:r>
-          </a:p>
-          <a:p>
-            <a:r>
-              <a:rPr lang="en-US" dirty="0" smtClean="0"/>
-              <a:t>successful </a:t>
-            </a:r>
-            <a:r>
-              <a:rPr lang="en-US" dirty="0"/>
-              <a:t>POST returns code 201 ‘Created’ with Location header</a:t>
-            </a:r>
-          </a:p>
-          <a:p>
-            <a:r>
-              <a:rPr lang="en-US" dirty="0" smtClean="0"/>
-              <a:t>(</a:t>
-            </a:r>
-            <a:r>
-              <a:rPr lang="en-US" dirty="0"/>
-              <a:t>POST also sometimes used for form submission, but this can </a:t>
-            </a:r>
-            <a:r>
-              <a:rPr lang="en-US" dirty="0" smtClean="0"/>
-              <a:t>be non</a:t>
-            </a:r>
-            <a:r>
-              <a:rPr lang="en-US" dirty="0"/>
-              <a:t>-uniform)</a:t>
-            </a:r>
-          </a:p>
-          <a:p>
-            <a:pPr marL="0" indent="0">
-              <a:buNone/>
-            </a:pPr>
-            <a:endParaRPr lang="en-US" b="1" dirty="0"/>
+            <a:endParaRPr lang="en-US" dirty="0"/>
+          </a:p>
+          <a:p>
+            <a:endParaRPr lang="en-US" dirty="0"/>
           </a:p>
         </p:txBody>
       </p:sp>
     </p:spTree>
     <p:extLst>
       <p:ext uri="{BB962C8B-B14F-4D97-AF65-F5344CB8AC3E}">
-        <p14:creationId xmlns:p14="http://schemas.microsoft.com/office/powerpoint/2010/main" val="3417922519"/>
+        <p14:creationId xmlns:p14="http://schemas.microsoft.com/office/powerpoint/2010/main" val="2990386115"/>
       </p:ext>
     </p:extLst>
   </p:cSld>
   <p:clrMapOvr>
     <a:masterClrMapping/>
   </p:clrMapOvr>
-  <p:timing>
-    <p:tnLst>
-      <p:par>
-        <p:cTn xmlns:p14="http://schemas.microsoft.com/office/powerpoint/2010/main" id="1" dur="indefinite" restart="never" nodeType="tmRoot"/>
-      </p:par>
-    </p:tnLst>
-  </p:timing>
 </p:sld>
 </file>
 
@@ -6918,10 +6893,9 @@
           <a:lstStyle/>
           <a:p>
             <a:r>
-              <a:rPr lang="en-US" smtClean="0"/>
-              <a:t>Resource Representations and States</a:t>
-            </a:r>
-            <a:endParaRPr lang="en-US" dirty="0"/>
+              <a:rPr lang="en-US" dirty="0"/>
+              <a:t>Hypertext as the Engine of Application State</a:t>
+            </a:r>
           </a:p>
         </p:txBody>
       </p:sp>
@@ -6938,106 +6912,308 @@
         <p:spPr/>
         <p:txBody>
           <a:bodyPr>
-            <a:normAutofit fontScale="77500" lnSpcReduction="20000"/>
+            <a:normAutofit fontScale="62500" lnSpcReduction="20000"/>
           </a:bodyPr>
           <a:lstStyle/>
           <a:p>
-            <a:r>
-              <a:rPr lang="en-US" dirty="0" smtClean="0"/>
-              <a:t>Interact with services using representations of resources.</a:t>
-            </a:r>
-          </a:p>
-          <a:p>
-            <a:pPr lvl="1"/>
-            <a:r>
-              <a:rPr lang="en-US" dirty="0" smtClean="0"/>
-              <a:t>An XML representation</a:t>
-            </a:r>
-          </a:p>
-          <a:p>
-            <a:pPr lvl="1"/>
-            <a:r>
-              <a:rPr lang="en-US" dirty="0" smtClean="0"/>
-              <a:t>A JSON representation </a:t>
-            </a:r>
-          </a:p>
-          <a:p>
-            <a:r>
-              <a:rPr lang="en-US" dirty="0" smtClean="0"/>
-              <a:t>An object referenced by one URI can have different formats available. Different platforms need different formats. </a:t>
-            </a:r>
-          </a:p>
-          <a:p>
-            <a:pPr lvl="1"/>
-            <a:r>
-              <a:rPr lang="en-US" dirty="0" smtClean="0"/>
-              <a:t>A mobile application may need JSON</a:t>
-            </a:r>
-          </a:p>
-          <a:p>
-            <a:pPr lvl="1"/>
-            <a:r>
-              <a:rPr lang="en-US" dirty="0" smtClean="0"/>
-              <a:t>A Java application may need XML.</a:t>
-            </a:r>
-          </a:p>
-          <a:p>
-            <a:r>
-              <a:rPr lang="en-US" dirty="0" smtClean="0"/>
-              <a:t>Utilize the Content-Type header</a:t>
-            </a:r>
-          </a:p>
-          <a:p>
-            <a:pPr lvl="1"/>
-            <a:r>
-              <a:rPr lang="en-US" dirty="0" smtClean="0"/>
-              <a:t>And the Accept: header</a:t>
-            </a:r>
-          </a:p>
-          <a:p>
-            <a:r>
-              <a:rPr lang="en-US" dirty="0" smtClean="0"/>
-              <a:t>Communicate in a stateless manner</a:t>
-            </a:r>
-          </a:p>
-          <a:p>
-            <a:pPr lvl="1"/>
-            <a:r>
-              <a:rPr lang="en-US" dirty="0" smtClean="0"/>
-              <a:t>Stateless applications are far more </a:t>
-            </a:r>
-            <a:r>
-              <a:rPr lang="en-US" dirty="0" err="1" smtClean="0"/>
-              <a:t>scaleable</a:t>
-            </a:r>
-            <a:endParaRPr lang="en-US" dirty="0" smtClean="0"/>
-          </a:p>
-          <a:p>
-            <a:pPr lvl="1"/>
-            <a:endParaRPr lang="en-US" dirty="0" smtClean="0"/>
-          </a:p>
-          <a:p>
-            <a:endParaRPr lang="en-US" dirty="0"/>
+            <a:pPr algn="ctr">
+              <a:tabLst>
+                <a:tab pos="656722" algn="l"/>
+                <a:tab pos="1313444" algn="l"/>
+                <a:tab pos="1970166" algn="l"/>
+                <a:tab pos="2626888" algn="l"/>
+                <a:tab pos="3283610" algn="l"/>
+                <a:tab pos="3940332" algn="l"/>
+                <a:tab pos="4597055" algn="l"/>
+                <a:tab pos="5253777" algn="l"/>
+                <a:tab pos="5910499" algn="l"/>
+                <a:tab pos="6567221" algn="l"/>
+                <a:tab pos="7223943" algn="l"/>
+              </a:tabLst>
+            </a:pPr>
+            <a:endParaRPr lang="en-US" dirty="0">
+              <a:ea typeface="Droid Sans Fallback" charset="0"/>
+              <a:cs typeface="Droid Sans Fallback" charset="0"/>
+            </a:endParaRPr>
+          </a:p>
+          <a:p>
+            <a:pPr algn="ctr">
+              <a:tabLst>
+                <a:tab pos="656722" algn="l"/>
+                <a:tab pos="1313444" algn="l"/>
+                <a:tab pos="1970166" algn="l"/>
+                <a:tab pos="2626888" algn="l"/>
+                <a:tab pos="3283610" algn="l"/>
+                <a:tab pos="3940332" algn="l"/>
+                <a:tab pos="4597055" algn="l"/>
+                <a:tab pos="5253777" algn="l"/>
+                <a:tab pos="5910499" algn="l"/>
+                <a:tab pos="6567221" algn="l"/>
+                <a:tab pos="7223943" algn="l"/>
+              </a:tabLst>
+            </a:pPr>
+            <a:r>
+              <a:rPr lang="en-US" dirty="0">
+                <a:ea typeface="Droid Sans Fallback" charset="0"/>
+                <a:cs typeface="Droid Sans Fallback" charset="0"/>
+              </a:rPr>
+              <a:t>Resources are identified by URIs</a:t>
+            </a:r>
+          </a:p>
+          <a:p>
+            <a:pPr marL="0" indent="0" algn="ctr">
+              <a:buNone/>
+              <a:tabLst>
+                <a:tab pos="656722" algn="l"/>
+                <a:tab pos="1313444" algn="l"/>
+                <a:tab pos="1970166" algn="l"/>
+                <a:tab pos="2626888" algn="l"/>
+                <a:tab pos="3283610" algn="l"/>
+                <a:tab pos="3940332" algn="l"/>
+                <a:tab pos="4597055" algn="l"/>
+                <a:tab pos="5253777" algn="l"/>
+                <a:tab pos="5910499" algn="l"/>
+                <a:tab pos="6567221" algn="l"/>
+                <a:tab pos="7223943" algn="l"/>
+              </a:tabLst>
+            </a:pPr>
+            <a:r>
+              <a:rPr lang="en-US" dirty="0">
+                <a:ea typeface="Droid Sans Fallback" charset="0"/>
+                <a:cs typeface="Droid Sans Fallback" charset="0"/>
+              </a:rPr>
+              <a:t>↓</a:t>
+            </a:r>
+          </a:p>
+          <a:p>
+            <a:pPr algn="ctr">
+              <a:tabLst>
+                <a:tab pos="656722" algn="l"/>
+                <a:tab pos="1313444" algn="l"/>
+                <a:tab pos="1970166" algn="l"/>
+                <a:tab pos="2626888" algn="l"/>
+                <a:tab pos="3283610" algn="l"/>
+                <a:tab pos="3940332" algn="l"/>
+                <a:tab pos="4597055" algn="l"/>
+                <a:tab pos="5253777" algn="l"/>
+                <a:tab pos="5910499" algn="l"/>
+                <a:tab pos="6567221" algn="l"/>
+                <a:tab pos="7223943" algn="l"/>
+              </a:tabLst>
+            </a:pPr>
+            <a:r>
+              <a:rPr lang="en-US" dirty="0">
+                <a:ea typeface="Droid Sans Fallback" charset="0"/>
+                <a:cs typeface="Droid Sans Fallback" charset="0"/>
+              </a:rPr>
+              <a:t>Clients communicate with resources via requests using a</a:t>
+            </a:r>
+          </a:p>
+          <a:p>
+            <a:pPr algn="ctr">
+              <a:tabLst>
+                <a:tab pos="656722" algn="l"/>
+                <a:tab pos="1313444" algn="l"/>
+                <a:tab pos="1970166" algn="l"/>
+                <a:tab pos="2626888" algn="l"/>
+                <a:tab pos="3283610" algn="l"/>
+                <a:tab pos="3940332" algn="l"/>
+                <a:tab pos="4597055" algn="l"/>
+                <a:tab pos="5253777" algn="l"/>
+                <a:tab pos="5910499" algn="l"/>
+                <a:tab pos="6567221" algn="l"/>
+                <a:tab pos="7223943" algn="l"/>
+              </a:tabLst>
+            </a:pPr>
+            <a:r>
+              <a:rPr lang="en-US" dirty="0">
+                <a:ea typeface="Droid Sans Fallback" charset="0"/>
+                <a:cs typeface="Droid Sans Fallback" charset="0"/>
+              </a:rPr>
+              <a:t>standard set of methods</a:t>
+            </a:r>
+          </a:p>
+          <a:p>
+            <a:pPr marL="0" indent="0" algn="ctr">
+              <a:buNone/>
+              <a:tabLst>
+                <a:tab pos="656722" algn="l"/>
+                <a:tab pos="1313444" algn="l"/>
+                <a:tab pos="1970166" algn="l"/>
+                <a:tab pos="2626888" algn="l"/>
+                <a:tab pos="3283610" algn="l"/>
+                <a:tab pos="3940332" algn="l"/>
+                <a:tab pos="4597055" algn="l"/>
+                <a:tab pos="5253777" algn="l"/>
+                <a:tab pos="5910499" algn="l"/>
+                <a:tab pos="6567221" algn="l"/>
+                <a:tab pos="7223943" algn="l"/>
+              </a:tabLst>
+            </a:pPr>
+            <a:r>
+              <a:rPr lang="en-US" dirty="0">
+                <a:ea typeface="Droid Sans Fallback" charset="0"/>
+                <a:cs typeface="Droid Sans Fallback" charset="0"/>
+              </a:rPr>
+              <a:t>↓</a:t>
+            </a:r>
+          </a:p>
+          <a:p>
+            <a:pPr algn="ctr">
+              <a:tabLst>
+                <a:tab pos="656722" algn="l"/>
+                <a:tab pos="1313444" algn="l"/>
+                <a:tab pos="1970166" algn="l"/>
+                <a:tab pos="2626888" algn="l"/>
+                <a:tab pos="3283610" algn="l"/>
+                <a:tab pos="3940332" algn="l"/>
+                <a:tab pos="4597055" algn="l"/>
+                <a:tab pos="5253777" algn="l"/>
+                <a:tab pos="5910499" algn="l"/>
+                <a:tab pos="6567221" algn="l"/>
+                <a:tab pos="7223943" algn="l"/>
+              </a:tabLst>
+            </a:pPr>
+            <a:r>
+              <a:rPr lang="en-US" dirty="0">
+                <a:ea typeface="Droid Sans Fallback" charset="0"/>
+                <a:cs typeface="Droid Sans Fallback" charset="0"/>
+              </a:rPr>
+              <a:t>Requests and responses contain resource representations</a:t>
+            </a:r>
+          </a:p>
+          <a:p>
+            <a:pPr algn="ctr">
+              <a:tabLst>
+                <a:tab pos="656722" algn="l"/>
+                <a:tab pos="1313444" algn="l"/>
+                <a:tab pos="1970166" algn="l"/>
+                <a:tab pos="2626888" algn="l"/>
+                <a:tab pos="3283610" algn="l"/>
+                <a:tab pos="3940332" algn="l"/>
+                <a:tab pos="4597055" algn="l"/>
+                <a:tab pos="5253777" algn="l"/>
+                <a:tab pos="5910499" algn="l"/>
+                <a:tab pos="6567221" algn="l"/>
+                <a:tab pos="7223943" algn="l"/>
+              </a:tabLst>
+            </a:pPr>
+            <a:r>
+              <a:rPr lang="en-US" dirty="0">
+                <a:ea typeface="Droid Sans Fallback" charset="0"/>
+                <a:cs typeface="Droid Sans Fallback" charset="0"/>
+              </a:rPr>
+              <a:t>in formats identified by media types</a:t>
+            </a:r>
+          </a:p>
+          <a:p>
+            <a:pPr marL="0" indent="0" algn="ctr">
+              <a:buNone/>
+              <a:tabLst>
+                <a:tab pos="656722" algn="l"/>
+                <a:tab pos="1313444" algn="l"/>
+                <a:tab pos="1970166" algn="l"/>
+                <a:tab pos="2626888" algn="l"/>
+                <a:tab pos="3283610" algn="l"/>
+                <a:tab pos="3940332" algn="l"/>
+                <a:tab pos="4597055" algn="l"/>
+                <a:tab pos="5253777" algn="l"/>
+                <a:tab pos="5910499" algn="l"/>
+                <a:tab pos="6567221" algn="l"/>
+                <a:tab pos="7223943" algn="l"/>
+              </a:tabLst>
+            </a:pPr>
+            <a:r>
+              <a:rPr lang="en-US" dirty="0">
+                <a:ea typeface="Droid Sans Fallback" charset="0"/>
+                <a:cs typeface="Droid Sans Fallback" charset="0"/>
+              </a:rPr>
+              <a:t>↓</a:t>
+            </a:r>
+          </a:p>
+          <a:p>
+            <a:pPr algn="ctr">
+              <a:tabLst>
+                <a:tab pos="656722" algn="l"/>
+                <a:tab pos="1313444" algn="l"/>
+                <a:tab pos="1970166" algn="l"/>
+                <a:tab pos="2626888" algn="l"/>
+                <a:tab pos="3283610" algn="l"/>
+                <a:tab pos="3940332" algn="l"/>
+                <a:tab pos="4597055" algn="l"/>
+                <a:tab pos="5253777" algn="l"/>
+                <a:tab pos="5910499" algn="l"/>
+                <a:tab pos="6567221" algn="l"/>
+                <a:tab pos="7223943" algn="l"/>
+              </a:tabLst>
+            </a:pPr>
+            <a:r>
+              <a:rPr lang="en-US" dirty="0">
+                <a:ea typeface="Droid Sans Fallback" charset="0"/>
+                <a:cs typeface="Droid Sans Fallback" charset="0"/>
+              </a:rPr>
+              <a:t>Responses contain URIs that link to further resources</a:t>
+            </a:r>
+          </a:p>
+          <a:p>
+            <a:pPr marL="0" indent="0" algn="ctr">
+              <a:buNone/>
+              <a:tabLst>
+                <a:tab pos="656722" algn="l"/>
+                <a:tab pos="1313444" algn="l"/>
+                <a:tab pos="1970166" algn="l"/>
+                <a:tab pos="2626888" algn="l"/>
+                <a:tab pos="3283610" algn="l"/>
+                <a:tab pos="3940332" algn="l"/>
+                <a:tab pos="4597055" algn="l"/>
+                <a:tab pos="5253777" algn="l"/>
+                <a:tab pos="5910499" algn="l"/>
+                <a:tab pos="6567221" algn="l"/>
+                <a:tab pos="7223943" algn="l"/>
+              </a:tabLst>
+            </a:pPr>
+            <a:r>
+              <a:rPr lang="en-US" dirty="0">
+                <a:ea typeface="Droid Sans Fallback" charset="0"/>
+                <a:cs typeface="Droid Sans Fallback" charset="0"/>
+              </a:rPr>
+              <a:t>↓</a:t>
+            </a:r>
+          </a:p>
+          <a:p>
+            <a:pPr marL="0" indent="0" algn="ctr">
+              <a:buNone/>
+              <a:tabLst>
+                <a:tab pos="656722" algn="l"/>
+                <a:tab pos="1313444" algn="l"/>
+                <a:tab pos="1970166" algn="l"/>
+                <a:tab pos="2626888" algn="l"/>
+                <a:tab pos="3283610" algn="l"/>
+                <a:tab pos="3940332" algn="l"/>
+                <a:tab pos="4597055" algn="l"/>
+                <a:tab pos="5253777" algn="l"/>
+                <a:tab pos="5910499" algn="l"/>
+                <a:tab pos="6567221" algn="l"/>
+                <a:tab pos="7223943" algn="l"/>
+              </a:tabLst>
+            </a:pPr>
+            <a:r>
+              <a:rPr lang="en-US" dirty="0"/>
+              <a:t>Beginning</a:t>
+            </a:r>
           </a:p>
         </p:txBody>
       </p:sp>
     </p:spTree>
     <p:extLst>
       <p:ext uri="{BB962C8B-B14F-4D97-AF65-F5344CB8AC3E}">
-        <p14:creationId xmlns:p14="http://schemas.microsoft.com/office/powerpoint/2010/main" val="2990386115"/>
+        <p14:creationId xmlns:p14="http://schemas.microsoft.com/office/powerpoint/2010/main" val="3867699156"/>
       </p:ext>
     </p:extLst>
   </p:cSld>
   <p:clrMapOvr>
     <a:masterClrMapping/>
   </p:clrMapOvr>
-  <p:timing>
-    <p:tnLst>
-      <p:par>
-        <p:cTn xmlns:p14="http://schemas.microsoft.com/office/powerpoint/2010/main" id="1" dur="indefinite" restart="never" nodeType="tmRoot"/>
-      </p:par>
-    </p:tnLst>
-  </p:timing>
 </p:sld>
 </file>
 
@@ -7070,382 +7246,13 @@
         </p:nvSpPr>
         <p:spPr/>
         <p:txBody>
-          <a:bodyPr>
-            <a:normAutofit fontScale="90000"/>
-          </a:bodyPr>
-          <a:lstStyle/>
-          <a:p>
-            <a:r>
-              <a:rPr lang="en-US" dirty="0" smtClean="0"/>
-              <a:t>Hypertext as the Engine of Application State</a:t>
-            </a:r>
-            <a:endParaRPr lang="en-US" dirty="0"/>
-          </a:p>
-        </p:txBody>
-      </p:sp>
-      <p:sp>
-        <p:nvSpPr>
-          <p:cNvPr id="3" name="Content Placeholder 2"/>
-          <p:cNvSpPr>
-            <a:spLocks noGrp="1"/>
-          </p:cNvSpPr>
-          <p:nvPr>
-            <p:ph idx="1"/>
-          </p:nvPr>
-        </p:nvSpPr>
-        <p:spPr/>
-        <p:txBody>
-          <a:bodyPr>
-            <a:normAutofit fontScale="62500" lnSpcReduction="20000"/>
-          </a:bodyPr>
-          <a:lstStyle/>
-          <a:p>
-            <a:pPr algn="ctr">
-              <a:tabLst>
-                <a:tab pos="656722" algn="l"/>
-                <a:tab pos="1313444" algn="l"/>
-                <a:tab pos="1970166" algn="l"/>
-                <a:tab pos="2626888" algn="l"/>
-                <a:tab pos="3283610" algn="l"/>
-                <a:tab pos="3940332" algn="l"/>
-                <a:tab pos="4597055" algn="l"/>
-                <a:tab pos="5253777" algn="l"/>
-                <a:tab pos="5910499" algn="l"/>
-                <a:tab pos="6567221" algn="l"/>
-                <a:tab pos="7223943" algn="l"/>
-              </a:tabLst>
-            </a:pPr>
-            <a:endParaRPr lang="en-US" dirty="0" smtClean="0">
-              <a:ea typeface="Droid Sans Fallback" charset="0"/>
-              <a:cs typeface="Droid Sans Fallback" charset="0"/>
-            </a:endParaRPr>
-          </a:p>
-          <a:p>
-            <a:pPr algn="ctr">
-              <a:tabLst>
-                <a:tab pos="656722" algn="l"/>
-                <a:tab pos="1313444" algn="l"/>
-                <a:tab pos="1970166" algn="l"/>
-                <a:tab pos="2626888" algn="l"/>
-                <a:tab pos="3283610" algn="l"/>
-                <a:tab pos="3940332" algn="l"/>
-                <a:tab pos="4597055" algn="l"/>
-                <a:tab pos="5253777" algn="l"/>
-                <a:tab pos="5910499" algn="l"/>
-                <a:tab pos="6567221" algn="l"/>
-                <a:tab pos="7223943" algn="l"/>
-              </a:tabLst>
-            </a:pPr>
-            <a:r>
-              <a:rPr lang="en-US" dirty="0" smtClean="0">
-                <a:ea typeface="Droid Sans Fallback" charset="0"/>
-                <a:cs typeface="Droid Sans Fallback" charset="0"/>
-              </a:rPr>
-              <a:t>Resources are identified by URIs</a:t>
-            </a:r>
-          </a:p>
-          <a:p>
-            <a:pPr marL="0" indent="0" algn="ctr">
-              <a:buNone/>
-              <a:tabLst>
-                <a:tab pos="656722" algn="l"/>
-                <a:tab pos="1313444" algn="l"/>
-                <a:tab pos="1970166" algn="l"/>
-                <a:tab pos="2626888" algn="l"/>
-                <a:tab pos="3283610" algn="l"/>
-                <a:tab pos="3940332" algn="l"/>
-                <a:tab pos="4597055" algn="l"/>
-                <a:tab pos="5253777" algn="l"/>
-                <a:tab pos="5910499" algn="l"/>
-                <a:tab pos="6567221" algn="l"/>
-                <a:tab pos="7223943" algn="l"/>
-              </a:tabLst>
-            </a:pPr>
-            <a:r>
-              <a:rPr lang="en-US" dirty="0" smtClean="0">
-                <a:ea typeface="Droid Sans Fallback" charset="0"/>
-                <a:cs typeface="Droid Sans Fallback" charset="0"/>
-              </a:rPr>
-              <a:t>↓</a:t>
-            </a:r>
-          </a:p>
-          <a:p>
-            <a:pPr algn="ctr">
-              <a:tabLst>
-                <a:tab pos="656722" algn="l"/>
-                <a:tab pos="1313444" algn="l"/>
-                <a:tab pos="1970166" algn="l"/>
-                <a:tab pos="2626888" algn="l"/>
-                <a:tab pos="3283610" algn="l"/>
-                <a:tab pos="3940332" algn="l"/>
-                <a:tab pos="4597055" algn="l"/>
-                <a:tab pos="5253777" algn="l"/>
-                <a:tab pos="5910499" algn="l"/>
-                <a:tab pos="6567221" algn="l"/>
-                <a:tab pos="7223943" algn="l"/>
-              </a:tabLst>
-            </a:pPr>
-            <a:r>
-              <a:rPr lang="en-US" dirty="0" smtClean="0">
-                <a:ea typeface="Droid Sans Fallback" charset="0"/>
-                <a:cs typeface="Droid Sans Fallback" charset="0"/>
-              </a:rPr>
-              <a:t>Clients communicate with resources via requests using a</a:t>
-            </a:r>
-          </a:p>
-          <a:p>
-            <a:pPr algn="ctr">
-              <a:tabLst>
-                <a:tab pos="656722" algn="l"/>
-                <a:tab pos="1313444" algn="l"/>
-                <a:tab pos="1970166" algn="l"/>
-                <a:tab pos="2626888" algn="l"/>
-                <a:tab pos="3283610" algn="l"/>
-                <a:tab pos="3940332" algn="l"/>
-                <a:tab pos="4597055" algn="l"/>
-                <a:tab pos="5253777" algn="l"/>
-                <a:tab pos="5910499" algn="l"/>
-                <a:tab pos="6567221" algn="l"/>
-                <a:tab pos="7223943" algn="l"/>
-              </a:tabLst>
-            </a:pPr>
-            <a:r>
-              <a:rPr lang="en-US" dirty="0" smtClean="0">
-                <a:ea typeface="Droid Sans Fallback" charset="0"/>
-                <a:cs typeface="Droid Sans Fallback" charset="0"/>
-              </a:rPr>
-              <a:t>standard set of methods</a:t>
-            </a:r>
-          </a:p>
-          <a:p>
-            <a:pPr marL="0" indent="0" algn="ctr">
-              <a:buNone/>
-              <a:tabLst>
-                <a:tab pos="656722" algn="l"/>
-                <a:tab pos="1313444" algn="l"/>
-                <a:tab pos="1970166" algn="l"/>
-                <a:tab pos="2626888" algn="l"/>
-                <a:tab pos="3283610" algn="l"/>
-                <a:tab pos="3940332" algn="l"/>
-                <a:tab pos="4597055" algn="l"/>
-                <a:tab pos="5253777" algn="l"/>
-                <a:tab pos="5910499" algn="l"/>
-                <a:tab pos="6567221" algn="l"/>
-                <a:tab pos="7223943" algn="l"/>
-              </a:tabLst>
-            </a:pPr>
-            <a:r>
-              <a:rPr lang="en-US" dirty="0" smtClean="0">
-                <a:ea typeface="Droid Sans Fallback" charset="0"/>
-                <a:cs typeface="Droid Sans Fallback" charset="0"/>
-              </a:rPr>
-              <a:t>↓</a:t>
-            </a:r>
-          </a:p>
-          <a:p>
-            <a:pPr algn="ctr">
-              <a:tabLst>
-                <a:tab pos="656722" algn="l"/>
-                <a:tab pos="1313444" algn="l"/>
-                <a:tab pos="1970166" algn="l"/>
-                <a:tab pos="2626888" algn="l"/>
-                <a:tab pos="3283610" algn="l"/>
-                <a:tab pos="3940332" algn="l"/>
-                <a:tab pos="4597055" algn="l"/>
-                <a:tab pos="5253777" algn="l"/>
-                <a:tab pos="5910499" algn="l"/>
-                <a:tab pos="6567221" algn="l"/>
-                <a:tab pos="7223943" algn="l"/>
-              </a:tabLst>
-            </a:pPr>
-            <a:r>
-              <a:rPr lang="en-US" dirty="0" smtClean="0">
-                <a:ea typeface="Droid Sans Fallback" charset="0"/>
-                <a:cs typeface="Droid Sans Fallback" charset="0"/>
-              </a:rPr>
-              <a:t>Requests and responses contain resource representations</a:t>
-            </a:r>
-          </a:p>
-          <a:p>
-            <a:pPr algn="ctr">
-              <a:tabLst>
-                <a:tab pos="656722" algn="l"/>
-                <a:tab pos="1313444" algn="l"/>
-                <a:tab pos="1970166" algn="l"/>
-                <a:tab pos="2626888" algn="l"/>
-                <a:tab pos="3283610" algn="l"/>
-                <a:tab pos="3940332" algn="l"/>
-                <a:tab pos="4597055" algn="l"/>
-                <a:tab pos="5253777" algn="l"/>
-                <a:tab pos="5910499" algn="l"/>
-                <a:tab pos="6567221" algn="l"/>
-                <a:tab pos="7223943" algn="l"/>
-              </a:tabLst>
-            </a:pPr>
-            <a:r>
-              <a:rPr lang="en-US" dirty="0" smtClean="0">
-                <a:ea typeface="Droid Sans Fallback" charset="0"/>
-                <a:cs typeface="Droid Sans Fallback" charset="0"/>
-              </a:rPr>
-              <a:t>in formats identified by media types</a:t>
-            </a:r>
-          </a:p>
-          <a:p>
-            <a:pPr marL="0" indent="0" algn="ctr">
-              <a:buNone/>
-              <a:tabLst>
-                <a:tab pos="656722" algn="l"/>
-                <a:tab pos="1313444" algn="l"/>
-                <a:tab pos="1970166" algn="l"/>
-                <a:tab pos="2626888" algn="l"/>
-                <a:tab pos="3283610" algn="l"/>
-                <a:tab pos="3940332" algn="l"/>
-                <a:tab pos="4597055" algn="l"/>
-                <a:tab pos="5253777" algn="l"/>
-                <a:tab pos="5910499" algn="l"/>
-                <a:tab pos="6567221" algn="l"/>
-                <a:tab pos="7223943" algn="l"/>
-              </a:tabLst>
-            </a:pPr>
-            <a:r>
-              <a:rPr lang="en-US" dirty="0" smtClean="0">
-                <a:ea typeface="Droid Sans Fallback" charset="0"/>
-                <a:cs typeface="Droid Sans Fallback" charset="0"/>
-              </a:rPr>
-              <a:t>↓</a:t>
-            </a:r>
-          </a:p>
-          <a:p>
-            <a:pPr algn="ctr">
-              <a:tabLst>
-                <a:tab pos="656722" algn="l"/>
-                <a:tab pos="1313444" algn="l"/>
-                <a:tab pos="1970166" algn="l"/>
-                <a:tab pos="2626888" algn="l"/>
-                <a:tab pos="3283610" algn="l"/>
-                <a:tab pos="3940332" algn="l"/>
-                <a:tab pos="4597055" algn="l"/>
-                <a:tab pos="5253777" algn="l"/>
-                <a:tab pos="5910499" algn="l"/>
-                <a:tab pos="6567221" algn="l"/>
-                <a:tab pos="7223943" algn="l"/>
-              </a:tabLst>
-            </a:pPr>
-            <a:r>
-              <a:rPr lang="en-US" dirty="0" smtClean="0">
-                <a:ea typeface="Droid Sans Fallback" charset="0"/>
-                <a:cs typeface="Droid Sans Fallback" charset="0"/>
-              </a:rPr>
-              <a:t>Responses contain URIs that link to further resources</a:t>
-            </a:r>
-          </a:p>
-          <a:p>
-            <a:pPr marL="0" indent="0" algn="ctr">
-              <a:buNone/>
-              <a:tabLst>
-                <a:tab pos="656722" algn="l"/>
-                <a:tab pos="1313444" algn="l"/>
-                <a:tab pos="1970166" algn="l"/>
-                <a:tab pos="2626888" algn="l"/>
-                <a:tab pos="3283610" algn="l"/>
-                <a:tab pos="3940332" algn="l"/>
-                <a:tab pos="4597055" algn="l"/>
-                <a:tab pos="5253777" algn="l"/>
-                <a:tab pos="5910499" algn="l"/>
-                <a:tab pos="6567221" algn="l"/>
-                <a:tab pos="7223943" algn="l"/>
-              </a:tabLst>
-            </a:pPr>
-            <a:r>
-              <a:rPr lang="en-US" dirty="0">
-                <a:ea typeface="Droid Sans Fallback" charset="0"/>
-                <a:cs typeface="Droid Sans Fallback" charset="0"/>
-              </a:rPr>
-              <a:t>↓</a:t>
-            </a:r>
-          </a:p>
-          <a:p>
-            <a:pPr marL="0" indent="0" algn="ctr">
-              <a:buNone/>
-              <a:tabLst>
-                <a:tab pos="656722" algn="l"/>
-                <a:tab pos="1313444" algn="l"/>
-                <a:tab pos="1970166" algn="l"/>
-                <a:tab pos="2626888" algn="l"/>
-                <a:tab pos="3283610" algn="l"/>
-                <a:tab pos="3940332" algn="l"/>
-                <a:tab pos="4597055" algn="l"/>
-                <a:tab pos="5253777" algn="l"/>
-                <a:tab pos="5910499" algn="l"/>
-                <a:tab pos="6567221" algn="l"/>
-                <a:tab pos="7223943" algn="l"/>
-              </a:tabLst>
-            </a:pPr>
-            <a:r>
-              <a:rPr lang="en-US" dirty="0" smtClean="0"/>
-              <a:t>Beginning</a:t>
-            </a:r>
-            <a:endParaRPr lang="en-US" dirty="0"/>
-          </a:p>
-        </p:txBody>
-      </p:sp>
-    </p:spTree>
-    <p:extLst>
-      <p:ext uri="{BB962C8B-B14F-4D97-AF65-F5344CB8AC3E}">
-        <p14:creationId xmlns:p14="http://schemas.microsoft.com/office/powerpoint/2010/main" val="3867699156"/>
-      </p:ext>
-    </p:extLst>
-  </p:cSld>
-  <p:clrMapOvr>
-    <a:masterClrMapping/>
-  </p:clrMapOvr>
-  <p:timing>
-    <p:tnLst>
-      <p:par>
-        <p:cTn xmlns:p14="http://schemas.microsoft.com/office/powerpoint/2010/main" id="1" dur="indefinite" restart="never" nodeType="tmRoot"/>
-      </p:par>
-    </p:tnLst>
-  </p:timing>
-</p:sld>
-</file>
-
-<file path=ppt/slides/slide15.xml><?xml version="1.0" encoding="utf-8"?>
-<p:sld xmlns:a="http://schemas.openxmlformats.org/drawingml/2006/main" xmlns:r="http://schemas.openxmlformats.org/officeDocument/2006/relationships" xmlns:p="http://schemas.openxmlformats.org/presentationml/2006/main">
-  <p:cSld>
-    <p:spTree>
-      <p:nvGrpSpPr>
-        <p:cNvPr id="1" name=""/>
-        <p:cNvGrpSpPr/>
-        <p:nvPr/>
-      </p:nvGrpSpPr>
-      <p:grpSpPr>
-        <a:xfrm>
-          <a:off x="0" y="0"/>
-          <a:ext cx="0" cy="0"/>
-          <a:chOff x="0" y="0"/>
-          <a:chExt cx="0" cy="0"/>
-        </a:xfrm>
-      </p:grpSpPr>
-      <p:sp>
-        <p:nvSpPr>
-          <p:cNvPr id="2" name="Title 1"/>
-          <p:cNvSpPr>
-            <a:spLocks noGrp="1"/>
-          </p:cNvSpPr>
-          <p:nvPr>
-            <p:ph type="title"/>
-          </p:nvPr>
-        </p:nvSpPr>
-        <p:spPr/>
-        <p:txBody>
           <a:bodyPr/>
           <a:lstStyle/>
           <a:p>
             <a:r>
-              <a:rPr lang="en-US" dirty="0" smtClean="0"/>
+              <a:rPr lang="en-US" dirty="0"/>
               <a:t>REST description</a:t>
             </a:r>
-            <a:endParaRPr lang="en-US" dirty="0"/>
           </a:p>
         </p:txBody>
       </p:sp>
@@ -7483,13 +7290,262 @@
   <p:clrMapOvr>
     <a:masterClrMapping/>
   </p:clrMapOvr>
-  <p:timing>
-    <p:tnLst>
-      <p:par>
-        <p:cTn xmlns:p14="http://schemas.microsoft.com/office/powerpoint/2010/main" id="1" dur="indefinite" restart="never" nodeType="tmRoot"/>
-      </p:par>
-    </p:tnLst>
-  </p:timing>
+</p:sld>
+</file>
+
+<file path=ppt/slides/slide15.xml><?xml version="1.0" encoding="utf-8"?>
+<p:sld xmlns:a="http://schemas.openxmlformats.org/drawingml/2006/main" xmlns:r="http://schemas.openxmlformats.org/officeDocument/2006/relationships" xmlns:p="http://schemas.openxmlformats.org/presentationml/2006/main">
+  <p:cSld>
+    <p:spTree>
+      <p:nvGrpSpPr>
+        <p:cNvPr id="1" name=""/>
+        <p:cNvGrpSpPr/>
+        <p:nvPr/>
+      </p:nvGrpSpPr>
+      <p:grpSpPr>
+        <a:xfrm>
+          <a:off x="0" y="0"/>
+          <a:ext cx="0" cy="0"/>
+          <a:chOff x="0" y="0"/>
+          <a:chExt cx="0" cy="0"/>
+        </a:xfrm>
+      </p:grpSpPr>
+      <p:sp>
+        <p:nvSpPr>
+          <p:cNvPr id="2" name="Title 1"/>
+          <p:cNvSpPr>
+            <a:spLocks noGrp="1"/>
+          </p:cNvSpPr>
+          <p:nvPr>
+            <p:ph type="title"/>
+          </p:nvPr>
+        </p:nvSpPr>
+        <p:spPr/>
+        <p:txBody>
+          <a:bodyPr/>
+          <a:lstStyle/>
+          <a:p>
+            <a:r>
+              <a:rPr lang="en-US" dirty="0"/>
+              <a:t>JSON</a:t>
+            </a:r>
+          </a:p>
+        </p:txBody>
+      </p:sp>
+      <p:sp>
+        <p:nvSpPr>
+          <p:cNvPr id="3" name="Content Placeholder 2"/>
+          <p:cNvSpPr>
+            <a:spLocks noGrp="1"/>
+          </p:cNvSpPr>
+          <p:nvPr>
+            <p:ph idx="1"/>
+          </p:nvPr>
+        </p:nvSpPr>
+        <p:spPr/>
+        <p:txBody>
+          <a:bodyPr>
+            <a:normAutofit/>
+          </a:bodyPr>
+          <a:lstStyle/>
+          <a:p>
+            <a:r>
+              <a:rPr lang="en-US" sz="2400" dirty="0"/>
+              <a:t>A simple notation that originated in JavaScript</a:t>
+            </a:r>
+          </a:p>
+          <a:p>
+            <a:pPr marL="0" indent="0">
+              <a:buNone/>
+            </a:pPr>
+            <a:r>
+              <a:rPr lang="en-US" sz="2400" dirty="0" err="1">
+                <a:latin typeface="Lucida Console"/>
+                <a:cs typeface="Lucida Console"/>
+              </a:rPr>
+              <a:t>var</a:t>
+            </a:r>
+            <a:r>
+              <a:rPr lang="en-US" sz="2400" dirty="0">
+                <a:latin typeface="Lucida Console"/>
+                <a:cs typeface="Lucida Console"/>
+              </a:rPr>
+              <a:t> x = {a:1, b:2, c:3}</a:t>
+            </a:r>
+          </a:p>
+          <a:p>
+            <a:r>
+              <a:rPr lang="en-US" sz="2400" dirty="0"/>
+              <a:t>equivalent to:</a:t>
+            </a:r>
+          </a:p>
+          <a:p>
+            <a:pPr marL="0" indent="0">
+              <a:buNone/>
+            </a:pPr>
+            <a:r>
+              <a:rPr lang="en-US" sz="2400" dirty="0" err="1">
+                <a:latin typeface="Lucida Console"/>
+                <a:cs typeface="Lucida Console"/>
+              </a:rPr>
+              <a:t>x.a</a:t>
+            </a:r>
+            <a:r>
+              <a:rPr lang="en-US" sz="2400" dirty="0">
+                <a:latin typeface="Lucida Console"/>
+                <a:cs typeface="Lucida Console"/>
+              </a:rPr>
+              <a:t> = 1; </a:t>
+            </a:r>
+            <a:r>
+              <a:rPr lang="en-US" sz="2400" dirty="0" err="1">
+                <a:latin typeface="Lucida Console"/>
+                <a:cs typeface="Lucida Console"/>
+              </a:rPr>
+              <a:t>x.b</a:t>
+            </a:r>
+            <a:r>
+              <a:rPr lang="en-US" sz="2400" dirty="0">
+                <a:latin typeface="Lucida Console"/>
+                <a:cs typeface="Lucida Console"/>
+              </a:rPr>
+              <a:t> = 2; </a:t>
+            </a:r>
+            <a:r>
+              <a:rPr lang="en-US" sz="2400" dirty="0" err="1">
+                <a:latin typeface="Lucida Console"/>
+                <a:cs typeface="Lucida Console"/>
+              </a:rPr>
+              <a:t>x.c</a:t>
+            </a:r>
+            <a:r>
+              <a:rPr lang="en-US" sz="2400" dirty="0">
+                <a:latin typeface="Lucida Console"/>
+                <a:cs typeface="Lucida Console"/>
+              </a:rPr>
+              <a:t> = 3</a:t>
+            </a:r>
+          </a:p>
+          <a:p>
+            <a:r>
+              <a:rPr lang="en-US" sz="2400" dirty="0"/>
+              <a:t>Can be done “dynamically”</a:t>
+            </a:r>
+          </a:p>
+          <a:p>
+            <a:pPr marL="0" indent="0">
+              <a:buNone/>
+            </a:pPr>
+            <a:r>
+              <a:rPr lang="en-US" sz="2400" dirty="0" err="1">
+                <a:latin typeface="Lucida Console"/>
+                <a:cs typeface="Lucida Console"/>
+              </a:rPr>
+              <a:t>var</a:t>
+            </a:r>
+            <a:r>
+              <a:rPr lang="en-US" sz="2400" dirty="0">
+                <a:latin typeface="Lucida Console"/>
+                <a:cs typeface="Lucida Console"/>
+              </a:rPr>
+              <a:t> x = “{a:1, b:2, c:3}” </a:t>
+            </a:r>
+          </a:p>
+          <a:p>
+            <a:pPr marL="0" indent="0">
+              <a:buNone/>
+            </a:pPr>
+            <a:r>
+              <a:rPr lang="en-US" sz="2400" dirty="0">
+                <a:latin typeface="Lucida Console"/>
+                <a:cs typeface="Lucida Console"/>
+              </a:rPr>
+              <a:t>// imagine this actually </a:t>
+            </a:r>
+          </a:p>
+          <a:p>
+            <a:pPr marL="0" indent="0">
+              <a:buNone/>
+            </a:pPr>
+            <a:r>
+              <a:rPr lang="en-US" sz="2400" dirty="0">
+                <a:latin typeface="Lucida Console"/>
+                <a:cs typeface="Lucida Console"/>
+              </a:rPr>
+              <a:t>// comes from a webserver</a:t>
+            </a:r>
+          </a:p>
+          <a:p>
+            <a:pPr marL="0" indent="0">
+              <a:buNone/>
+            </a:pPr>
+            <a:r>
+              <a:rPr lang="en-US" sz="2400" dirty="0" err="1">
+                <a:latin typeface="Lucida Console"/>
+                <a:cs typeface="Lucida Console"/>
+              </a:rPr>
+              <a:t>var</a:t>
+            </a:r>
+            <a:r>
+              <a:rPr lang="en-US" sz="2400" dirty="0">
+                <a:latin typeface="Lucida Console"/>
+                <a:cs typeface="Lucida Console"/>
+              </a:rPr>
+              <a:t> z = </a:t>
+            </a:r>
+            <a:r>
+              <a:rPr lang="en-US" sz="2400" dirty="0" err="1">
+                <a:latin typeface="Lucida Console"/>
+                <a:cs typeface="Lucida Console"/>
+              </a:rPr>
+              <a:t>eval</a:t>
+            </a:r>
+            <a:r>
+              <a:rPr lang="en-US" sz="2400" dirty="0">
+                <a:latin typeface="Lucida Console"/>
+                <a:cs typeface="Lucida Console"/>
+              </a:rPr>
+              <a:t>(‘(‘+x+’)’)</a:t>
+            </a:r>
+          </a:p>
+          <a:p>
+            <a:pPr marL="0" indent="0">
+              <a:buNone/>
+            </a:pPr>
+            <a:r>
+              <a:rPr lang="en-US" sz="2400" dirty="0">
+                <a:latin typeface="Lucida Console"/>
+                <a:cs typeface="Lucida Console"/>
+              </a:rPr>
+              <a:t>assert(</a:t>
+            </a:r>
+            <a:r>
+              <a:rPr lang="en-US" sz="2400" dirty="0" err="1">
+                <a:latin typeface="Lucida Console"/>
+                <a:cs typeface="Lucida Console"/>
+              </a:rPr>
+              <a:t>z.a</a:t>
+            </a:r>
+            <a:r>
+              <a:rPr lang="en-US" sz="2400" dirty="0">
+                <a:latin typeface="Lucida Console"/>
+                <a:cs typeface="Lucida Console"/>
+              </a:rPr>
+              <a:t> == 1)</a:t>
+            </a:r>
+          </a:p>
+        </p:txBody>
+      </p:sp>
+    </p:spTree>
+    <p:extLst>
+      <p:ext uri="{BB962C8B-B14F-4D97-AF65-F5344CB8AC3E}">
+        <p14:creationId xmlns:p14="http://schemas.microsoft.com/office/powerpoint/2010/main" val="1189132511"/>
+      </p:ext>
+    </p:extLst>
+  </p:cSld>
+  <p:clrMapOvr>
+    <a:masterClrMapping/>
+  </p:clrMapOvr>
 </p:sld>
 </file>
 
@@ -7526,234 +7582,70 @@
           <a:lstStyle/>
           <a:p>
             <a:r>
-              <a:rPr lang="en-US" dirty="0" smtClean="0"/>
-              <a:t>JSON</a:t>
+              <a:rPr lang="en-US" dirty="0"/>
+              <a:t>Return codes</a:t>
+            </a:r>
+          </a:p>
+        </p:txBody>
+      </p:sp>
+      <p:sp>
+        <p:nvSpPr>
+          <p:cNvPr id="3" name="Content Placeholder 2"/>
+          <p:cNvSpPr>
+            <a:spLocks noGrp="1"/>
+          </p:cNvSpPr>
+          <p:nvPr>
+            <p:ph idx="1"/>
+          </p:nvPr>
+        </p:nvSpPr>
+        <p:spPr/>
+        <p:txBody>
+          <a:bodyPr/>
+          <a:lstStyle/>
+          <a:p>
+            <a:r>
+              <a:rPr lang="en-US" dirty="0"/>
+              <a:t>Good </a:t>
+            </a:r>
+            <a:r>
+              <a:rPr lang="en-US" dirty="0" err="1"/>
+              <a:t>RESTful</a:t>
+            </a:r>
+            <a:r>
+              <a:rPr lang="en-US" dirty="0"/>
+              <a:t> design means proper use of return codes</a:t>
+            </a:r>
+            <a:r>
+              <a:rPr lang="mr-IN" dirty="0"/>
+              <a:t>…</a:t>
             </a:r>
             <a:endParaRPr lang="en-US" dirty="0"/>
           </a:p>
-        </p:txBody>
-      </p:sp>
-      <p:sp>
-        <p:nvSpPr>
-          <p:cNvPr id="3" name="Content Placeholder 2"/>
-          <p:cNvSpPr>
-            <a:spLocks noGrp="1"/>
-          </p:cNvSpPr>
-          <p:nvPr>
-            <p:ph idx="1"/>
-          </p:nvPr>
-        </p:nvSpPr>
-        <p:spPr/>
-        <p:txBody>
-          <a:bodyPr>
-            <a:normAutofit/>
-          </a:bodyPr>
-          <a:lstStyle/>
-          <a:p>
-            <a:r>
-              <a:rPr lang="en-US" sz="2400" dirty="0" smtClean="0"/>
-              <a:t>A simple notation that originated in JavaScript</a:t>
-            </a:r>
-          </a:p>
-          <a:p>
-            <a:pPr marL="0" indent="0">
+          <a:p>
+            <a:pPr lvl="1"/>
+            <a:r>
+              <a:rPr lang="en-US" dirty="0"/>
+              <a:t>Why?</a:t>
+            </a:r>
+          </a:p>
+          <a:p>
+            <a:pPr marL="457200" lvl="1" indent="0">
               <a:buNone/>
             </a:pPr>
-            <a:r>
-              <a:rPr lang="en-US" sz="2400" dirty="0" err="1" smtClean="0">
-                <a:latin typeface="Lucida Console"/>
-                <a:cs typeface="Lucida Console"/>
-              </a:rPr>
-              <a:t>var</a:t>
-            </a:r>
-            <a:r>
-              <a:rPr lang="en-US" sz="2400" dirty="0" smtClean="0">
-                <a:latin typeface="Lucida Console"/>
-                <a:cs typeface="Lucida Console"/>
-              </a:rPr>
-              <a:t> x = {a:1, b:2, c:3}</a:t>
-            </a:r>
-          </a:p>
-          <a:p>
-            <a:r>
-              <a:rPr lang="en-US" sz="2400" dirty="0" smtClean="0"/>
-              <a:t>equivalent to:</a:t>
-            </a:r>
-          </a:p>
-          <a:p>
-            <a:pPr marL="0" indent="0">
-              <a:buNone/>
-            </a:pPr>
-            <a:r>
-              <a:rPr lang="en-US" sz="2400" dirty="0" err="1" smtClean="0">
-                <a:latin typeface="Lucida Console"/>
-                <a:cs typeface="Lucida Console"/>
-              </a:rPr>
-              <a:t>x.a</a:t>
-            </a:r>
-            <a:r>
-              <a:rPr lang="en-US" sz="2400" dirty="0" smtClean="0">
-                <a:latin typeface="Lucida Console"/>
-                <a:cs typeface="Lucida Console"/>
-              </a:rPr>
-              <a:t> = 1; </a:t>
-            </a:r>
-            <a:r>
-              <a:rPr lang="en-US" sz="2400" dirty="0" err="1" smtClean="0">
-                <a:latin typeface="Lucida Console"/>
-                <a:cs typeface="Lucida Console"/>
-              </a:rPr>
-              <a:t>x.b</a:t>
-            </a:r>
-            <a:r>
-              <a:rPr lang="en-US" sz="2400" dirty="0" smtClean="0">
-                <a:latin typeface="Lucida Console"/>
-                <a:cs typeface="Lucida Console"/>
-              </a:rPr>
-              <a:t> = 2; </a:t>
-            </a:r>
-            <a:r>
-              <a:rPr lang="en-US" sz="2400" dirty="0" err="1" smtClean="0">
-                <a:latin typeface="Lucida Console"/>
-                <a:cs typeface="Lucida Console"/>
-              </a:rPr>
-              <a:t>x.c</a:t>
-            </a:r>
-            <a:r>
-              <a:rPr lang="en-US" sz="2400" dirty="0" smtClean="0">
-                <a:latin typeface="Lucida Console"/>
-                <a:cs typeface="Lucida Console"/>
-              </a:rPr>
-              <a:t> = 3</a:t>
-            </a:r>
-          </a:p>
-          <a:p>
-            <a:r>
-              <a:rPr lang="en-US" sz="2400" dirty="0" smtClean="0"/>
-              <a:t>Can be done “dynamically”</a:t>
-            </a:r>
-          </a:p>
-          <a:p>
-            <a:pPr marL="0" indent="0">
-              <a:buNone/>
-            </a:pPr>
-            <a:r>
-              <a:rPr lang="en-US" sz="2400" dirty="0" err="1" smtClean="0">
-                <a:latin typeface="Lucida Console"/>
-                <a:cs typeface="Lucida Console"/>
-              </a:rPr>
-              <a:t>var</a:t>
-            </a:r>
-            <a:r>
-              <a:rPr lang="en-US" sz="2400" dirty="0" smtClean="0">
-                <a:latin typeface="Lucida Console"/>
-                <a:cs typeface="Lucida Console"/>
-              </a:rPr>
-              <a:t> x = “{a:1, b:2, c:3}” </a:t>
-            </a:r>
-          </a:p>
-          <a:p>
-            <a:pPr marL="0" indent="0">
-              <a:buNone/>
-            </a:pPr>
-            <a:r>
-              <a:rPr lang="en-US" sz="2400" dirty="0" smtClean="0">
-                <a:latin typeface="Lucida Console"/>
-                <a:cs typeface="Lucida Console"/>
-              </a:rPr>
-              <a:t>// imagine this actually </a:t>
-            </a:r>
-          </a:p>
-          <a:p>
-            <a:pPr marL="0" indent="0">
-              <a:buNone/>
-            </a:pPr>
-            <a:r>
-              <a:rPr lang="en-US" sz="2400" dirty="0" smtClean="0">
-                <a:latin typeface="Lucida Console"/>
-                <a:cs typeface="Lucida Console"/>
-              </a:rPr>
-              <a:t>// comes from a webserver</a:t>
-            </a:r>
-          </a:p>
-          <a:p>
-            <a:pPr marL="0" indent="0">
-              <a:buNone/>
-            </a:pPr>
-            <a:r>
-              <a:rPr lang="en-US" sz="2400" dirty="0" err="1" smtClean="0">
-                <a:latin typeface="Lucida Console"/>
-                <a:cs typeface="Lucida Console"/>
-              </a:rPr>
-              <a:t>var</a:t>
-            </a:r>
-            <a:r>
-              <a:rPr lang="en-US" sz="2400" dirty="0" smtClean="0">
-                <a:latin typeface="Lucida Console"/>
-                <a:cs typeface="Lucida Console"/>
-              </a:rPr>
-              <a:t> z = </a:t>
-            </a:r>
-            <a:r>
-              <a:rPr lang="en-US" sz="2400" dirty="0" err="1" smtClean="0">
-                <a:latin typeface="Lucida Console"/>
-                <a:cs typeface="Lucida Console"/>
-              </a:rPr>
-              <a:t>eval</a:t>
-            </a:r>
-            <a:r>
-              <a:rPr lang="en-US" sz="2400" dirty="0" smtClean="0">
-                <a:latin typeface="Lucida Console"/>
-                <a:cs typeface="Lucida Console"/>
-              </a:rPr>
-              <a:t>(‘(‘+x+’)’)</a:t>
-            </a:r>
-          </a:p>
-          <a:p>
-            <a:pPr marL="0" indent="0">
-              <a:buNone/>
-            </a:pPr>
-            <a:r>
-              <a:rPr lang="en-US" sz="2400" dirty="0" smtClean="0">
-                <a:latin typeface="Lucida Console"/>
-                <a:cs typeface="Lucida Console"/>
-              </a:rPr>
-              <a:t>assert(</a:t>
-            </a:r>
-            <a:r>
-              <a:rPr lang="en-US" sz="2400" dirty="0" err="1" smtClean="0">
-                <a:latin typeface="Lucida Console"/>
-                <a:cs typeface="Lucida Console"/>
-              </a:rPr>
-              <a:t>z.a</a:t>
-            </a:r>
-            <a:r>
-              <a:rPr lang="en-US" sz="2400" dirty="0" smtClean="0">
-                <a:latin typeface="Lucida Console"/>
-                <a:cs typeface="Lucida Console"/>
-              </a:rPr>
-              <a:t> == 1)</a:t>
-            </a:r>
+            <a:endParaRPr lang="en-US" dirty="0"/>
           </a:p>
         </p:txBody>
       </p:sp>
     </p:spTree>
     <p:extLst>
       <p:ext uri="{BB962C8B-B14F-4D97-AF65-F5344CB8AC3E}">
-        <p14:creationId xmlns:p14="http://schemas.microsoft.com/office/powerpoint/2010/main" val="1189132511"/>
+        <p14:creationId xmlns:p14="http://schemas.microsoft.com/office/powerpoint/2010/main" val="3389322104"/>
       </p:ext>
     </p:extLst>
   </p:cSld>
   <p:clrMapOvr>
     <a:masterClrMapping/>
   </p:clrMapOvr>
-  <p:timing>
-    <p:tnLst>
-      <p:par>
-        <p:cTn xmlns:p14="http://schemas.microsoft.com/office/powerpoint/2010/main" id="1" dur="indefinite" restart="never" nodeType="tmRoot"/>
-      </p:par>
-    </p:tnLst>
-  </p:timing>
 </p:sld>
 </file>
 
@@ -7790,118 +7682,9 @@
           <a:lstStyle/>
           <a:p>
             <a:r>
-              <a:rPr lang="en-US" dirty="0" smtClean="0"/>
-              <a:t>Return codes</a:t>
-            </a:r>
-            <a:endParaRPr lang="en-US" dirty="0"/>
-          </a:p>
-        </p:txBody>
-      </p:sp>
-      <p:sp>
-        <p:nvSpPr>
-          <p:cNvPr id="3" name="Content Placeholder 2"/>
-          <p:cNvSpPr>
-            <a:spLocks noGrp="1"/>
-          </p:cNvSpPr>
-          <p:nvPr>
-            <p:ph idx="1"/>
-          </p:nvPr>
-        </p:nvSpPr>
-        <p:spPr/>
-        <p:txBody>
-          <a:bodyPr/>
-          <a:lstStyle/>
-          <a:p>
-            <a:r>
-              <a:rPr lang="en-US" dirty="0" smtClean="0"/>
-              <a:t>Good </a:t>
-            </a:r>
-            <a:r>
-              <a:rPr lang="en-US" dirty="0" err="1" smtClean="0"/>
-              <a:t>RESTful</a:t>
-            </a:r>
-            <a:r>
-              <a:rPr lang="en-US" dirty="0" smtClean="0"/>
-              <a:t> design means proper use of return codes</a:t>
-            </a:r>
-            <a:r>
-              <a:rPr lang="mr-IN" dirty="0" smtClean="0"/>
-              <a:t>…</a:t>
-            </a:r>
-            <a:endParaRPr lang="en-US" dirty="0" smtClean="0"/>
-          </a:p>
-          <a:p>
-            <a:pPr lvl="1"/>
-            <a:r>
-              <a:rPr lang="en-US" dirty="0" smtClean="0"/>
-              <a:t>Why?</a:t>
-            </a:r>
-          </a:p>
-          <a:p>
-            <a:pPr marL="457200" lvl="1" indent="0">
-              <a:buNone/>
-            </a:pPr>
-            <a:endParaRPr lang="en-US" dirty="0"/>
-          </a:p>
-        </p:txBody>
-      </p:sp>
-    </p:spTree>
-    <p:extLst>
-      <p:ext uri="{BB962C8B-B14F-4D97-AF65-F5344CB8AC3E}">
-        <p14:creationId xmlns:p14="http://schemas.microsoft.com/office/powerpoint/2010/main" val="3389322104"/>
-      </p:ext>
-    </p:extLst>
-  </p:cSld>
-  <p:clrMapOvr>
-    <a:masterClrMapping/>
-  </p:clrMapOvr>
-  <p:timing>
-    <p:tnLst>
-      <p:par>
-        <p:cTn xmlns:p14="http://schemas.microsoft.com/office/powerpoint/2010/main" id="1" dur="indefinite" restart="never" nodeType="tmRoot"/>
-      </p:par>
-    </p:tnLst>
-  </p:timing>
-</p:sld>
-</file>
-
-<file path=ppt/slides/slide18.xml><?xml version="1.0" encoding="utf-8"?>
-<p:sld xmlns:a="http://schemas.openxmlformats.org/drawingml/2006/main" xmlns:r="http://schemas.openxmlformats.org/officeDocument/2006/relationships" xmlns:p="http://schemas.openxmlformats.org/presentationml/2006/main">
-  <p:cSld>
-    <p:spTree>
-      <p:nvGrpSpPr>
-        <p:cNvPr id="1" name=""/>
-        <p:cNvGrpSpPr/>
-        <p:nvPr/>
-      </p:nvGrpSpPr>
-      <p:grpSpPr>
-        <a:xfrm>
-          <a:off x="0" y="0"/>
-          <a:ext cx="0" cy="0"/>
-          <a:chOff x="0" y="0"/>
-          <a:chExt cx="0" cy="0"/>
-        </a:xfrm>
-      </p:grpSpPr>
-      <p:sp>
-        <p:nvSpPr>
-          <p:cNvPr id="2" name="Title 1"/>
-          <p:cNvSpPr>
-            <a:spLocks noGrp="1"/>
-          </p:cNvSpPr>
-          <p:nvPr>
-            <p:ph type="title"/>
-          </p:nvPr>
-        </p:nvSpPr>
-        <p:spPr/>
-        <p:txBody>
-          <a:bodyPr/>
-          <a:lstStyle/>
-          <a:p>
-            <a:r>
-              <a:rPr lang="en-US" dirty="0" smtClean="0"/>
+              <a:rPr lang="en-US" dirty="0"/>
               <a:t>HTTP return codes</a:t>
             </a:r>
-            <a:endParaRPr lang="en-US" dirty="0"/>
           </a:p>
         </p:txBody>
       </p:sp>
@@ -7975,17 +7758,10 @@
   <p:clrMapOvr>
     <a:masterClrMapping/>
   </p:clrMapOvr>
-  <p:timing>
-    <p:tnLst>
-      <p:par>
-        <p:cTn xmlns:p14="http://schemas.microsoft.com/office/powerpoint/2010/main" id="1" dur="indefinite" restart="never" nodeType="tmRoot"/>
-      </p:par>
-    </p:tnLst>
-  </p:timing>
 </p:sld>
 </file>
 
-<file path=ppt/slides/slide19.xml><?xml version="1.0" encoding="utf-8"?>
+<file path=ppt/slides/slide18.xml><?xml version="1.0" encoding="utf-8"?>
 <p:sld xmlns:a="http://schemas.openxmlformats.org/drawingml/2006/main" xmlns:r="http://schemas.openxmlformats.org/officeDocument/2006/relationships" xmlns:p="http://schemas.openxmlformats.org/presentationml/2006/main">
   <p:cSld>
     <p:spTree>
@@ -8018,10 +7794,9 @@
           <a:lstStyle/>
           <a:p>
             <a:r>
-              <a:rPr lang="en-US" dirty="0" smtClean="0"/>
+              <a:rPr lang="en-US" dirty="0"/>
               <a:t>Client Error Codes</a:t>
             </a:r>
-            <a:endParaRPr lang="en-US" dirty="0"/>
           </a:p>
         </p:txBody>
       </p:sp>
@@ -8059,17 +7834,10 @@
   <p:clrMapOvr>
     <a:masterClrMapping/>
   </p:clrMapOvr>
-  <p:timing>
-    <p:tnLst>
-      <p:par>
-        <p:cTn xmlns:p14="http://schemas.microsoft.com/office/powerpoint/2010/main" id="1" dur="indefinite" restart="never" nodeType="tmRoot"/>
-      </p:par>
-    </p:tnLst>
-  </p:timing>
 </p:sld>
 </file>
 
-<file path=ppt/slides/slide2.xml><?xml version="1.0" encoding="utf-8"?>
+<file path=ppt/slides/slide19.xml><?xml version="1.0" encoding="utf-8"?>
 <p:sld xmlns:a="http://schemas.openxmlformats.org/drawingml/2006/main" xmlns:r="http://schemas.openxmlformats.org/officeDocument/2006/relationships" xmlns:p="http://schemas.openxmlformats.org/presentationml/2006/main">
   <p:cSld>
     <p:spTree>
@@ -8102,183 +7870,9 @@
           <a:lstStyle/>
           <a:p>
             <a:r>
-              <a:rPr lang="en-US" dirty="0" smtClean="0"/>
-              <a:t>World Wide Web</a:t>
-            </a:r>
-            <a:endParaRPr lang="en-US" dirty="0"/>
-          </a:p>
-        </p:txBody>
-      </p:sp>
-      <p:sp>
-        <p:nvSpPr>
-          <p:cNvPr id="4" name="Content Placeholder 3"/>
-          <p:cNvSpPr>
-            <a:spLocks noGrp="1"/>
-          </p:cNvSpPr>
-          <p:nvPr>
-            <p:ph sz="half" idx="1"/>
-          </p:nvPr>
-        </p:nvSpPr>
-        <p:spPr/>
-        <p:txBody>
-          <a:bodyPr>
-            <a:normAutofit fontScale="77500" lnSpcReduction="20000"/>
-          </a:bodyPr>
-          <a:lstStyle/>
-          <a:p>
-            <a:r>
-              <a:rPr lang="en-US" dirty="0"/>
-              <a:t>navigating document collections</a:t>
-            </a:r>
-          </a:p>
-          <a:p>
-            <a:r>
-              <a:rPr lang="en-US" dirty="0" smtClean="0"/>
-              <a:t>multimedia </a:t>
-            </a:r>
-            <a:r>
-              <a:rPr lang="en-US" dirty="0"/>
-              <a:t>documents</a:t>
-            </a:r>
-          </a:p>
-          <a:p>
-            <a:r>
-              <a:rPr lang="en-US" dirty="0" smtClean="0"/>
-              <a:t>hypertext </a:t>
-            </a:r>
-            <a:r>
-              <a:rPr lang="en-US" dirty="0"/>
-              <a:t>cross-references</a:t>
-            </a:r>
-          </a:p>
-          <a:p>
-            <a:r>
-              <a:rPr lang="en-US" dirty="0" smtClean="0"/>
-              <a:t>hypertext </a:t>
-            </a:r>
-            <a:r>
-              <a:rPr lang="en-US" dirty="0"/>
-              <a:t>markup language</a:t>
-            </a:r>
-          </a:p>
-          <a:p>
-            <a:r>
-              <a:rPr lang="en-US" dirty="0"/>
-              <a:t>(HTML)</a:t>
-            </a:r>
-          </a:p>
-          <a:p>
-            <a:r>
-              <a:rPr lang="en-US" dirty="0" smtClean="0"/>
-              <a:t>hypertext </a:t>
-            </a:r>
-            <a:r>
-              <a:rPr lang="en-US" dirty="0"/>
-              <a:t>transfer protocol</a:t>
-            </a:r>
-          </a:p>
-          <a:p>
-            <a:r>
-              <a:rPr lang="en-US" dirty="0"/>
-              <a:t>(HTTP)</a:t>
-            </a:r>
-          </a:p>
-          <a:p>
-            <a:r>
-              <a:rPr lang="en-US" dirty="0" smtClean="0"/>
-              <a:t>Tim </a:t>
-            </a:r>
-            <a:r>
-              <a:rPr lang="en-US" dirty="0"/>
-              <a:t>Berners-Lee at CERN</a:t>
-            </a:r>
-            <a:r>
-              <a:rPr lang="en-US" dirty="0" smtClean="0"/>
-              <a:t>, 1989</a:t>
-            </a:r>
-            <a:r>
-              <a:rPr lang="en-US" dirty="0"/>
-              <a:t>–1992</a:t>
-            </a:r>
-          </a:p>
-        </p:txBody>
-      </p:sp>
-      <p:pic>
-        <p:nvPicPr>
-          <p:cNvPr id="7" name="Content Placeholder 6"/>
-          <p:cNvPicPr>
-            <a:picLocks noGrp="1" noChangeAspect="1"/>
-          </p:cNvPicPr>
-          <p:nvPr>
-            <p:ph sz="half" idx="2"/>
-          </p:nvPr>
-        </p:nvPicPr>
-        <p:blipFill>
-          <a:blip r:embed="rId2"/>
-          <a:srcRect t="6877" b="6877"/>
-          <a:stretch>
-            <a:fillRect/>
-          </a:stretch>
-        </p:blipFill>
-        <p:spPr/>
-      </p:pic>
-    </p:spTree>
-    <p:extLst>
-      <p:ext uri="{BB962C8B-B14F-4D97-AF65-F5344CB8AC3E}">
-        <p14:creationId xmlns:p14="http://schemas.microsoft.com/office/powerpoint/2010/main" val="3552797669"/>
-      </p:ext>
-    </p:extLst>
-  </p:cSld>
-  <p:clrMapOvr>
-    <a:masterClrMapping/>
-  </p:clrMapOvr>
-  <p:timing>
-    <p:tnLst>
-      <p:par>
-        <p:cTn xmlns:p14="http://schemas.microsoft.com/office/powerpoint/2010/main" id="1" dur="indefinite" restart="never" nodeType="tmRoot"/>
-      </p:par>
-    </p:tnLst>
-  </p:timing>
-</p:sld>
-</file>
-
-<file path=ppt/slides/slide20.xml><?xml version="1.0" encoding="utf-8"?>
-<p:sld xmlns:a="http://schemas.openxmlformats.org/drawingml/2006/main" xmlns:r="http://schemas.openxmlformats.org/officeDocument/2006/relationships" xmlns:p="http://schemas.openxmlformats.org/presentationml/2006/main">
-  <p:cSld>
-    <p:spTree>
-      <p:nvGrpSpPr>
-        <p:cNvPr id="1" name=""/>
-        <p:cNvGrpSpPr/>
-        <p:nvPr/>
-      </p:nvGrpSpPr>
-      <p:grpSpPr>
-        <a:xfrm>
-          <a:off x="0" y="0"/>
-          <a:ext cx="0" cy="0"/>
-          <a:chOff x="0" y="0"/>
-          <a:chExt cx="0" cy="0"/>
-        </a:xfrm>
-      </p:grpSpPr>
-      <p:sp>
-        <p:nvSpPr>
-          <p:cNvPr id="2" name="Title 1"/>
-          <p:cNvSpPr>
-            <a:spLocks noGrp="1"/>
-          </p:cNvSpPr>
-          <p:nvPr>
-            <p:ph type="title"/>
-          </p:nvPr>
-        </p:nvSpPr>
-        <p:spPr/>
-        <p:txBody>
-          <a:bodyPr/>
-          <a:lstStyle/>
-          <a:p>
-            <a:r>
-              <a:rPr lang="en-US" dirty="0" smtClean="0"/>
+              <a:rPr lang="en-US" dirty="0"/>
               <a:t>Server Error Codes</a:t>
             </a:r>
-            <a:endParaRPr lang="en-US" dirty="0"/>
           </a:p>
         </p:txBody>
       </p:sp>
@@ -8316,13 +7910,263 @@
   <p:clrMapOvr>
     <a:masterClrMapping/>
   </p:clrMapOvr>
-  <p:timing>
-    <p:tnLst>
-      <p:par>
-        <p:cTn xmlns:p14="http://schemas.microsoft.com/office/powerpoint/2010/main" id="1" dur="indefinite" restart="never" nodeType="tmRoot"/>
-      </p:par>
-    </p:tnLst>
-  </p:timing>
+</p:sld>
+</file>
+
+<file path=ppt/slides/slide2.xml><?xml version="1.0" encoding="utf-8"?>
+<p:sld xmlns:a="http://schemas.openxmlformats.org/drawingml/2006/main" xmlns:r="http://schemas.openxmlformats.org/officeDocument/2006/relationships" xmlns:p="http://schemas.openxmlformats.org/presentationml/2006/main">
+  <p:cSld>
+    <p:spTree>
+      <p:nvGrpSpPr>
+        <p:cNvPr id="1" name=""/>
+        <p:cNvGrpSpPr/>
+        <p:nvPr/>
+      </p:nvGrpSpPr>
+      <p:grpSpPr>
+        <a:xfrm>
+          <a:off x="0" y="0"/>
+          <a:ext cx="0" cy="0"/>
+          <a:chOff x="0" y="0"/>
+          <a:chExt cx="0" cy="0"/>
+        </a:xfrm>
+      </p:grpSpPr>
+      <p:sp>
+        <p:nvSpPr>
+          <p:cNvPr id="2" name="Title 1"/>
+          <p:cNvSpPr>
+            <a:spLocks noGrp="1"/>
+          </p:cNvSpPr>
+          <p:nvPr>
+            <p:ph type="title"/>
+          </p:nvPr>
+        </p:nvSpPr>
+        <p:spPr/>
+        <p:txBody>
+          <a:bodyPr/>
+          <a:lstStyle/>
+          <a:p>
+            <a:r>
+              <a:rPr lang="en-US" dirty="0"/>
+              <a:t>World Wide Web</a:t>
+            </a:r>
+          </a:p>
+        </p:txBody>
+      </p:sp>
+      <p:sp>
+        <p:nvSpPr>
+          <p:cNvPr id="4" name="Content Placeholder 3"/>
+          <p:cNvSpPr>
+            <a:spLocks noGrp="1"/>
+          </p:cNvSpPr>
+          <p:nvPr>
+            <p:ph sz="half" idx="1"/>
+          </p:nvPr>
+        </p:nvSpPr>
+        <p:spPr/>
+        <p:txBody>
+          <a:bodyPr>
+            <a:normAutofit fontScale="77500" lnSpcReduction="20000"/>
+          </a:bodyPr>
+          <a:lstStyle/>
+          <a:p>
+            <a:r>
+              <a:rPr lang="en-US" dirty="0"/>
+              <a:t>navigating document collections</a:t>
+            </a:r>
+          </a:p>
+          <a:p>
+            <a:r>
+              <a:rPr lang="en-US" dirty="0"/>
+              <a:t>multimedia documents</a:t>
+            </a:r>
+          </a:p>
+          <a:p>
+            <a:r>
+              <a:rPr lang="en-US" dirty="0"/>
+              <a:t>hypertext cross-references</a:t>
+            </a:r>
+          </a:p>
+          <a:p>
+            <a:r>
+              <a:rPr lang="en-US" dirty="0"/>
+              <a:t>hypertext markup language</a:t>
+            </a:r>
+          </a:p>
+          <a:p>
+            <a:r>
+              <a:rPr lang="en-US" dirty="0"/>
+              <a:t>(HTML)</a:t>
+            </a:r>
+          </a:p>
+          <a:p>
+            <a:r>
+              <a:rPr lang="en-US" dirty="0"/>
+              <a:t>hypertext transfer protocol</a:t>
+            </a:r>
+          </a:p>
+          <a:p>
+            <a:r>
+              <a:rPr lang="en-US" dirty="0"/>
+              <a:t>(HTTP)</a:t>
+            </a:r>
+          </a:p>
+          <a:p>
+            <a:r>
+              <a:rPr lang="en-US" dirty="0"/>
+              <a:t>Tim Berners-Lee at CERN, 1989–1992</a:t>
+            </a:r>
+          </a:p>
+        </p:txBody>
+      </p:sp>
+      <p:pic>
+        <p:nvPicPr>
+          <p:cNvPr id="7" name="Content Placeholder 6"/>
+          <p:cNvPicPr>
+            <a:picLocks noGrp="1" noChangeAspect="1"/>
+          </p:cNvPicPr>
+          <p:nvPr>
+            <p:ph sz="half" idx="2"/>
+          </p:nvPr>
+        </p:nvPicPr>
+        <p:blipFill>
+          <a:blip r:embed="rId2"/>
+          <a:srcRect t="6877" b="6877"/>
+          <a:stretch>
+            <a:fillRect/>
+          </a:stretch>
+        </p:blipFill>
+        <p:spPr/>
+      </p:pic>
+    </p:spTree>
+    <p:extLst>
+      <p:ext uri="{BB962C8B-B14F-4D97-AF65-F5344CB8AC3E}">
+        <p14:creationId xmlns:p14="http://schemas.microsoft.com/office/powerpoint/2010/main" val="3552797669"/>
+      </p:ext>
+    </p:extLst>
+  </p:cSld>
+  <p:clrMapOvr>
+    <a:masterClrMapping/>
+  </p:clrMapOvr>
+</p:sld>
+</file>
+
+<file path=ppt/slides/slide20.xml><?xml version="1.0" encoding="utf-8"?>
+<p:sld xmlns:a="http://schemas.openxmlformats.org/drawingml/2006/main" xmlns:r="http://schemas.openxmlformats.org/officeDocument/2006/relationships" xmlns:p="http://schemas.openxmlformats.org/presentationml/2006/main">
+  <p:cSld>
+    <p:spTree>
+      <p:nvGrpSpPr>
+        <p:cNvPr id="1" name=""/>
+        <p:cNvGrpSpPr/>
+        <p:nvPr/>
+      </p:nvGrpSpPr>
+      <p:grpSpPr>
+        <a:xfrm>
+          <a:off x="0" y="0"/>
+          <a:ext cx="0" cy="0"/>
+          <a:chOff x="0" y="0"/>
+          <a:chExt cx="0" cy="0"/>
+        </a:xfrm>
+      </p:grpSpPr>
+      <p:sp>
+        <p:nvSpPr>
+          <p:cNvPr id="2" name="Title 1"/>
+          <p:cNvSpPr>
+            <a:spLocks noGrp="1"/>
+          </p:cNvSpPr>
+          <p:nvPr>
+            <p:ph type="title"/>
+          </p:nvPr>
+        </p:nvSpPr>
+        <p:spPr/>
+        <p:txBody>
+          <a:bodyPr/>
+          <a:lstStyle/>
+          <a:p>
+            <a:r>
+              <a:rPr lang="en-US" dirty="0"/>
+              <a:t>Summary</a:t>
+            </a:r>
+          </a:p>
+        </p:txBody>
+      </p:sp>
+      <p:sp>
+        <p:nvSpPr>
+          <p:cNvPr id="3" name="Content Placeholder 2"/>
+          <p:cNvSpPr>
+            <a:spLocks noGrp="1"/>
+          </p:cNvSpPr>
+          <p:nvPr>
+            <p:ph idx="1"/>
+          </p:nvPr>
+        </p:nvSpPr>
+        <p:spPr/>
+        <p:txBody>
+          <a:bodyPr/>
+          <a:lstStyle/>
+          <a:p>
+            <a:r>
+              <a:rPr lang="en-US" dirty="0"/>
+              <a:t>Basic REST concepts:</a:t>
+            </a:r>
+          </a:p>
+          <a:p>
+            <a:pPr lvl="1"/>
+            <a:r>
+              <a:rPr lang="en-US" dirty="0"/>
+              <a:t>Use the right VERB</a:t>
+            </a:r>
+          </a:p>
+          <a:p>
+            <a:pPr lvl="1"/>
+            <a:r>
+              <a:rPr lang="en-US" dirty="0"/>
+              <a:t>Use the right return code</a:t>
+            </a:r>
+          </a:p>
+          <a:p>
+            <a:pPr lvl="1"/>
+            <a:r>
+              <a:rPr lang="en-US" dirty="0"/>
+              <a:t>Use well defined media types</a:t>
+            </a:r>
+          </a:p>
+          <a:p>
+            <a:pPr lvl="2"/>
+            <a:r>
+              <a:rPr lang="en-US" dirty="0"/>
+              <a:t>Resource representation</a:t>
+            </a:r>
+          </a:p>
+          <a:p>
+            <a:pPr lvl="1"/>
+            <a:r>
+              <a:rPr lang="en-US" dirty="0"/>
+              <a:t>Use </a:t>
+            </a:r>
+            <a:r>
+              <a:rPr lang="en-US"/>
+              <a:t>hyperlinks for HATEOAS</a:t>
+            </a:r>
+            <a:endParaRPr lang="en-US" dirty="0"/>
+          </a:p>
+          <a:p>
+            <a:pPr marL="457200" lvl="1" indent="0">
+              <a:buNone/>
+            </a:pPr>
+            <a:endParaRPr lang="en-US" dirty="0"/>
+          </a:p>
+        </p:txBody>
+      </p:sp>
+    </p:spTree>
+    <p:extLst>
+      <p:ext uri="{BB962C8B-B14F-4D97-AF65-F5344CB8AC3E}">
+        <p14:creationId xmlns:p14="http://schemas.microsoft.com/office/powerpoint/2010/main" val="1369062281"/>
+      </p:ext>
+    </p:extLst>
+  </p:cSld>
+  <p:clrMapOvr>
+    <a:masterClrMapping/>
+  </p:clrMapOvr>
 </p:sld>
 </file>
 
@@ -8359,98 +8203,22 @@
           <a:lstStyle/>
           <a:p>
             <a:r>
-              <a:rPr lang="en-US" dirty="0" smtClean="0"/>
-              <a:t>Summary</a:t>
-            </a:r>
-            <a:endParaRPr lang="en-US" dirty="0"/>
-          </a:p>
-        </p:txBody>
-      </p:sp>
-      <p:sp>
-        <p:nvSpPr>
-          <p:cNvPr id="3" name="Content Placeholder 2"/>
-          <p:cNvSpPr>
-            <a:spLocks noGrp="1"/>
-          </p:cNvSpPr>
-          <p:nvPr>
-            <p:ph idx="1"/>
-          </p:nvPr>
-        </p:nvSpPr>
-        <p:spPr/>
-        <p:txBody>
-          <a:bodyPr/>
-          <a:lstStyle/>
-          <a:p>
-            <a:r>
-              <a:rPr lang="en-US" dirty="0" smtClean="0"/>
-              <a:t>Basic REST concepts:</a:t>
-            </a:r>
-          </a:p>
-          <a:p>
-            <a:pPr lvl="1"/>
-            <a:r>
-              <a:rPr lang="en-US" dirty="0" smtClean="0"/>
-              <a:t>Use the right VERB</a:t>
-            </a:r>
-          </a:p>
-          <a:p>
-            <a:pPr lvl="1"/>
-            <a:r>
-              <a:rPr lang="en-US" dirty="0" smtClean="0"/>
-              <a:t>Use the right return code</a:t>
-            </a:r>
-          </a:p>
-          <a:p>
-            <a:pPr lvl="1"/>
-            <a:r>
-              <a:rPr lang="en-US" dirty="0" smtClean="0"/>
-              <a:t>Use well defined media types</a:t>
-            </a:r>
-          </a:p>
-          <a:p>
-            <a:pPr lvl="2"/>
-            <a:r>
-              <a:rPr lang="en-US" dirty="0" smtClean="0"/>
-              <a:t>Resource representation</a:t>
-            </a:r>
-          </a:p>
-          <a:p>
-            <a:pPr lvl="1"/>
-            <a:r>
-              <a:rPr lang="en-US" dirty="0" smtClean="0"/>
-              <a:t>Use </a:t>
-            </a:r>
-            <a:r>
-              <a:rPr lang="en-US" smtClean="0"/>
-              <a:t>hyperlinks for HATEOAS</a:t>
-            </a:r>
-            <a:endParaRPr lang="en-US" dirty="0" smtClean="0"/>
-          </a:p>
-          <a:p>
-            <a:pPr marL="457200" lvl="1" indent="0">
-              <a:buNone/>
-            </a:pPr>
-            <a:endParaRPr lang="en-US" dirty="0"/>
+              <a:rPr lang="en-US" dirty="0"/>
+              <a:t>Our sample Purchase service</a:t>
+            </a:r>
           </a:p>
         </p:txBody>
       </p:sp>
     </p:spTree>
     <p:extLst>
       <p:ext uri="{BB962C8B-B14F-4D97-AF65-F5344CB8AC3E}">
-        <p14:creationId xmlns:p14="http://schemas.microsoft.com/office/powerpoint/2010/main" val="1369062281"/>
+        <p14:creationId xmlns:p14="http://schemas.microsoft.com/office/powerpoint/2010/main" val="3856891475"/>
       </p:ext>
     </p:extLst>
   </p:cSld>
   <p:clrMapOvr>
     <a:masterClrMapping/>
   </p:clrMapOvr>
-  <p:timing>
-    <p:tnLst>
-      <p:par>
-        <p:cTn xmlns:p14="http://schemas.microsoft.com/office/powerpoint/2010/main" id="1" dur="indefinite" restart="never" nodeType="tmRoot"/>
-      </p:par>
-    </p:tnLst>
-  </p:timing>
 </p:sld>
 </file>
 
@@ -8487,70 +8255,9 @@
           <a:lstStyle/>
           <a:p>
             <a:r>
-              <a:rPr lang="en-US" dirty="0" smtClean="0"/>
-              <a:t>Our sample Purchase service</a:t>
-            </a:r>
-            <a:endParaRPr lang="en-US" dirty="0"/>
-          </a:p>
-        </p:txBody>
-      </p:sp>
-    </p:spTree>
-    <p:extLst>
-      <p:ext uri="{BB962C8B-B14F-4D97-AF65-F5344CB8AC3E}">
-        <p14:creationId xmlns:p14="http://schemas.microsoft.com/office/powerpoint/2010/main" val="3856891475"/>
-      </p:ext>
-    </p:extLst>
-  </p:cSld>
-  <p:clrMapOvr>
-    <a:masterClrMapping/>
-  </p:clrMapOvr>
-  <p:timing>
-    <p:tnLst>
-      <p:par>
-        <p:cTn xmlns:p14="http://schemas.microsoft.com/office/powerpoint/2010/main" id="1" dur="indefinite" restart="never" nodeType="tmRoot"/>
-      </p:par>
-    </p:tnLst>
-  </p:timing>
-</p:sld>
-</file>
-
-<file path=ppt/slides/slide23.xml><?xml version="1.0" encoding="utf-8"?>
-<p:sld xmlns:a="http://schemas.openxmlformats.org/drawingml/2006/main" xmlns:r="http://schemas.openxmlformats.org/officeDocument/2006/relationships" xmlns:p="http://schemas.openxmlformats.org/presentationml/2006/main">
-  <p:cSld>
-    <p:spTree>
-      <p:nvGrpSpPr>
-        <p:cNvPr id="1" name=""/>
-        <p:cNvGrpSpPr/>
-        <p:nvPr/>
-      </p:nvGrpSpPr>
-      <p:grpSpPr>
-        <a:xfrm>
-          <a:off x="0" y="0"/>
-          <a:ext cx="0" cy="0"/>
-          <a:chOff x="0" y="0"/>
-          <a:chExt cx="0" cy="0"/>
-        </a:xfrm>
-      </p:grpSpPr>
-      <p:sp>
-        <p:nvSpPr>
-          <p:cNvPr id="2" name="Title 1"/>
-          <p:cNvSpPr>
-            <a:spLocks noGrp="1"/>
-          </p:cNvSpPr>
-          <p:nvPr>
-            <p:ph type="title"/>
-          </p:nvPr>
-        </p:nvSpPr>
-        <p:spPr/>
-        <p:txBody>
-          <a:bodyPr/>
-          <a:lstStyle/>
-          <a:p>
-            <a:r>
-              <a:rPr lang="en-US" dirty="0" smtClean="0"/>
+              <a:rPr lang="en-US" dirty="0"/>
               <a:t>Create an Order</a:t>
             </a:r>
-            <a:endParaRPr lang="en-US" dirty="0"/>
           </a:p>
         </p:txBody>
       </p:sp>
@@ -8588,17 +8295,10 @@
   <p:clrMapOvr>
     <a:masterClrMapping/>
   </p:clrMapOvr>
-  <p:timing>
-    <p:tnLst>
-      <p:par>
-        <p:cTn xmlns:p14="http://schemas.microsoft.com/office/powerpoint/2010/main" id="1" dur="indefinite" restart="never" nodeType="tmRoot"/>
-      </p:par>
-    </p:tnLst>
-  </p:timing>
 </p:sld>
 </file>
 
-<file path=ppt/slides/slide24.xml><?xml version="1.0" encoding="utf-8"?>
+<file path=ppt/slides/slide23.xml><?xml version="1.0" encoding="utf-8"?>
 <p:sld xmlns:a="http://schemas.openxmlformats.org/drawingml/2006/main" xmlns:r="http://schemas.openxmlformats.org/officeDocument/2006/relationships" xmlns:p="http://schemas.openxmlformats.org/presentationml/2006/main">
   <p:cSld>
     <p:spTree>
@@ -8668,17 +8368,10 @@
   <p:clrMapOvr>
     <a:masterClrMapping/>
   </p:clrMapOvr>
-  <p:timing>
-    <p:tnLst>
-      <p:par>
-        <p:cTn xmlns:p14="http://schemas.microsoft.com/office/powerpoint/2010/main" id="1" dur="indefinite" restart="never" nodeType="tmRoot"/>
-      </p:par>
-    </p:tnLst>
-  </p:timing>
 </p:sld>
 </file>
 
-<file path=ppt/slides/slide25.xml><?xml version="1.0" encoding="utf-8"?>
+<file path=ppt/slides/slide24.xml><?xml version="1.0" encoding="utf-8"?>
 <p:sld xmlns:a="http://schemas.openxmlformats.org/drawingml/2006/main" xmlns:r="http://schemas.openxmlformats.org/officeDocument/2006/relationships" xmlns:p="http://schemas.openxmlformats.org/presentationml/2006/main">
   <p:cSld>
     <p:spTree>
@@ -8711,10 +8404,9 @@
           <a:lstStyle/>
           <a:p>
             <a:r>
-              <a:rPr lang="en-US" dirty="0" smtClean="0"/>
+              <a:rPr lang="en-US" dirty="0"/>
               <a:t>Questions?</a:t>
             </a:r>
-            <a:endParaRPr lang="en-US" dirty="0"/>
           </a:p>
         </p:txBody>
       </p:sp>
@@ -8728,13 +8420,6 @@
   <p:clrMapOvr>
     <a:masterClrMapping/>
   </p:clrMapOvr>
-  <p:timing>
-    <p:tnLst>
-      <p:par>
-        <p:cTn xmlns:p14="http://schemas.microsoft.com/office/powerpoint/2010/main" id="1" dur="indefinite" restart="never" nodeType="tmRoot"/>
-      </p:par>
-    </p:tnLst>
-  </p:timing>
 </p:sld>
 </file>
 
@@ -8771,10 +8456,9 @@
           <a:lstStyle/>
           <a:p>
             <a:r>
-              <a:rPr lang="en-US" dirty="0" smtClean="0"/>
+              <a:rPr lang="en-US" dirty="0"/>
               <a:t>HTTP</a:t>
             </a:r>
-            <a:endParaRPr lang="en-US" dirty="0"/>
           </a:p>
         </p:txBody>
       </p:sp>
@@ -8800,32 +8484,20 @@
           </a:p>
           <a:p>
             <a:r>
-              <a:rPr lang="en-US" dirty="0" smtClean="0"/>
-              <a:t>layered </a:t>
-            </a:r>
-            <a:r>
-              <a:rPr lang="en-US" dirty="0"/>
-              <a:t>over TCP</a:t>
-            </a:r>
-          </a:p>
-          <a:p>
-            <a:r>
-              <a:rPr lang="en-US" dirty="0" smtClean="0"/>
-              <a:t>essentially </a:t>
-            </a:r>
-            <a:r>
-              <a:rPr lang="en-US" dirty="0"/>
-              <a:t>stateless (but. . . )</a:t>
-            </a:r>
-          </a:p>
-          <a:p>
-            <a:r>
-              <a:rPr lang="en-US" dirty="0" smtClean="0"/>
-              <a:t>standard </a:t>
-            </a:r>
-            <a:r>
-              <a:rPr lang="en-US" dirty="0"/>
-              <a:t>extensions for security</a:t>
+              <a:rPr lang="en-US" dirty="0"/>
+              <a:t>layered over TCP</a:t>
+            </a:r>
+          </a:p>
+          <a:p>
+            <a:r>
+              <a:rPr lang="en-US" dirty="0"/>
+              <a:t>essentially stateless (but. . . )</a:t>
+            </a:r>
+          </a:p>
+          <a:p>
+            <a:r>
+              <a:rPr lang="en-US" dirty="0"/>
+              <a:t>standard extensions for security</a:t>
             </a:r>
           </a:p>
         </p:txBody>
@@ -8840,13 +8512,6 @@
   <p:clrMapOvr>
     <a:masterClrMapping/>
   </p:clrMapOvr>
-  <p:timing>
-    <p:tnLst>
-      <p:par>
-        <p:cTn xmlns:p14="http://schemas.microsoft.com/office/powerpoint/2010/main" id="1" dur="indefinite" restart="never" nodeType="tmRoot"/>
-      </p:par>
-    </p:tnLst>
-  </p:timing>
 </p:sld>
 </file>
 
@@ -8919,13 +8584,6 @@
   <p:clrMapOvr>
     <a:masterClrMapping/>
   </p:clrMapOvr>
-  <p:timing>
-    <p:tnLst>
-      <p:par>
-        <p:cTn xmlns:p14="http://schemas.microsoft.com/office/powerpoint/2010/main" id="1" dur="indefinite" restart="never" nodeType="tmRoot"/>
-      </p:par>
-    </p:tnLst>
-  </p:timing>
 </p:sld>
 </file>
 
@@ -8962,10 +8620,9 @@
           <a:lstStyle/>
           <a:p>
             <a:r>
-              <a:rPr lang="en-US" dirty="0" smtClean="0"/>
+              <a:rPr lang="en-US" dirty="0"/>
               <a:t>HTTP “Verbs”</a:t>
             </a:r>
-            <a:endParaRPr lang="en-US" dirty="0"/>
           </a:p>
         </p:txBody>
       </p:sp>
@@ -9005,7 +8662,7 @@
           </a:p>
           <a:p>
             <a:r>
-              <a:rPr lang="en-US" dirty="0" smtClean="0"/>
+              <a:rPr lang="en-US" dirty="0"/>
               <a:t>PUT </a:t>
             </a:r>
             <a:r>
@@ -9026,7 +8683,7 @@
           </a:p>
           <a:p>
             <a:r>
-              <a:rPr lang="en-US" dirty="0" smtClean="0"/>
+              <a:rPr lang="en-US" dirty="0"/>
               <a:t>POST </a:t>
             </a:r>
             <a:r>
@@ -9047,7 +8704,7 @@
           </a:p>
           <a:p>
             <a:r>
-              <a:rPr lang="en-US" dirty="0" smtClean="0"/>
+              <a:rPr lang="en-US" dirty="0"/>
               <a:t>DELETE </a:t>
             </a:r>
             <a:r>
@@ -9066,13 +8723,8 @@
           <a:p>
             <a:r>
               <a:rPr lang="en-US" dirty="0"/>
-              <a:t>(also HEAD, TRACE, OPTIONS, </a:t>
-            </a:r>
-            <a:r>
-              <a:rPr lang="en-US" dirty="0" smtClean="0"/>
-              <a:t>CONNECT and now PATCH)</a:t>
-            </a:r>
-            <a:endParaRPr lang="en-US" dirty="0"/>
+              <a:t>(also HEAD, TRACE, OPTIONS, CONNECT and now PATCH)</a:t>
+            </a:r>
           </a:p>
         </p:txBody>
       </p:sp>
@@ -9086,13 +8738,6 @@
   <p:clrMapOvr>
     <a:masterClrMapping/>
   </p:clrMapOvr>
-  <p:timing>
-    <p:tnLst>
-      <p:par>
-        <p:cTn xmlns:p14="http://schemas.microsoft.com/office/powerpoint/2010/main" id="1" dur="indefinite" restart="never" nodeType="tmRoot"/>
-      </p:par>
-    </p:tnLst>
-  </p:timing>
 </p:sld>
 </file>
 
@@ -9129,145 +8774,9 @@
           <a:lstStyle/>
           <a:p>
             <a:r>
-              <a:rPr lang="en-US" dirty="0" smtClean="0"/>
-              <a:t>URIs, URNs, URLs</a:t>
-            </a:r>
-            <a:endParaRPr lang="en-US" dirty="0"/>
-          </a:p>
-        </p:txBody>
-      </p:sp>
-      <p:sp>
-        <p:nvSpPr>
-          <p:cNvPr id="3" name="Content Placeholder 2"/>
-          <p:cNvSpPr>
-            <a:spLocks noGrp="1"/>
-          </p:cNvSpPr>
-          <p:nvPr>
-            <p:ph idx="1"/>
-          </p:nvPr>
-        </p:nvSpPr>
-        <p:spPr/>
-        <p:txBody>
-          <a:bodyPr>
-            <a:normAutofit/>
-          </a:bodyPr>
-          <a:lstStyle/>
-          <a:p>
-            <a:r>
-              <a:rPr lang="en-US" dirty="0"/>
-              <a:t>uniform resource identifier (URI</a:t>
-            </a:r>
-            <a:r>
-              <a:rPr lang="en-US" dirty="0" smtClean="0"/>
-              <a:t>)</a:t>
-            </a:r>
-          </a:p>
-          <a:p>
-            <a:pPr lvl="1"/>
-            <a:r>
-              <a:rPr lang="en-US" dirty="0" smtClean="0"/>
-              <a:t>uniform </a:t>
-            </a:r>
-            <a:r>
-              <a:rPr lang="en-US" dirty="0"/>
-              <a:t>resource locator (URL</a:t>
-            </a:r>
-            <a:r>
-              <a:rPr lang="en-US" dirty="0" smtClean="0"/>
-              <a:t>)</a:t>
-            </a:r>
-          </a:p>
-          <a:p>
-            <a:pPr lvl="1"/>
-            <a:r>
-              <a:rPr lang="en-US" dirty="0" smtClean="0"/>
-              <a:t>uniform </a:t>
-            </a:r>
-            <a:r>
-              <a:rPr lang="en-US" dirty="0"/>
-              <a:t>resource name (URN</a:t>
-            </a:r>
-            <a:r>
-              <a:rPr lang="en-US" dirty="0" smtClean="0"/>
-              <a:t>)</a:t>
-            </a:r>
-          </a:p>
-          <a:p>
-            <a:r>
-              <a:rPr lang="en-US" dirty="0" smtClean="0">
-                <a:hlinkClick r:id="rId2"/>
-              </a:rPr>
-              <a:t>http://fremantle.org/hello</a:t>
-            </a:r>
-            <a:endParaRPr lang="en-US" dirty="0" smtClean="0"/>
-          </a:p>
-          <a:p>
-            <a:pPr lvl="1"/>
-            <a:r>
-              <a:rPr lang="en-US" dirty="0" smtClean="0"/>
-              <a:t>Is it a URI? URL? URN?</a:t>
-            </a:r>
-            <a:endParaRPr lang="en-US" dirty="0"/>
-          </a:p>
-        </p:txBody>
-      </p:sp>
-    </p:spTree>
-    <p:extLst>
-      <p:ext uri="{BB962C8B-B14F-4D97-AF65-F5344CB8AC3E}">
-        <p14:creationId xmlns:p14="http://schemas.microsoft.com/office/powerpoint/2010/main" val="2540161293"/>
-      </p:ext>
-    </p:extLst>
-  </p:cSld>
-  <p:clrMapOvr>
-    <a:masterClrMapping/>
-  </p:clrMapOvr>
-  <p:timing>
-    <p:tnLst>
-      <p:par>
-        <p:cTn xmlns:p14="http://schemas.microsoft.com/office/powerpoint/2010/main" id="1" dur="indefinite" restart="never" nodeType="tmRoot"/>
-      </p:par>
-    </p:tnLst>
-  </p:timing>
-</p:sld>
-</file>
-
-<file path=ppt/slides/slide7.xml><?xml version="1.0" encoding="utf-8"?>
-<p:sld xmlns:a="http://schemas.openxmlformats.org/drawingml/2006/main" xmlns:r="http://schemas.openxmlformats.org/officeDocument/2006/relationships" xmlns:p="http://schemas.openxmlformats.org/presentationml/2006/main">
-  <p:cSld>
-    <p:spTree>
-      <p:nvGrpSpPr>
-        <p:cNvPr id="1" name=""/>
-        <p:cNvGrpSpPr/>
-        <p:nvPr/>
-      </p:nvGrpSpPr>
-      <p:grpSpPr>
-        <a:xfrm>
-          <a:off x="0" y="0"/>
-          <a:ext cx="0" cy="0"/>
-          <a:chOff x="0" y="0"/>
-          <a:chExt cx="0" cy="0"/>
-        </a:xfrm>
-      </p:grpSpPr>
-      <p:sp>
-        <p:nvSpPr>
-          <p:cNvPr id="2" name="Title 1"/>
-          <p:cNvSpPr>
-            <a:spLocks noGrp="1"/>
-          </p:cNvSpPr>
-          <p:nvPr>
-            <p:ph type="title"/>
-          </p:nvPr>
-        </p:nvSpPr>
-        <p:spPr/>
-        <p:txBody>
-          <a:bodyPr/>
-          <a:lstStyle/>
-          <a:p>
-            <a:r>
-              <a:rPr lang="en-US" dirty="0" smtClean="0"/>
+              <a:rPr lang="en-US" dirty="0"/>
               <a:t>Examples of Design Patterns</a:t>
             </a:r>
-            <a:endParaRPr lang="en-US" dirty="0"/>
           </a:p>
         </p:txBody>
       </p:sp>
@@ -9329,13 +8838,97 @@
   <p:clrMapOvr>
     <a:masterClrMapping/>
   </p:clrMapOvr>
-  <p:timing>
-    <p:tnLst>
-      <p:par>
-        <p:cTn xmlns:p14="http://schemas.microsoft.com/office/powerpoint/2010/main" id="1" dur="indefinite" restart="never" nodeType="tmRoot"/>
-      </p:par>
-    </p:tnLst>
-  </p:timing>
+</p:sld>
+</file>
+
+<file path=ppt/slides/slide7.xml><?xml version="1.0" encoding="utf-8"?>
+<p:sld xmlns:a="http://schemas.openxmlformats.org/drawingml/2006/main" xmlns:r="http://schemas.openxmlformats.org/officeDocument/2006/relationships" xmlns:p="http://schemas.openxmlformats.org/presentationml/2006/main">
+  <p:cSld>
+    <p:spTree>
+      <p:nvGrpSpPr>
+        <p:cNvPr id="1" name=""/>
+        <p:cNvGrpSpPr/>
+        <p:nvPr/>
+      </p:nvGrpSpPr>
+      <p:grpSpPr>
+        <a:xfrm>
+          <a:off x="0" y="0"/>
+          <a:ext cx="0" cy="0"/>
+          <a:chOff x="0" y="0"/>
+          <a:chExt cx="0" cy="0"/>
+        </a:xfrm>
+      </p:grpSpPr>
+      <p:sp>
+        <p:nvSpPr>
+          <p:cNvPr id="2" name="Title 1"/>
+          <p:cNvSpPr>
+            <a:spLocks noGrp="1"/>
+          </p:cNvSpPr>
+          <p:nvPr>
+            <p:ph type="title"/>
+          </p:nvPr>
+        </p:nvSpPr>
+        <p:spPr/>
+        <p:txBody>
+          <a:bodyPr/>
+          <a:lstStyle/>
+          <a:p>
+            <a:r>
+              <a:rPr lang="en-US" dirty="0"/>
+              <a:t>REST is a design pattern</a:t>
+            </a:r>
+          </a:p>
+        </p:txBody>
+      </p:sp>
+      <p:sp>
+        <p:nvSpPr>
+          <p:cNvPr id="3" name="Content Placeholder 2"/>
+          <p:cNvSpPr>
+            <a:spLocks noGrp="1"/>
+          </p:cNvSpPr>
+          <p:nvPr>
+            <p:ph idx="1"/>
+          </p:nvPr>
+        </p:nvSpPr>
+        <p:spPr/>
+        <p:txBody>
+          <a:bodyPr/>
+          <a:lstStyle/>
+          <a:p>
+            <a:endParaRPr lang="en-US" dirty="0"/>
+          </a:p>
+          <a:p>
+            <a:endParaRPr lang="en-US" dirty="0"/>
+          </a:p>
+          <a:p>
+            <a:pPr marL="0" indent="0">
+              <a:buNone/>
+            </a:pPr>
+            <a:r>
+              <a:rPr lang="en-US" dirty="0"/>
+              <a:t>Also characterized as an </a:t>
+            </a:r>
+            <a:r>
+              <a:rPr lang="en-US" b="1" i="1" dirty="0"/>
+              <a:t>Architectural Style </a:t>
+            </a:r>
+            <a:r>
+              <a:rPr lang="en-US" dirty="0"/>
+              <a:t>(aka an architecture design pattern)</a:t>
+            </a:r>
+          </a:p>
+        </p:txBody>
+      </p:sp>
+    </p:spTree>
+    <p:extLst>
+      <p:ext uri="{BB962C8B-B14F-4D97-AF65-F5344CB8AC3E}">
+        <p14:creationId xmlns:p14="http://schemas.microsoft.com/office/powerpoint/2010/main" val="354754176"/>
+      </p:ext>
+    </p:extLst>
+  </p:cSld>
+  <p:clrMapOvr>
+    <a:masterClrMapping/>
+  </p:clrMapOvr>
 </p:sld>
 </file>
 
@@ -9368,14 +8961,15 @@
         </p:nvSpPr>
         <p:spPr/>
         <p:txBody>
-          <a:bodyPr/>
+          <a:bodyPr>
+            <a:normAutofit fontScale="90000"/>
+          </a:bodyPr>
           <a:lstStyle/>
           <a:p>
             <a:r>
-              <a:rPr lang="en-US" dirty="0" smtClean="0"/>
-              <a:t>REST is a design pattern</a:t>
-            </a:r>
-            <a:endParaRPr lang="en-US" dirty="0"/>
+              <a:rPr lang="en-US" dirty="0"/>
+              <a:t>Resource Oriented Architecture</a:t>
+            </a:r>
           </a:p>
         </p:txBody>
       </p:sp>
@@ -9391,51 +8985,57 @@
         </p:nvSpPr>
         <p:spPr/>
         <p:txBody>
-          <a:bodyPr/>
+          <a:bodyPr>
+            <a:normAutofit/>
+          </a:bodyPr>
           <a:lstStyle/>
           <a:p>
-            <a:endParaRPr lang="en-US" dirty="0" smtClean="0"/>
-          </a:p>
-          <a:p>
-            <a:endParaRPr lang="en-US" dirty="0"/>
-          </a:p>
-          <a:p>
-            <a:pPr marL="0" indent="0">
-              <a:buNone/>
-            </a:pPr>
-            <a:r>
-              <a:rPr lang="en-US" dirty="0" smtClean="0"/>
-              <a:t>Also characterized as an </a:t>
-            </a:r>
-            <a:r>
-              <a:rPr lang="en-US" b="1" i="1" dirty="0" smtClean="0"/>
-              <a:t>Architectural Style </a:t>
-            </a:r>
-            <a:r>
-              <a:rPr lang="en-US" dirty="0" smtClean="0"/>
-              <a:t>(aka an architecture design pattern)</a:t>
-            </a:r>
-            <a:endParaRPr lang="en-US" dirty="0"/>
+            <a:r>
+              <a:rPr lang="en-US" dirty="0"/>
+              <a:t>Resource-oriented architecture</a:t>
+            </a:r>
+          </a:p>
+          <a:p>
+            <a:pPr lvl="1"/>
+            <a:r>
+              <a:rPr lang="en-US" dirty="0"/>
+              <a:t>after Richardson &amp; Ruby, </a:t>
+            </a:r>
+            <a:r>
+              <a:rPr lang="en-US" dirty="0" err="1"/>
+              <a:t>RESTful</a:t>
+            </a:r>
+            <a:r>
+              <a:rPr lang="en-US" dirty="0"/>
+              <a:t> WS</a:t>
+            </a:r>
+          </a:p>
+          <a:p>
+            <a:pPr lvl="1"/>
+            <a:r>
+              <a:rPr lang="en-US" dirty="0"/>
+              <a:t>action identified in HTTP method, not in payload</a:t>
+            </a:r>
+          </a:p>
+          <a:p>
+            <a:pPr lvl="1"/>
+            <a:r>
+              <a:rPr lang="en-US" dirty="0"/>
+              <a:t>scoping information in URI</a:t>
+            </a:r>
           </a:p>
         </p:txBody>
       </p:sp>
     </p:spTree>
     <p:extLst>
       <p:ext uri="{BB962C8B-B14F-4D97-AF65-F5344CB8AC3E}">
-        <p14:creationId xmlns:p14="http://schemas.microsoft.com/office/powerpoint/2010/main" val="354754176"/>
+        <p14:creationId xmlns:p14="http://schemas.microsoft.com/office/powerpoint/2010/main" val="1097117594"/>
       </p:ext>
     </p:extLst>
   </p:cSld>
   <p:clrMapOvr>
     <a:masterClrMapping/>
   </p:clrMapOvr>
-  <p:timing>
-    <p:tnLst>
-      <p:par>
-        <p:cTn xmlns:p14="http://schemas.microsoft.com/office/powerpoint/2010/main" id="1" dur="indefinite" restart="never" nodeType="tmRoot"/>
-      </p:par>
-    </p:tnLst>
-  </p:timing>
 </p:sld>
 </file>
 
@@ -9468,118 +9068,50 @@
         </p:nvSpPr>
         <p:spPr/>
         <p:txBody>
-          <a:bodyPr>
-            <a:normAutofit fontScale="90000"/>
-          </a:bodyPr>
+          <a:bodyPr/>
           <a:lstStyle/>
           <a:p>
             <a:r>
-              <a:rPr lang="en-US" dirty="0" smtClean="0"/>
-              <a:t>Resource Oriented Architecture</a:t>
-            </a:r>
-            <a:endParaRPr lang="en-US" dirty="0"/>
-          </a:p>
-        </p:txBody>
-      </p:sp>
-      <p:sp>
-        <p:nvSpPr>
-          <p:cNvPr id="3" name="Content Placeholder 2"/>
-          <p:cNvSpPr>
-            <a:spLocks noGrp="1"/>
-          </p:cNvSpPr>
-          <p:nvPr>
-            <p:ph idx="1"/>
-          </p:nvPr>
-        </p:nvSpPr>
-        <p:spPr/>
-        <p:txBody>
-          <a:bodyPr>
-            <a:normAutofit/>
-          </a:bodyPr>
-          <a:lstStyle/>
-          <a:p>
-            <a:r>
-              <a:rPr lang="en-US" dirty="0"/>
-              <a:t>Resource-oriented </a:t>
-            </a:r>
-            <a:r>
-              <a:rPr lang="en-US" dirty="0" smtClean="0"/>
-              <a:t>architecture</a:t>
-            </a:r>
-          </a:p>
-          <a:p>
-            <a:pPr lvl="1"/>
-            <a:r>
-              <a:rPr lang="en-US" dirty="0" smtClean="0"/>
-              <a:t>after </a:t>
-            </a:r>
-            <a:r>
-              <a:rPr lang="en-US" dirty="0"/>
-              <a:t>Richardson &amp; Ruby, </a:t>
-            </a:r>
-            <a:r>
-              <a:rPr lang="en-US" dirty="0" err="1"/>
-              <a:t>RESTful</a:t>
-            </a:r>
-            <a:r>
-              <a:rPr lang="en-US" dirty="0"/>
-              <a:t> </a:t>
-            </a:r>
-            <a:r>
-              <a:rPr lang="en-US" dirty="0" smtClean="0"/>
-              <a:t>WS</a:t>
-            </a:r>
-          </a:p>
-          <a:p>
-            <a:pPr lvl="1"/>
-            <a:r>
-              <a:rPr lang="en-US" dirty="0" smtClean="0"/>
-              <a:t>action </a:t>
-            </a:r>
-            <a:r>
-              <a:rPr lang="en-US" dirty="0"/>
-              <a:t>identified in HTTP method, not in </a:t>
-            </a:r>
-            <a:r>
-              <a:rPr lang="en-US" dirty="0" smtClean="0"/>
-              <a:t>payload</a:t>
-            </a:r>
-          </a:p>
-          <a:p>
-            <a:pPr lvl="1"/>
-            <a:r>
-              <a:rPr lang="en-US" dirty="0" smtClean="0"/>
-              <a:t>scoping </a:t>
-            </a:r>
-            <a:r>
-              <a:rPr lang="en-US" dirty="0"/>
-              <a:t>information in </a:t>
-            </a:r>
-            <a:r>
-              <a:rPr lang="en-US" dirty="0" smtClean="0"/>
-              <a:t>URI</a:t>
-            </a:r>
-            <a:endParaRPr lang="en-US" dirty="0"/>
-          </a:p>
-        </p:txBody>
-      </p:sp>
+              <a:rPr lang="en-US" dirty="0"/>
+              <a:t>Richardson’s Maturity Model</a:t>
+            </a:r>
+          </a:p>
+        </p:txBody>
+      </p:sp>
+      <p:pic>
+        <p:nvPicPr>
+          <p:cNvPr id="4" name="Picture 3"/>
+          <p:cNvPicPr>
+            <a:picLocks noChangeAspect="1"/>
+          </p:cNvPicPr>
+          <p:nvPr/>
+        </p:nvPicPr>
+        <p:blipFill>
+          <a:blip r:embed="rId2"/>
+          <a:stretch>
+            <a:fillRect/>
+          </a:stretch>
+        </p:blipFill>
+        <p:spPr>
+          <a:xfrm>
+            <a:off x="1055738" y="1353302"/>
+            <a:ext cx="7783461" cy="4602998"/>
+          </a:xfrm>
+          <a:prstGeom prst="rect">
+            <a:avLst/>
+          </a:prstGeom>
+        </p:spPr>
+      </p:pic>
     </p:spTree>
     <p:extLst>
       <p:ext uri="{BB962C8B-B14F-4D97-AF65-F5344CB8AC3E}">
-        <p14:creationId xmlns:p14="http://schemas.microsoft.com/office/powerpoint/2010/main" val="1097117594"/>
+        <p14:creationId xmlns:p14="http://schemas.microsoft.com/office/powerpoint/2010/main" val="186322383"/>
       </p:ext>
     </p:extLst>
   </p:cSld>
   <p:clrMapOvr>
     <a:masterClrMapping/>
   </p:clrMapOvr>
-  <p:timing>
-    <p:tnLst>
-      <p:par>
-        <p:cTn xmlns:p14="http://schemas.microsoft.com/office/powerpoint/2010/main" id="1" dur="indefinite" restart="never" nodeType="tmRoot"/>
-      </p:par>
-    </p:tnLst>
-  </p:timing>
 </p:sld>
 </file>
 
